--- a/课程PPT/13.ECMAScript 6 一.pptx
+++ b/课程PPT/13.ECMAScript 6 一.pptx
@@ -5,12 +5,12 @@
     <p:sldMasterId id="2147483648" r:id="rId1"/>
   </p:sldMasterIdLst>
   <p:notesMasterIdLst>
-    <p:notesMasterId r:id="rId6"/>
+    <p:notesMasterId r:id="rId4"/>
   </p:notesMasterIdLst>
   <p:sldIdLst>
-    <p:sldId id="1233" r:id="rId3"/>
-    <p:sldId id="773" r:id="rId4"/>
-    <p:sldId id="1213" r:id="rId5"/>
+    <p:sldId id="1213" r:id="rId3"/>
+    <p:sldId id="1233" r:id="rId5"/>
+    <p:sldId id="773" r:id="rId6"/>
     <p:sldId id="1199" r:id="rId7"/>
     <p:sldId id="1214" r:id="rId8"/>
     <p:sldId id="1207" r:id="rId9"/>
@@ -20,11 +20,15 @@
     <p:sldId id="1249" r:id="rId13"/>
     <p:sldId id="1235" r:id="rId14"/>
     <p:sldId id="1219" r:id="rId15"/>
-    <p:sldId id="1220" r:id="rId16"/>
-    <p:sldId id="1250" r:id="rId17"/>
-    <p:sldId id="1104" r:id="rId18"/>
-    <p:sldId id="1230" r:id="rId19"/>
-    <p:sldId id="1232" r:id="rId20"/>
+    <p:sldId id="1257" r:id="rId16"/>
+    <p:sldId id="1220" r:id="rId17"/>
+    <p:sldId id="1250" r:id="rId18"/>
+    <p:sldId id="1104" r:id="rId19"/>
+    <p:sldId id="1230" r:id="rId20"/>
+    <p:sldId id="1232" r:id="rId21"/>
+    <p:sldId id="1258" r:id="rId22"/>
+    <p:sldId id="1260" r:id="rId23"/>
+    <p:sldId id="1259" r:id="rId24"/>
   </p:sldIdLst>
   <p:sldSz cx="12192000" cy="6858000"/>
   <p:notesSz cx="6797675" cy="9928225"/>
@@ -653,6 +657,162 @@
 </p:notes>
 </file>
 
+<file path=ppt/notesSlides/notesSlide10.xml><?xml version="1.0" encoding="utf-8"?>
+<p:notes xmlns:a="http://schemas.openxmlformats.org/drawingml/2006/main" xmlns:r="http://schemas.openxmlformats.org/officeDocument/2006/relationships" xmlns:p="http://schemas.openxmlformats.org/presentationml/2006/main">
+  <p:cSld>
+    <p:spTree>
+      <p:nvGrpSpPr>
+        <p:cNvPr id="1" name=""/>
+        <p:cNvGrpSpPr/>
+        <p:nvPr/>
+      </p:nvGrpSpPr>
+      <p:grpSpPr>
+        <a:xfrm>
+          <a:off x="0" y="0"/>
+          <a:ext cx="0" cy="0"/>
+          <a:chOff x="0" y="0"/>
+          <a:chExt cx="0" cy="0"/>
+        </a:xfrm>
+      </p:grpSpPr>
+      <p:sp>
+        <p:nvSpPr>
+          <p:cNvPr id="2" name="幻灯片图像占位符 1"/>
+          <p:cNvSpPr>
+            <a:spLocks noGrp="1" noRot="1" noChangeAspect="1"/>
+          </p:cNvSpPr>
+          <p:nvPr>
+            <p:ph type="sldImg"/>
+          </p:nvPr>
+        </p:nvSpPr>
+        <p:spPr/>
+      </p:sp>
+      <p:sp>
+        <p:nvSpPr>
+          <p:cNvPr id="3" name="备注占位符 2"/>
+          <p:cNvSpPr>
+            <a:spLocks noGrp="1"/>
+          </p:cNvSpPr>
+          <p:nvPr>
+            <p:ph type="body" idx="1"/>
+          </p:nvPr>
+        </p:nvSpPr>
+        <p:spPr/>
+        <p:txBody>
+          <a:bodyPr/>
+          <a:lstStyle/>
+          <a:p>
+            <a:endParaRPr lang="zh-CN" altLang="en-US" dirty="0"/>
+          </a:p>
+        </p:txBody>
+      </p:sp>
+      <p:sp>
+        <p:nvSpPr>
+          <p:cNvPr id="4" name="灯片编号占位符 3"/>
+          <p:cNvSpPr>
+            <a:spLocks noGrp="1"/>
+          </p:cNvSpPr>
+          <p:nvPr>
+            <p:ph type="sldNum" sz="quarter" idx="10"/>
+          </p:nvPr>
+        </p:nvSpPr>
+        <p:spPr/>
+        <p:txBody>
+          <a:bodyPr/>
+          <a:lstStyle/>
+          <a:p>
+            <a:fld id="{D9AFD278-84AA-4CAA-9049-809825956FE0}" type="slidenum">
+              <a:rPr lang="en-US" altLang="zh-CN" smtClean="0"/>
+            </a:fld>
+            <a:endParaRPr lang="zh-CN" altLang="zh-CN"/>
+          </a:p>
+        </p:txBody>
+      </p:sp>
+    </p:spTree>
+  </p:cSld>
+  <p:clrMapOvr>
+    <a:masterClrMapping/>
+  </p:clrMapOvr>
+</p:notes>
+</file>
+
+<file path=ppt/notesSlides/notesSlide11.xml><?xml version="1.0" encoding="utf-8"?>
+<p:notes xmlns:a="http://schemas.openxmlformats.org/drawingml/2006/main" xmlns:r="http://schemas.openxmlformats.org/officeDocument/2006/relationships" xmlns:p="http://schemas.openxmlformats.org/presentationml/2006/main">
+  <p:cSld>
+    <p:spTree>
+      <p:nvGrpSpPr>
+        <p:cNvPr id="1" name=""/>
+        <p:cNvGrpSpPr/>
+        <p:nvPr/>
+      </p:nvGrpSpPr>
+      <p:grpSpPr>
+        <a:xfrm>
+          <a:off x="0" y="0"/>
+          <a:ext cx="0" cy="0"/>
+          <a:chOff x="0" y="0"/>
+          <a:chExt cx="0" cy="0"/>
+        </a:xfrm>
+      </p:grpSpPr>
+      <p:sp>
+        <p:nvSpPr>
+          <p:cNvPr id="2" name="幻灯片图像占位符 1"/>
+          <p:cNvSpPr>
+            <a:spLocks noGrp="1" noRot="1" noChangeAspect="1"/>
+          </p:cNvSpPr>
+          <p:nvPr>
+            <p:ph type="sldImg"/>
+          </p:nvPr>
+        </p:nvSpPr>
+        <p:spPr/>
+      </p:sp>
+      <p:sp>
+        <p:nvSpPr>
+          <p:cNvPr id="3" name="备注占位符 2"/>
+          <p:cNvSpPr>
+            <a:spLocks noGrp="1"/>
+          </p:cNvSpPr>
+          <p:nvPr>
+            <p:ph type="body" idx="1"/>
+          </p:nvPr>
+        </p:nvSpPr>
+        <p:spPr/>
+        <p:txBody>
+          <a:bodyPr/>
+          <a:lstStyle/>
+          <a:p>
+            <a:endParaRPr lang="zh-CN" altLang="en-US" dirty="0"/>
+          </a:p>
+        </p:txBody>
+      </p:sp>
+      <p:sp>
+        <p:nvSpPr>
+          <p:cNvPr id="4" name="灯片编号占位符 3"/>
+          <p:cNvSpPr>
+            <a:spLocks noGrp="1"/>
+          </p:cNvSpPr>
+          <p:nvPr>
+            <p:ph type="sldNum" sz="quarter" idx="10"/>
+          </p:nvPr>
+        </p:nvSpPr>
+        <p:spPr/>
+        <p:txBody>
+          <a:bodyPr/>
+          <a:lstStyle/>
+          <a:p>
+            <a:fld id="{D9AFD278-84AA-4CAA-9049-809825956FE0}" type="slidenum">
+              <a:rPr lang="en-US" altLang="zh-CN" smtClean="0"/>
+            </a:fld>
+            <a:endParaRPr lang="zh-CN" altLang="zh-CN"/>
+          </a:p>
+        </p:txBody>
+      </p:sp>
+    </p:spTree>
+  </p:cSld>
+  <p:clrMapOvr>
+    <a:masterClrMapping/>
+  </p:clrMapOvr>
+</p:notes>
+</file>
+
 <file path=ppt/notesSlides/notesSlide2.xml><?xml version="1.0" encoding="utf-8"?>
 <p:notes xmlns:a="http://schemas.openxmlformats.org/drawingml/2006/main" xmlns:r="http://schemas.openxmlformats.org/officeDocument/2006/relationships" xmlns:p="http://schemas.openxmlformats.org/presentationml/2006/main">
   <p:cSld>
@@ -1182,6 +1342,84 @@
 </file>
 
 <file path=ppt/notesSlides/notesSlide8.xml><?xml version="1.0" encoding="utf-8"?>
+<p:notes xmlns:a="http://schemas.openxmlformats.org/drawingml/2006/main" xmlns:r="http://schemas.openxmlformats.org/officeDocument/2006/relationships" xmlns:p="http://schemas.openxmlformats.org/presentationml/2006/main">
+  <p:cSld>
+    <p:spTree>
+      <p:nvGrpSpPr>
+        <p:cNvPr id="1" name=""/>
+        <p:cNvGrpSpPr/>
+        <p:nvPr/>
+      </p:nvGrpSpPr>
+      <p:grpSpPr>
+        <a:xfrm>
+          <a:off x="0" y="0"/>
+          <a:ext cx="0" cy="0"/>
+          <a:chOff x="0" y="0"/>
+          <a:chExt cx="0" cy="0"/>
+        </a:xfrm>
+      </p:grpSpPr>
+      <p:sp>
+        <p:nvSpPr>
+          <p:cNvPr id="2" name="幻灯片图像占位符 1"/>
+          <p:cNvSpPr>
+            <a:spLocks noGrp="1" noRot="1" noChangeAspect="1"/>
+          </p:cNvSpPr>
+          <p:nvPr>
+            <p:ph type="sldImg"/>
+          </p:nvPr>
+        </p:nvSpPr>
+        <p:spPr/>
+      </p:sp>
+      <p:sp>
+        <p:nvSpPr>
+          <p:cNvPr id="3" name="备注占位符 2"/>
+          <p:cNvSpPr>
+            <a:spLocks noGrp="1"/>
+          </p:cNvSpPr>
+          <p:nvPr>
+            <p:ph type="body" idx="1"/>
+          </p:nvPr>
+        </p:nvSpPr>
+        <p:spPr/>
+        <p:txBody>
+          <a:bodyPr/>
+          <a:lstStyle/>
+          <a:p>
+            <a:endParaRPr lang="zh-CN" altLang="en-US" dirty="0"/>
+          </a:p>
+        </p:txBody>
+      </p:sp>
+      <p:sp>
+        <p:nvSpPr>
+          <p:cNvPr id="4" name="灯片编号占位符 3"/>
+          <p:cNvSpPr>
+            <a:spLocks noGrp="1"/>
+          </p:cNvSpPr>
+          <p:nvPr>
+            <p:ph type="sldNum" sz="quarter" idx="10"/>
+          </p:nvPr>
+        </p:nvSpPr>
+        <p:spPr/>
+        <p:txBody>
+          <a:bodyPr/>
+          <a:lstStyle/>
+          <a:p>
+            <a:fld id="{D9AFD278-84AA-4CAA-9049-809825956FE0}" type="slidenum">
+              <a:rPr lang="en-US" altLang="zh-CN" smtClean="0"/>
+            </a:fld>
+            <a:endParaRPr lang="zh-CN" altLang="zh-CN"/>
+          </a:p>
+        </p:txBody>
+      </p:sp>
+    </p:spTree>
+  </p:cSld>
+  <p:clrMapOvr>
+    <a:masterClrMapping/>
+  </p:clrMapOvr>
+</p:notes>
+</file>
+
+<file path=ppt/notesSlides/notesSlide9.xml><?xml version="1.0" encoding="utf-8"?>
 <p:notes xmlns:a="http://schemas.openxmlformats.org/drawingml/2006/main" xmlns:r="http://schemas.openxmlformats.org/officeDocument/2006/relationships" xmlns:p="http://schemas.openxmlformats.org/presentationml/2006/main">
   <p:cSld>
     <p:spTree>
@@ -3381,129 +3619,486 @@
           <a:chExt cx="0" cy="0"/>
         </a:xfrm>
       </p:grpSpPr>
-      <p:pic>
-        <p:nvPicPr>
-          <p:cNvPr id="4098" name="Picture 4"/>
-          <p:cNvPicPr>
-            <a:picLocks noChangeAspect="1" noChangeArrowheads="1"/>
-          </p:cNvPicPr>
-          <p:nvPr/>
-        </p:nvPicPr>
-        <p:blipFill>
-          <a:blip r:embed="rId1">
-            <a:extLst>
-              <a:ext uri="{28A0092B-C50C-407E-A947-70E740481C1C}">
-                <a14:useLocalDpi xmlns:a14="http://schemas.microsoft.com/office/drawing/2010/main" val="0"/>
-              </a:ext>
-            </a:extLst>
-          </a:blip>
-          <a:srcRect/>
-          <a:stretch>
-            <a:fillRect/>
-          </a:stretch>
-        </p:blipFill>
-        <p:spPr bwMode="auto">
-          <a:xfrm>
-            <a:off x="0" y="0"/>
-            <a:ext cx="12192000" cy="6858000"/>
-          </a:xfrm>
-          <a:prstGeom prst="rect">
-            <a:avLst/>
-          </a:prstGeom>
-          <a:noFill/>
-          <a:ln>
-            <a:noFill/>
-          </a:ln>
-          <a:extLst>
-            <a:ext uri="{909E8E84-426E-40DD-AFC4-6F175D3DCCD1}">
-              <a14:hiddenFill xmlns:a14="http://schemas.microsoft.com/office/drawing/2010/main">
-                <a:solidFill>
-                  <a:srgbClr val="FFFFFF"/>
-                </a:solidFill>
-              </a14:hiddenFill>
-            </a:ext>
-            <a:ext uri="{91240B29-F687-4F45-9708-019B960494DF}">
-              <a14:hiddenLine xmlns:a14="http://schemas.microsoft.com/office/drawing/2010/main" w="9525">
-                <a:solidFill>
-                  <a:srgbClr val="000000"/>
-                </a:solidFill>
-                <a:miter lim="800000"/>
-                <a:headEnd/>
-                <a:tailEnd/>
-              </a14:hiddenLine>
-            </a:ext>
-          </a:extLst>
-        </p:spPr>
-      </p:pic>
       <p:sp>
         <p:nvSpPr>
-          <p:cNvPr id="4099" name="Rectangle 2"/>
+          <p:cNvPr id="2" name="内容占位符 1"/>
           <p:cNvSpPr>
-            <a:spLocks noGrp="1" noChangeArrowheads="1"/>
+            <a:spLocks noGrp="1"/>
           </p:cNvSpPr>
           <p:nvPr>
-            <p:ph type="ctrTitle" idx="4294967295"/>
+            <p:ph sz="quarter" idx="10"/>
           </p:nvPr>
         </p:nvSpPr>
-        <p:spPr bwMode="auto">
+        <p:spPr>
           <a:xfrm>
-            <a:off x="1809751" y="2141856"/>
-            <a:ext cx="7286625" cy="1116013"/>
+            <a:off x="855980" y="855345"/>
+            <a:ext cx="10841990" cy="5238115"/>
           </a:xfrm>
-          <a:prstGeom prst="rect">
-            <a:avLst/>
-          </a:prstGeom>
-          <a:noFill/>
-          <a:extLst>
-            <a:ext uri="{909E8E84-426E-40DD-AFC4-6F175D3DCCD1}">
-              <a14:hiddenFill xmlns:a14="http://schemas.microsoft.com/office/drawing/2010/main">
-                <a:solidFill>
-                  <a:srgbClr val="FFFFFF"/>
-                </a:solidFill>
-              </a14:hiddenFill>
-            </a:ext>
-            <a:ext uri="{91240B29-F687-4F45-9708-019B960494DF}">
-              <a14:hiddenLine xmlns:a14="http://schemas.microsoft.com/office/drawing/2010/main" w="9525">
-                <a:solidFill>
-                  <a:srgbClr val="000000"/>
-                </a:solidFill>
-                <a:miter lim="800000"/>
-                <a:headEnd/>
-                <a:tailEnd/>
-              </a14:hiddenLine>
-            </a:ext>
-          </a:extLst>
         </p:spPr>
         <p:txBody>
-          <a:bodyPr anchor="b"/>
+          <a:bodyPr/>
           <a:lstStyle/>
           <a:p>
-            <a:pPr algn="ctr" eaLnBrk="1" hangingPunct="1"/>
-            <a:r>
-              <a:rPr lang="en-US" sz="4800" b="1" dirty="0">
+            <a:r>
+              <a:rPr kumimoji="0" lang="en-US" altLang="zh-CN" sz="3200" dirty="0">
+                <a:solidFill>
+                  <a:schemeClr val="tx1"/>
+                </a:solidFill>
+                <a:sym typeface="+mn-ea"/>
+              </a:rPr>
+              <a:t>ECMAScript</a:t>
+            </a:r>
+            <a:r>
+              <a:rPr kumimoji="0" lang="zh-CN" altLang="en-US" sz="3200" dirty="0">
+                <a:solidFill>
+                  <a:schemeClr val="tx1"/>
+                </a:solidFill>
+                <a:sym typeface="+mn-ea"/>
+              </a:rPr>
+              <a:t>（</a:t>
+            </a:r>
+            <a:r>
+              <a:rPr kumimoji="0" lang="en-US" altLang="zh-CN" sz="3200" dirty="0">
+                <a:solidFill>
+                  <a:schemeClr val="tx1"/>
+                </a:solidFill>
+                <a:sym typeface="+mn-ea"/>
+              </a:rPr>
+              <a:t>ES</a:t>
+            </a:r>
+            <a:r>
+              <a:rPr kumimoji="0" lang="zh-CN" altLang="en-US" sz="3200" dirty="0">
+                <a:solidFill>
+                  <a:schemeClr val="tx1"/>
+                </a:solidFill>
+                <a:sym typeface="+mn-ea"/>
+              </a:rPr>
+              <a:t>）是</a:t>
+            </a:r>
+            <a:r>
+              <a:rPr kumimoji="0" lang="en-US" altLang="zh-CN" sz="3200" dirty="0">
+                <a:solidFill>
+                  <a:schemeClr val="tx1"/>
+                </a:solidFill>
                 <a:sym typeface="+mn-ea"/>
               </a:rPr>
               <a:t>JavaScript</a:t>
             </a:r>
             <a:r>
-              <a:rPr lang="zh-CN" altLang="en-US" sz="4800" b="1" dirty="0">
-                <a:sym typeface="+mn-ea"/>
-              </a:rPr>
-              <a:t>进阶（</a:t>
-            </a:r>
-            <a:r>
-              <a:rPr lang="en-US" altLang="zh-CN" sz="4800" b="1" dirty="0">
-                <a:sym typeface="+mn-ea"/>
+              <a:rPr kumimoji="0" lang="zh-CN" altLang="en-US" sz="3200" dirty="0">
+                <a:solidFill>
+                  <a:schemeClr val="tx1"/>
+                </a:solidFill>
+                <a:sym typeface="+mn-ea"/>
+              </a:rPr>
+              <a:t>的语法标准</a:t>
+            </a:r>
+            <a:endParaRPr kumimoji="0" lang="zh-CN" altLang="en-US" sz="1800" dirty="0">
+              <a:solidFill>
+                <a:schemeClr val="tx1"/>
+              </a:solidFill>
+            </a:endParaRPr>
+          </a:p>
+          <a:p>
+            <a:r>
+              <a:rPr kumimoji="0" lang="en-US" altLang="zh-CN" sz="3200" dirty="0">
+                <a:solidFill>
+                  <a:schemeClr val="tx1"/>
+                </a:solidFill>
+                <a:sym typeface="+mn-ea"/>
+              </a:rPr>
+              <a:t>ECMAScript</a:t>
+            </a:r>
+            <a:r>
+              <a:rPr kumimoji="0" lang="zh-CN" altLang="en-US" sz="3200" dirty="0">
+                <a:solidFill>
+                  <a:schemeClr val="tx1"/>
+                </a:solidFill>
+                <a:sym typeface="+mn-ea"/>
+              </a:rPr>
+              <a:t>的版本</a:t>
+            </a:r>
+            <a:r>
+              <a:rPr kumimoji="0" lang="zh-CN" altLang="en-US" sz="3200" dirty="0">
+                <a:solidFill>
+                  <a:schemeClr val="tx1"/>
+                </a:solidFill>
+              </a:rPr>
+              <a:t>（</a:t>
+            </a:r>
+            <a:r>
+              <a:rPr kumimoji="0" lang="en-US" altLang="zh-CN" sz="3200" dirty="0">
+                <a:solidFill>
+                  <a:schemeClr val="tx1"/>
+                </a:solidFill>
+              </a:rPr>
+              <a:t>ES5</a:t>
+            </a:r>
+            <a:r>
+              <a:rPr kumimoji="0" lang="zh-CN" altLang="en-US" sz="3200" dirty="0">
+                <a:solidFill>
+                  <a:schemeClr val="tx1"/>
+                </a:solidFill>
+              </a:rPr>
+              <a:t>、</a:t>
+            </a:r>
+            <a:r>
+              <a:rPr kumimoji="0" lang="en-US" altLang="zh-CN" sz="3200" dirty="0">
+                <a:solidFill>
+                  <a:schemeClr val="tx1"/>
+                </a:solidFill>
               </a:rPr>
               <a:t>ES6</a:t>
             </a:r>
             <a:r>
-              <a:rPr lang="zh-CN" altLang="en-US" sz="4800" b="1" dirty="0">
-                <a:sym typeface="+mn-ea"/>
+              <a:rPr kumimoji="0" lang="zh-CN" altLang="en-US" sz="3200" dirty="0">
+                <a:solidFill>
+                  <a:schemeClr val="tx1"/>
+                </a:solidFill>
               </a:rPr>
               <a:t>）</a:t>
             </a:r>
-            <a:endParaRPr kumimoji="0" lang="zh-CN" altLang="en-US" sz="4800" b="1" dirty="0">
+            <a:br>
+              <a:rPr kumimoji="0" lang="zh-CN" altLang="en-US" dirty="0">
+                <a:solidFill>
+                  <a:schemeClr val="tx1"/>
+                </a:solidFill>
+              </a:rPr>
+            </a:br>
+            <a:r>
+              <a:rPr kumimoji="0" lang="en-US" altLang="zh-CN" sz="2000" dirty="0">
+                <a:solidFill>
+                  <a:schemeClr val="tx1"/>
+                </a:solidFill>
+              </a:rPr>
+              <a:t>- ES5</a:t>
+            </a:r>
+            <a:r>
+              <a:rPr kumimoji="0" lang="zh-CN" altLang="en-US" sz="2000" dirty="0">
+                <a:solidFill>
+                  <a:schemeClr val="tx1"/>
+                </a:solidFill>
+              </a:rPr>
+              <a:t>（</a:t>
+            </a:r>
+            <a:r>
+              <a:rPr kumimoji="0" lang="en-US" altLang="zh-CN" sz="2000" dirty="0">
+                <a:solidFill>
+                  <a:schemeClr val="tx1"/>
+                </a:solidFill>
+              </a:rPr>
+              <a:t>2009年12月发布</a:t>
+            </a:r>
+            <a:r>
+              <a:rPr kumimoji="0" lang="zh-CN" altLang="en-US" sz="2000" dirty="0">
+                <a:solidFill>
+                  <a:schemeClr val="tx1"/>
+                </a:solidFill>
+              </a:rPr>
+              <a:t>）</a:t>
+            </a:r>
+            <a:br>
+              <a:rPr kumimoji="0" lang="zh-CN" altLang="en-US" sz="2000" dirty="0">
+                <a:solidFill>
+                  <a:schemeClr val="tx1"/>
+                </a:solidFill>
+              </a:rPr>
+            </a:br>
+            <a:r>
+              <a:rPr kumimoji="0" lang="en-US" altLang="zh-CN" sz="2000" dirty="0">
+                <a:solidFill>
+                  <a:schemeClr val="tx1"/>
+                </a:solidFill>
+              </a:rPr>
+              <a:t>- </a:t>
+            </a:r>
+            <a:r>
+              <a:rPr kumimoji="0" lang="en-US" altLang="zh-CN" sz="2000" dirty="0">
+                <a:solidFill>
+                  <a:schemeClr val="tx1"/>
+                </a:solidFill>
+                <a:sym typeface="+mn-ea"/>
+              </a:rPr>
+              <a:t>ES6</a:t>
+            </a:r>
+            <a:r>
+              <a:rPr kumimoji="0" lang="zh-CN" altLang="en-US" sz="2000" dirty="0">
+                <a:solidFill>
+                  <a:schemeClr val="tx1"/>
+                </a:solidFill>
+                <a:sym typeface="+mn-ea"/>
+              </a:rPr>
+              <a:t>（</a:t>
+            </a:r>
+            <a:r>
+              <a:rPr kumimoji="0" sz="2000" dirty="0">
+                <a:solidFill>
+                  <a:schemeClr val="tx1"/>
+                </a:solidFill>
+                <a:sym typeface="+mn-ea"/>
+              </a:rPr>
+              <a:t>2015年</a:t>
+            </a:r>
+            <a:r>
+              <a:rPr kumimoji="0" lang="en-US" sz="2000" dirty="0">
+                <a:solidFill>
+                  <a:schemeClr val="tx1"/>
+                </a:solidFill>
+                <a:sym typeface="+mn-ea"/>
+              </a:rPr>
+              <a:t>0</a:t>
+            </a:r>
+            <a:r>
+              <a:rPr kumimoji="0" sz="2000" dirty="0">
+                <a:solidFill>
+                  <a:schemeClr val="tx1"/>
+                </a:solidFill>
+                <a:sym typeface="+mn-ea"/>
+              </a:rPr>
+              <a:t>6</a:t>
+            </a:r>
+            <a:r>
+              <a:rPr kumimoji="0" lang="zh-CN" sz="2000" dirty="0">
+                <a:solidFill>
+                  <a:schemeClr val="tx1"/>
+                </a:solidFill>
+                <a:sym typeface="+mn-ea"/>
+              </a:rPr>
+              <a:t>月</a:t>
+            </a:r>
+            <a:r>
+              <a:rPr kumimoji="0" sz="2000" dirty="0">
+                <a:solidFill>
+                  <a:schemeClr val="tx1"/>
+                </a:solidFill>
+                <a:sym typeface="+mn-ea"/>
+              </a:rPr>
+              <a:t>发布</a:t>
+            </a:r>
+            <a:r>
+              <a:rPr kumimoji="0" lang="zh-CN" altLang="en-US" sz="2000" dirty="0">
+                <a:solidFill>
+                  <a:schemeClr val="tx1"/>
+                </a:solidFill>
+                <a:sym typeface="+mn-ea"/>
+              </a:rPr>
+              <a:t>）增加了许多新特性，并解决了很多</a:t>
+            </a:r>
+            <a:r>
+              <a:rPr kumimoji="0" lang="en-US" altLang="zh-CN" sz="2000" dirty="0">
+                <a:solidFill>
+                  <a:schemeClr val="tx1"/>
+                </a:solidFill>
+                <a:sym typeface="+mn-ea"/>
+              </a:rPr>
+              <a:t>ES5</a:t>
+            </a:r>
+            <a:r>
+              <a:rPr kumimoji="0" lang="zh-CN" altLang="en-US" sz="2000" dirty="0">
+                <a:solidFill>
+                  <a:schemeClr val="tx1"/>
+                </a:solidFill>
+                <a:sym typeface="+mn-ea"/>
+              </a:rPr>
+              <a:t>中的缺陷</a:t>
+            </a:r>
+            <a:endParaRPr kumimoji="0" lang="zh-CN" altLang="en-US" sz="2000" dirty="0">
+              <a:solidFill>
+                <a:schemeClr val="tx1"/>
+              </a:solidFill>
+              <a:sym typeface="+mn-ea"/>
+            </a:endParaRPr>
+          </a:p>
+          <a:p>
+            <a:r>
+              <a:rPr lang="zh-CN" sz="3200">
+                <a:solidFill>
+                  <a:schemeClr val="tx1"/>
+                </a:solidFill>
+                <a:latin typeface="+mn-ea"/>
+                <a:ea typeface="+mn-ea"/>
+                <a:sym typeface="+mn-ea"/>
+              </a:rPr>
+              <a:t>如何查看当前环境对</a:t>
+            </a:r>
+            <a:r>
+              <a:rPr lang="en-US" altLang="zh-CN" sz="3200">
+                <a:solidFill>
+                  <a:schemeClr val="tx1"/>
+                </a:solidFill>
+                <a:latin typeface="+mn-ea"/>
+                <a:ea typeface="+mn-ea"/>
+                <a:sym typeface="+mn-ea"/>
+              </a:rPr>
+              <a:t>ES6</a:t>
+            </a:r>
+            <a:r>
+              <a:rPr lang="zh-CN" altLang="en-US" sz="3200">
+                <a:solidFill>
+                  <a:schemeClr val="tx1"/>
+                </a:solidFill>
+                <a:latin typeface="+mn-ea"/>
+                <a:ea typeface="+mn-ea"/>
+                <a:sym typeface="+mn-ea"/>
+              </a:rPr>
+              <a:t>的支持情况</a:t>
+            </a:r>
+            <a:br>
+              <a:rPr lang="zh-CN" altLang="en-US" sz="2000">
+                <a:solidFill>
+                  <a:schemeClr val="tx1"/>
+                </a:solidFill>
+                <a:latin typeface="+mn-ea"/>
+                <a:ea typeface="+mn-ea"/>
+                <a:sym typeface="+mn-ea"/>
+              </a:rPr>
+            </a:br>
+            <a:r>
+              <a:rPr lang="en-US" altLang="zh-CN" sz="2000">
+                <a:solidFill>
+                  <a:schemeClr val="tx1"/>
+                </a:solidFill>
+                <a:latin typeface="+mn-ea"/>
+                <a:ea typeface="+mn-ea"/>
+                <a:sym typeface="+mn-ea"/>
+              </a:rPr>
+              <a:t>- </a:t>
+            </a:r>
+            <a:r>
+              <a:rPr lang="zh-CN" altLang="en-US" sz="2000">
+                <a:solidFill>
+                  <a:schemeClr val="tx1"/>
+                </a:solidFill>
+                <a:latin typeface="+mn-ea"/>
+                <a:ea typeface="+mn-ea"/>
+                <a:sym typeface="+mn-ea"/>
+              </a:rPr>
+              <a:t>http://ruanyf.github.io/es-checker/index.cn.html</a:t>
+            </a:r>
+            <a:br>
+              <a:rPr lang="zh-CN" altLang="en-US" sz="2000">
+                <a:solidFill>
+                  <a:schemeClr val="tx1"/>
+                </a:solidFill>
+                <a:latin typeface="+mn-ea"/>
+                <a:ea typeface="+mn-ea"/>
+                <a:sym typeface="+mn-ea"/>
+              </a:rPr>
+            </a:br>
+            <a:r>
+              <a:rPr lang="en-US" altLang="zh-CN" sz="2000">
+                <a:solidFill>
+                  <a:schemeClr val="tx1"/>
+                </a:solidFill>
+                <a:latin typeface="+mn-ea"/>
+                <a:ea typeface="+mn-ea"/>
+                <a:sym typeface="+mn-ea"/>
+              </a:rPr>
+              <a:t>- </a:t>
+            </a:r>
+            <a:r>
+              <a:rPr lang="zh-CN" altLang="en-US" sz="2000">
+                <a:solidFill>
+                  <a:schemeClr val="tx1"/>
+                </a:solidFill>
+                <a:latin typeface="+mn-ea"/>
+                <a:ea typeface="+mn-ea"/>
+                <a:sym typeface="+mn-ea"/>
+              </a:rPr>
+              <a:t>https://kangax.github.io/compat-table/es6/  和  </a:t>
+            </a:r>
+            <a:r>
+              <a:rPr lang="zh-CN" altLang="en-US" sz="2000">
+                <a:solidFill>
+                  <a:schemeClr val="tx1"/>
+                </a:solidFill>
+                <a:latin typeface="+mn-ea"/>
+                <a:ea typeface="+mn-ea"/>
+                <a:sym typeface="+mn-ea"/>
+              </a:rPr>
+              <a:t>http://node.green/  </a:t>
+            </a:r>
+            <a:endParaRPr lang="zh-CN" altLang="en-US" sz="2000">
+              <a:solidFill>
+                <a:schemeClr val="tx1"/>
+              </a:solidFill>
+              <a:latin typeface="+mn-ea"/>
+              <a:ea typeface="+mn-ea"/>
+              <a:sym typeface="+mn-ea"/>
+            </a:endParaRPr>
+          </a:p>
+          <a:p>
+            <a:r>
+              <a:rPr lang="zh-CN" altLang="en-US" sz="3200">
+                <a:solidFill>
+                  <a:schemeClr val="tx1"/>
+                </a:solidFill>
+                <a:latin typeface="+mn-ea"/>
+                <a:ea typeface="+mn-ea"/>
+                <a:sym typeface="+mn-ea"/>
+              </a:rPr>
+              <a:t>遇到兼容问题时如何将</a:t>
+            </a:r>
+            <a:r>
+              <a:rPr lang="en-US" altLang="zh-CN" sz="3200">
+                <a:solidFill>
+                  <a:schemeClr val="tx1"/>
+                </a:solidFill>
+                <a:latin typeface="+mn-ea"/>
+                <a:ea typeface="+mn-ea"/>
+                <a:sym typeface="+mn-ea"/>
+              </a:rPr>
+              <a:t>ES6</a:t>
+            </a:r>
+            <a:r>
+              <a:rPr lang="zh-CN" altLang="en-US" sz="3200">
+                <a:solidFill>
+                  <a:schemeClr val="tx1"/>
+                </a:solidFill>
+                <a:latin typeface="+mn-ea"/>
+                <a:ea typeface="+mn-ea"/>
+                <a:sym typeface="+mn-ea"/>
+              </a:rPr>
+              <a:t>转为</a:t>
+            </a:r>
+            <a:r>
+              <a:rPr lang="en-US" altLang="zh-CN" sz="3200">
+                <a:solidFill>
+                  <a:schemeClr val="tx1"/>
+                </a:solidFill>
+                <a:latin typeface="+mn-ea"/>
+                <a:ea typeface="+mn-ea"/>
+                <a:sym typeface="+mn-ea"/>
+              </a:rPr>
+              <a:t>ES5</a:t>
+            </a:r>
+            <a:r>
+              <a:rPr lang="zh-CN" altLang="en-US" sz="3200">
+                <a:solidFill>
+                  <a:schemeClr val="tx1"/>
+                </a:solidFill>
+                <a:latin typeface="+mn-ea"/>
+                <a:ea typeface="+mn-ea"/>
+                <a:sym typeface="+mn-ea"/>
+              </a:rPr>
+              <a:t>（http://babeljs.io/）</a:t>
+            </a:r>
+            <a:endParaRPr lang="zh-CN" altLang="en-US" sz="3200">
+              <a:solidFill>
+                <a:schemeClr val="tx1"/>
+              </a:solidFill>
+              <a:latin typeface="+mn-ea"/>
+              <a:ea typeface="+mn-ea"/>
+              <a:sym typeface="+mn-ea"/>
+            </a:endParaRPr>
+          </a:p>
+          <a:p>
+            <a:endParaRPr kumimoji="0" lang="en-US" altLang="zh-CN" sz="2000" dirty="0">
+              <a:solidFill>
+                <a:srgbClr val="FF0000"/>
+              </a:solidFill>
+              <a:latin typeface="+mn-ea"/>
+              <a:ea typeface="+mn-ea"/>
               <a:sym typeface="+mn-ea"/>
             </a:endParaRPr>
           </a:p>
@@ -3511,407 +4106,58 @@
       </p:sp>
       <p:sp>
         <p:nvSpPr>
-          <p:cNvPr id="4100" name="TextBox 4"/>
-          <p:cNvSpPr txBox="1">
-            <a:spLocks noChangeArrowheads="1"/>
+          <p:cNvPr id="3" name="内容占位符 2"/>
+          <p:cNvSpPr>
+            <a:spLocks noGrp="1"/>
           </p:cNvSpPr>
-          <p:nvPr/>
+          <p:nvPr>
+            <p:ph sz="quarter" idx="11"/>
+          </p:nvPr>
         </p:nvSpPr>
-        <p:spPr bwMode="auto">
+        <p:spPr>
           <a:xfrm>
-            <a:off x="4634865" y="4358640"/>
-            <a:ext cx="6033135" cy="583565"/>
+            <a:off x="981710" y="236855"/>
+            <a:ext cx="8922385" cy="490220"/>
           </a:xfrm>
-          <a:prstGeom prst="rect">
-            <a:avLst/>
-          </a:prstGeom>
-          <a:noFill/>
-          <a:ln>
-            <a:noFill/>
-          </a:ln>
-          <a:extLst>
-            <a:ext uri="{909E8E84-426E-40DD-AFC4-6F175D3DCCD1}">
-              <a14:hiddenFill xmlns:a14="http://schemas.microsoft.com/office/drawing/2010/main">
-                <a:solidFill>
-                  <a:srgbClr val="FFFFFF"/>
-                </a:solidFill>
-              </a14:hiddenFill>
-            </a:ext>
-            <a:ext uri="{91240B29-F687-4F45-9708-019B960494DF}">
-              <a14:hiddenLine xmlns:a14="http://schemas.microsoft.com/office/drawing/2010/main" w="9525">
-                <a:solidFill>
-                  <a:srgbClr val="000000"/>
-                </a:solidFill>
-                <a:miter lim="800000"/>
-                <a:headEnd/>
-                <a:tailEnd/>
-              </a14:hiddenLine>
-            </a:ext>
-          </a:extLst>
         </p:spPr>
         <p:txBody>
-          <a:bodyPr wrap="square">
-            <a:spAutoFit/>
-          </a:bodyPr>
-          <a:lstStyle>
-            <a:lvl1pPr>
-              <a:defRPr sz="3200">
-                <a:solidFill>
-                  <a:schemeClr val="tx1"/>
-                </a:solidFill>
-                <a:latin typeface="Arial" panose="020B0604020202020204" pitchFamily="34" charset="0"/>
-                <a:ea typeface="微软雅黑" panose="020B0503020204020204" pitchFamily="34" charset="-122"/>
-              </a:defRPr>
-            </a:lvl1pPr>
-            <a:lvl2pPr marL="742950" indent="-285750">
-              <a:defRPr sz="3200">
-                <a:solidFill>
-                  <a:schemeClr val="tx1"/>
-                </a:solidFill>
-                <a:latin typeface="Arial" panose="020B0604020202020204" pitchFamily="34" charset="0"/>
-                <a:ea typeface="微软雅黑" panose="020B0503020204020204" pitchFamily="34" charset="-122"/>
-              </a:defRPr>
-            </a:lvl2pPr>
-            <a:lvl3pPr marL="1143000" indent="-228600">
-              <a:defRPr sz="3200">
-                <a:solidFill>
-                  <a:schemeClr val="tx1"/>
-                </a:solidFill>
-                <a:latin typeface="Arial" panose="020B0604020202020204" pitchFamily="34" charset="0"/>
-                <a:ea typeface="微软雅黑" panose="020B0503020204020204" pitchFamily="34" charset="-122"/>
-              </a:defRPr>
-            </a:lvl3pPr>
-            <a:lvl4pPr marL="1600200" indent="-228600">
-              <a:defRPr sz="3200">
-                <a:solidFill>
-                  <a:schemeClr val="tx1"/>
-                </a:solidFill>
-                <a:latin typeface="Arial" panose="020B0604020202020204" pitchFamily="34" charset="0"/>
-                <a:ea typeface="微软雅黑" panose="020B0503020204020204" pitchFamily="34" charset="-122"/>
-              </a:defRPr>
-            </a:lvl4pPr>
-            <a:lvl5pPr marL="2057400" indent="-228600">
-              <a:defRPr sz="3200">
-                <a:solidFill>
-                  <a:schemeClr val="tx1"/>
-                </a:solidFill>
-                <a:latin typeface="Arial" panose="020B0604020202020204" pitchFamily="34" charset="0"/>
-                <a:ea typeface="微软雅黑" panose="020B0503020204020204" pitchFamily="34" charset="-122"/>
-              </a:defRPr>
-            </a:lvl5pPr>
-            <a:lvl6pPr marL="2514600" indent="-228600" eaLnBrk="0" fontAlgn="base" hangingPunct="0">
-              <a:spcBef>
-                <a:spcPct val="0"/>
-              </a:spcBef>
-              <a:spcAft>
-                <a:spcPct val="0"/>
-              </a:spcAft>
-              <a:defRPr sz="3200">
-                <a:solidFill>
-                  <a:schemeClr val="tx1"/>
-                </a:solidFill>
-                <a:latin typeface="Arial" panose="020B0604020202020204" pitchFamily="34" charset="0"/>
-                <a:ea typeface="微软雅黑" panose="020B0503020204020204" pitchFamily="34" charset="-122"/>
-              </a:defRPr>
-            </a:lvl6pPr>
-            <a:lvl7pPr marL="2971800" indent="-228600" eaLnBrk="0" fontAlgn="base" hangingPunct="0">
-              <a:spcBef>
-                <a:spcPct val="0"/>
-              </a:spcBef>
-              <a:spcAft>
-                <a:spcPct val="0"/>
-              </a:spcAft>
-              <a:defRPr sz="3200">
-                <a:solidFill>
-                  <a:schemeClr val="tx1"/>
-                </a:solidFill>
-                <a:latin typeface="Arial" panose="020B0604020202020204" pitchFamily="34" charset="0"/>
-                <a:ea typeface="微软雅黑" panose="020B0503020204020204" pitchFamily="34" charset="-122"/>
-              </a:defRPr>
-            </a:lvl7pPr>
-            <a:lvl8pPr marL="3429000" indent="-228600" eaLnBrk="0" fontAlgn="base" hangingPunct="0">
-              <a:spcBef>
-                <a:spcPct val="0"/>
-              </a:spcBef>
-              <a:spcAft>
-                <a:spcPct val="0"/>
-              </a:spcAft>
-              <a:defRPr sz="3200">
-                <a:solidFill>
-                  <a:schemeClr val="tx1"/>
-                </a:solidFill>
-                <a:latin typeface="Arial" panose="020B0604020202020204" pitchFamily="34" charset="0"/>
-                <a:ea typeface="微软雅黑" panose="020B0503020204020204" pitchFamily="34" charset="-122"/>
-              </a:defRPr>
-            </a:lvl8pPr>
-            <a:lvl9pPr marL="3886200" indent="-228600" eaLnBrk="0" fontAlgn="base" hangingPunct="0">
-              <a:spcBef>
-                <a:spcPct val="0"/>
-              </a:spcBef>
-              <a:spcAft>
-                <a:spcPct val="0"/>
-              </a:spcAft>
-              <a:defRPr sz="3200">
-                <a:solidFill>
-                  <a:schemeClr val="tx1"/>
-                </a:solidFill>
-                <a:latin typeface="Arial" panose="020B0604020202020204" pitchFamily="34" charset="0"/>
-                <a:ea typeface="微软雅黑" panose="020B0503020204020204" pitchFamily="34" charset="-122"/>
-              </a:defRPr>
-            </a:lvl9pPr>
-          </a:lstStyle>
-          <a:p>
-            <a:r>
-              <a:rPr lang="en-US" altLang="zh-CN">
-                <a:latin typeface="微软雅黑" panose="020B0503020204020204" pitchFamily="34" charset="-122"/>
-                <a:ea typeface="宋体" panose="02010600030101010101" pitchFamily="2" charset="-122"/>
-              </a:rPr>
-              <a:t>---</a:t>
-            </a:r>
-            <a:r>
+          <a:bodyPr/>
+          <a:lstStyle/>
+          <a:p>
+            <a:r>
+              <a:rPr lang="zh-CN" altLang="en-US" dirty="0"/>
+              <a:t>背景</a:t>
+            </a:r>
+            <a:r>
+              <a:rPr lang="zh-CN" dirty="0">
+                <a:sym typeface="+mn-ea"/>
+              </a:rPr>
+              <a:t>知识</a:t>
+            </a:r>
+            <a:r>
+              <a:rPr lang="zh-CN" altLang="en-US" dirty="0"/>
+              <a:t>（</a:t>
+            </a:r>
+            <a:r>
+              <a:rPr lang="en-US" altLang="zh-CN" dirty="0"/>
+              <a:t>ES5</a:t>
+            </a:r>
+            <a:r>
+              <a:rPr lang="zh-CN" altLang="en-US" dirty="0"/>
+              <a:t>、</a:t>
+            </a:r>
+            <a:r>
+              <a:rPr lang="en-US" altLang="zh-CN" dirty="0"/>
               <a:t>ES6</a:t>
             </a:r>
             <a:r>
-              <a:rPr lang="zh-CN"/>
-              <a:t>中变量的解构赋值</a:t>
-            </a:r>
-            <a:endParaRPr lang="zh-CN"/>
-          </a:p>
-        </p:txBody>
-      </p:sp>
-      <p:pic>
-        <p:nvPicPr>
-          <p:cNvPr id="4101" name="图片 4" descr="软院logo横版.png"/>
-          <p:cNvPicPr>
-            <a:picLocks noChangeAspect="1"/>
-          </p:cNvPicPr>
-          <p:nvPr/>
-        </p:nvPicPr>
-        <p:blipFill>
-          <a:blip r:embed="rId2">
-            <a:extLst>
-              <a:ext uri="{28A0092B-C50C-407E-A947-70E740481C1C}">
-                <a14:useLocalDpi xmlns:a14="http://schemas.microsoft.com/office/drawing/2010/main" val="0"/>
-              </a:ext>
-            </a:extLst>
-          </a:blip>
-          <a:srcRect/>
-          <a:stretch>
-            <a:fillRect/>
-          </a:stretch>
-        </p:blipFill>
-        <p:spPr bwMode="auto">
-          <a:xfrm>
-            <a:off x="6604001" y="5784851"/>
-            <a:ext cx="3381375" cy="525463"/>
-          </a:xfrm>
-          <a:prstGeom prst="rect">
-            <a:avLst/>
-          </a:prstGeom>
-          <a:noFill/>
-          <a:ln>
-            <a:noFill/>
-          </a:ln>
-          <a:extLst>
-            <a:ext uri="{909E8E84-426E-40DD-AFC4-6F175D3DCCD1}">
-              <a14:hiddenFill xmlns:a14="http://schemas.microsoft.com/office/drawing/2010/main">
-                <a:solidFill>
-                  <a:srgbClr val="FFFFFF"/>
-                </a:solidFill>
-              </a14:hiddenFill>
-            </a:ext>
-            <a:ext uri="{91240B29-F687-4F45-9708-019B960494DF}">
-              <a14:hiddenLine xmlns:a14="http://schemas.microsoft.com/office/drawing/2010/main" w="9525">
-                <a:solidFill>
-                  <a:srgbClr val="000000"/>
-                </a:solidFill>
-                <a:miter lim="800000"/>
-                <a:headEnd/>
-                <a:tailEnd/>
-              </a14:hiddenLine>
-            </a:ext>
-          </a:extLst>
-        </p:spPr>
-      </p:pic>
-      <p:sp>
-        <p:nvSpPr>
-          <p:cNvPr id="2" name="TextBox 4"/>
-          <p:cNvSpPr txBox="1">
-            <a:spLocks noChangeArrowheads="1"/>
-          </p:cNvSpPr>
-          <p:nvPr/>
-        </p:nvSpPr>
-        <p:spPr bwMode="auto">
-          <a:xfrm>
-            <a:off x="4634865" y="3712845"/>
-            <a:ext cx="5315585" cy="583565"/>
-          </a:xfrm>
-          <a:prstGeom prst="rect">
-            <a:avLst/>
-          </a:prstGeom>
-          <a:noFill/>
-          <a:ln>
-            <a:noFill/>
-          </a:ln>
-          <a:extLst>
-            <a:ext uri="{909E8E84-426E-40DD-AFC4-6F175D3DCCD1}">
-              <a14:hiddenFill xmlns:a14="http://schemas.microsoft.com/office/drawing/2010/main">
-                <a:solidFill>
-                  <a:srgbClr val="FFFFFF"/>
-                </a:solidFill>
-              </a14:hiddenFill>
-            </a:ext>
-            <a:ext uri="{91240B29-F687-4F45-9708-019B960494DF}">
-              <a14:hiddenLine xmlns:a14="http://schemas.microsoft.com/office/drawing/2010/main" w="9525">
-                <a:solidFill>
-                  <a:srgbClr val="000000"/>
-                </a:solidFill>
-                <a:miter lim="800000"/>
-                <a:headEnd/>
-                <a:tailEnd/>
-              </a14:hiddenLine>
-            </a:ext>
-          </a:extLst>
-        </p:spPr>
-        <p:txBody>
-          <a:bodyPr wrap="square">
-            <a:spAutoFit/>
-          </a:bodyPr>
-          <a:lstStyle>
-            <a:lvl1pPr>
-              <a:defRPr sz="3200">
-                <a:solidFill>
-                  <a:schemeClr val="tx1"/>
-                </a:solidFill>
-                <a:latin typeface="Arial" panose="020B0604020202020204" pitchFamily="34" charset="0"/>
-                <a:ea typeface="微软雅黑" panose="020B0503020204020204" pitchFamily="34" charset="-122"/>
-              </a:defRPr>
-            </a:lvl1pPr>
-            <a:lvl2pPr marL="742950" indent="-285750">
-              <a:defRPr sz="3200">
-                <a:solidFill>
-                  <a:schemeClr val="tx1"/>
-                </a:solidFill>
-                <a:latin typeface="Arial" panose="020B0604020202020204" pitchFamily="34" charset="0"/>
-                <a:ea typeface="微软雅黑" panose="020B0503020204020204" pitchFamily="34" charset="-122"/>
-              </a:defRPr>
-            </a:lvl2pPr>
-            <a:lvl3pPr marL="1143000" indent="-228600">
-              <a:defRPr sz="3200">
-                <a:solidFill>
-                  <a:schemeClr val="tx1"/>
-                </a:solidFill>
-                <a:latin typeface="Arial" panose="020B0604020202020204" pitchFamily="34" charset="0"/>
-                <a:ea typeface="微软雅黑" panose="020B0503020204020204" pitchFamily="34" charset="-122"/>
-              </a:defRPr>
-            </a:lvl3pPr>
-            <a:lvl4pPr marL="1600200" indent="-228600">
-              <a:defRPr sz="3200">
-                <a:solidFill>
-                  <a:schemeClr val="tx1"/>
-                </a:solidFill>
-                <a:latin typeface="Arial" panose="020B0604020202020204" pitchFamily="34" charset="0"/>
-                <a:ea typeface="微软雅黑" panose="020B0503020204020204" pitchFamily="34" charset="-122"/>
-              </a:defRPr>
-            </a:lvl4pPr>
-            <a:lvl5pPr marL="2057400" indent="-228600">
-              <a:defRPr sz="3200">
-                <a:solidFill>
-                  <a:schemeClr val="tx1"/>
-                </a:solidFill>
-                <a:latin typeface="Arial" panose="020B0604020202020204" pitchFamily="34" charset="0"/>
-                <a:ea typeface="微软雅黑" panose="020B0503020204020204" pitchFamily="34" charset="-122"/>
-              </a:defRPr>
-            </a:lvl5pPr>
-            <a:lvl6pPr marL="2514600" indent="-228600" eaLnBrk="0" fontAlgn="base" hangingPunct="0">
-              <a:spcBef>
-                <a:spcPct val="0"/>
-              </a:spcBef>
-              <a:spcAft>
-                <a:spcPct val="0"/>
-              </a:spcAft>
-              <a:defRPr sz="3200">
-                <a:solidFill>
-                  <a:schemeClr val="tx1"/>
-                </a:solidFill>
-                <a:latin typeface="Arial" panose="020B0604020202020204" pitchFamily="34" charset="0"/>
-                <a:ea typeface="微软雅黑" panose="020B0503020204020204" pitchFamily="34" charset="-122"/>
-              </a:defRPr>
-            </a:lvl6pPr>
-            <a:lvl7pPr marL="2971800" indent="-228600" eaLnBrk="0" fontAlgn="base" hangingPunct="0">
-              <a:spcBef>
-                <a:spcPct val="0"/>
-              </a:spcBef>
-              <a:spcAft>
-                <a:spcPct val="0"/>
-              </a:spcAft>
-              <a:defRPr sz="3200">
-                <a:solidFill>
-                  <a:schemeClr val="tx1"/>
-                </a:solidFill>
-                <a:latin typeface="Arial" panose="020B0604020202020204" pitchFamily="34" charset="0"/>
-                <a:ea typeface="微软雅黑" panose="020B0503020204020204" pitchFamily="34" charset="-122"/>
-              </a:defRPr>
-            </a:lvl7pPr>
-            <a:lvl8pPr marL="3429000" indent="-228600" eaLnBrk="0" fontAlgn="base" hangingPunct="0">
-              <a:spcBef>
-                <a:spcPct val="0"/>
-              </a:spcBef>
-              <a:spcAft>
-                <a:spcPct val="0"/>
-              </a:spcAft>
-              <a:defRPr sz="3200">
-                <a:solidFill>
-                  <a:schemeClr val="tx1"/>
-                </a:solidFill>
-                <a:latin typeface="Arial" panose="020B0604020202020204" pitchFamily="34" charset="0"/>
-                <a:ea typeface="微软雅黑" panose="020B0503020204020204" pitchFamily="34" charset="-122"/>
-              </a:defRPr>
-            </a:lvl8pPr>
-            <a:lvl9pPr marL="3886200" indent="-228600" eaLnBrk="0" fontAlgn="base" hangingPunct="0">
-              <a:spcBef>
-                <a:spcPct val="0"/>
-              </a:spcBef>
-              <a:spcAft>
-                <a:spcPct val="0"/>
-              </a:spcAft>
-              <a:defRPr sz="3200">
-                <a:solidFill>
-                  <a:schemeClr val="tx1"/>
-                </a:solidFill>
-                <a:latin typeface="Arial" panose="020B0604020202020204" pitchFamily="34" charset="0"/>
-                <a:ea typeface="微软雅黑" panose="020B0503020204020204" pitchFamily="34" charset="-122"/>
-              </a:defRPr>
-            </a:lvl9pPr>
-          </a:lstStyle>
-          <a:p>
-            <a:r>
-              <a:rPr lang="en-US" altLang="zh-CN">
-                <a:latin typeface="微软雅黑" panose="020B0503020204020204" pitchFamily="34" charset="-122"/>
-                <a:ea typeface="宋体" panose="02010600030101010101" pitchFamily="2" charset="-122"/>
-              </a:rPr>
-              <a:t>---</a:t>
-            </a:r>
-            <a:r>
-              <a:t>ES6</a:t>
-            </a:r>
-            <a:r>
-              <a:rPr lang="zh-CN"/>
-              <a:t>中的</a:t>
-            </a:r>
-            <a:r>
-              <a:rPr lang="en-US" altLang="zh-CN"/>
-              <a:t>let</a:t>
-            </a:r>
-            <a:r>
-              <a:rPr lang="zh-CN" altLang="en-US"/>
-              <a:t>与</a:t>
-            </a:r>
-            <a:r>
-              <a:rPr lang="en-US" altLang="zh-CN"/>
-              <a:t>const</a:t>
-            </a:r>
-            <a:endParaRPr lang="en-US" altLang="zh-CN"/>
+              <a:rPr lang="zh-CN" altLang="en-US" dirty="0"/>
+              <a:t>）</a:t>
+            </a:r>
+            <a:endParaRPr lang="zh-CN" altLang="en-US" dirty="0"/>
+          </a:p>
+          <a:p>
+            <a:endParaRPr lang="zh-CN" altLang="en-US" dirty="0"/>
           </a:p>
         </p:txBody>
       </p:sp>
@@ -3920,11 +4166,445 @@
   <p:clrMapOvr>
     <a:masterClrMapping/>
   </p:clrMapOvr>
-  <p:transition advClick="0"/>
   <p:timing>
     <p:tnLst>
       <p:par>
-        <p:cTn id="1" dur="indefinite" restart="never" nodeType="tmRoot"/>
+        <p:cTn id="1" dur="indefinite" restart="never" nodeType="tmRoot">
+          <p:childTnLst>
+            <p:seq concurrent="1" nextAc="seek">
+              <p:cTn id="2" dur="indefinite" nodeType="mainSeq">
+                <p:childTnLst>
+                  <p:par>
+                    <p:cTn id="3" fill="hold">
+                      <p:stCondLst>
+                        <p:cond delay="indefinite"/>
+                      </p:stCondLst>
+                      <p:childTnLst>
+                        <p:par>
+                          <p:cTn id="4" fill="hold">
+                            <p:stCondLst>
+                              <p:cond delay="0"/>
+                            </p:stCondLst>
+                            <p:childTnLst>
+                              <p:par>
+                                <p:cTn id="5" presetID="2" presetClass="entr" presetSubtype="4" fill="hold" nodeType="clickEffect">
+                                  <p:stCondLst>
+                                    <p:cond delay="0"/>
+                                  </p:stCondLst>
+                                  <p:childTnLst>
+                                    <p:set>
+                                      <p:cBhvr>
+                                        <p:cTn id="6" dur="1" fill="hold">
+                                          <p:stCondLst>
+                                            <p:cond delay="0"/>
+                                          </p:stCondLst>
+                                        </p:cTn>
+                                        <p:tgtEl>
+                                          <p:spTgt spid="2">
+                                            <p:txEl>
+                                              <p:pRg st="0" end="0"/>
+                                            </p:txEl>
+                                          </p:spTgt>
+                                        </p:tgtEl>
+                                        <p:attrNameLst>
+                                          <p:attrName>style.visibility</p:attrName>
+                                        </p:attrNameLst>
+                                      </p:cBhvr>
+                                      <p:to>
+                                        <p:strVal val="visible"/>
+                                      </p:to>
+                                    </p:set>
+                                    <p:anim calcmode="lin" valueType="num">
+                                      <p:cBhvr additive="base">
+                                        <p:cTn id="7" dur="500" fill="hold"/>
+                                        <p:tgtEl>
+                                          <p:spTgt spid="2">
+                                            <p:txEl>
+                                              <p:pRg st="0" end="0"/>
+                                            </p:txEl>
+                                          </p:spTgt>
+                                        </p:tgtEl>
+                                        <p:attrNameLst>
+                                          <p:attrName>ppt_x</p:attrName>
+                                        </p:attrNameLst>
+                                      </p:cBhvr>
+                                      <p:tavLst>
+                                        <p:tav tm="0">
+                                          <p:val>
+                                            <p:strVal val="#ppt_x"/>
+                                          </p:val>
+                                        </p:tav>
+                                        <p:tav tm="100000">
+                                          <p:val>
+                                            <p:strVal val="#ppt_x"/>
+                                          </p:val>
+                                        </p:tav>
+                                      </p:tavLst>
+                                    </p:anim>
+                                    <p:anim calcmode="lin" valueType="num">
+                                      <p:cBhvr additive="base">
+                                        <p:cTn id="8" dur="500" fill="hold"/>
+                                        <p:tgtEl>
+                                          <p:spTgt spid="2">
+                                            <p:txEl>
+                                              <p:pRg st="0" end="0"/>
+                                            </p:txEl>
+                                          </p:spTgt>
+                                        </p:tgtEl>
+                                        <p:attrNameLst>
+                                          <p:attrName>ppt_y</p:attrName>
+                                        </p:attrNameLst>
+                                      </p:cBhvr>
+                                      <p:tavLst>
+                                        <p:tav tm="0">
+                                          <p:val>
+                                            <p:strVal val="1+#ppt_h/2"/>
+                                          </p:val>
+                                        </p:tav>
+                                        <p:tav tm="100000">
+                                          <p:val>
+                                            <p:strVal val="#ppt_y"/>
+                                          </p:val>
+                                        </p:tav>
+                                      </p:tavLst>
+                                    </p:anim>
+                                  </p:childTnLst>
+                                </p:cTn>
+                              </p:par>
+                            </p:childTnLst>
+                          </p:cTn>
+                        </p:par>
+                      </p:childTnLst>
+                    </p:cTn>
+                  </p:par>
+                  <p:par>
+                    <p:cTn id="9" fill="hold">
+                      <p:stCondLst>
+                        <p:cond delay="indefinite"/>
+                      </p:stCondLst>
+                      <p:childTnLst>
+                        <p:par>
+                          <p:cTn id="10" fill="hold">
+                            <p:stCondLst>
+                              <p:cond delay="0"/>
+                            </p:stCondLst>
+                            <p:childTnLst>
+                              <p:par>
+                                <p:cTn id="11" presetID="2" presetClass="entr" presetSubtype="4" fill="hold" nodeType="clickEffect">
+                                  <p:stCondLst>
+                                    <p:cond delay="0"/>
+                                  </p:stCondLst>
+                                  <p:childTnLst>
+                                    <p:set>
+                                      <p:cBhvr>
+                                        <p:cTn id="12" dur="1" fill="hold">
+                                          <p:stCondLst>
+                                            <p:cond delay="0"/>
+                                          </p:stCondLst>
+                                        </p:cTn>
+                                        <p:tgtEl>
+                                          <p:spTgt spid="2">
+                                            <p:txEl>
+                                              <p:pRg st="1" end="1"/>
+                                            </p:txEl>
+                                          </p:spTgt>
+                                        </p:tgtEl>
+                                        <p:attrNameLst>
+                                          <p:attrName>style.visibility</p:attrName>
+                                        </p:attrNameLst>
+                                      </p:cBhvr>
+                                      <p:to>
+                                        <p:strVal val="visible"/>
+                                      </p:to>
+                                    </p:set>
+                                    <p:anim calcmode="lin" valueType="num">
+                                      <p:cBhvr additive="base">
+                                        <p:cTn id="13" dur="500" fill="hold"/>
+                                        <p:tgtEl>
+                                          <p:spTgt spid="2">
+                                            <p:txEl>
+                                              <p:pRg st="1" end="1"/>
+                                            </p:txEl>
+                                          </p:spTgt>
+                                        </p:tgtEl>
+                                        <p:attrNameLst>
+                                          <p:attrName>ppt_x</p:attrName>
+                                        </p:attrNameLst>
+                                      </p:cBhvr>
+                                      <p:tavLst>
+                                        <p:tav tm="0">
+                                          <p:val>
+                                            <p:strVal val="#ppt_x"/>
+                                          </p:val>
+                                        </p:tav>
+                                        <p:tav tm="100000">
+                                          <p:val>
+                                            <p:strVal val="#ppt_x"/>
+                                          </p:val>
+                                        </p:tav>
+                                      </p:tavLst>
+                                    </p:anim>
+                                    <p:anim calcmode="lin" valueType="num">
+                                      <p:cBhvr additive="base">
+                                        <p:cTn id="14" dur="500" fill="hold"/>
+                                        <p:tgtEl>
+                                          <p:spTgt spid="2">
+                                            <p:txEl>
+                                              <p:pRg st="1" end="1"/>
+                                            </p:txEl>
+                                          </p:spTgt>
+                                        </p:tgtEl>
+                                        <p:attrNameLst>
+                                          <p:attrName>ppt_y</p:attrName>
+                                        </p:attrNameLst>
+                                      </p:cBhvr>
+                                      <p:tavLst>
+                                        <p:tav tm="0">
+                                          <p:val>
+                                            <p:strVal val="1+#ppt_h/2"/>
+                                          </p:val>
+                                        </p:tav>
+                                        <p:tav tm="100000">
+                                          <p:val>
+                                            <p:strVal val="#ppt_y"/>
+                                          </p:val>
+                                        </p:tav>
+                                      </p:tavLst>
+                                    </p:anim>
+                                  </p:childTnLst>
+                                </p:cTn>
+                              </p:par>
+                            </p:childTnLst>
+                          </p:cTn>
+                        </p:par>
+                      </p:childTnLst>
+                    </p:cTn>
+                  </p:par>
+                  <p:par>
+                    <p:cTn id="15" fill="hold">
+                      <p:stCondLst>
+                        <p:cond delay="indefinite"/>
+                      </p:stCondLst>
+                      <p:childTnLst>
+                        <p:par>
+                          <p:cTn id="16" fill="hold">
+                            <p:stCondLst>
+                              <p:cond delay="0"/>
+                            </p:stCondLst>
+                            <p:childTnLst>
+                              <p:par>
+                                <p:cTn id="17" presetID="2" presetClass="entr" presetSubtype="4" fill="hold" nodeType="clickEffect">
+                                  <p:stCondLst>
+                                    <p:cond delay="0"/>
+                                  </p:stCondLst>
+                                  <p:childTnLst>
+                                    <p:set>
+                                      <p:cBhvr>
+                                        <p:cTn id="18" dur="1" fill="hold">
+                                          <p:stCondLst>
+                                            <p:cond delay="0"/>
+                                          </p:stCondLst>
+                                        </p:cTn>
+                                        <p:tgtEl>
+                                          <p:spTgt spid="2">
+                                            <p:txEl>
+                                              <p:pRg st="2" end="2"/>
+                                            </p:txEl>
+                                          </p:spTgt>
+                                        </p:tgtEl>
+                                        <p:attrNameLst>
+                                          <p:attrName>style.visibility</p:attrName>
+                                        </p:attrNameLst>
+                                      </p:cBhvr>
+                                      <p:to>
+                                        <p:strVal val="visible"/>
+                                      </p:to>
+                                    </p:set>
+                                    <p:anim calcmode="lin" valueType="num">
+                                      <p:cBhvr additive="base">
+                                        <p:cTn id="19" dur="500" fill="hold"/>
+                                        <p:tgtEl>
+                                          <p:spTgt spid="2">
+                                            <p:txEl>
+                                              <p:pRg st="2" end="2"/>
+                                            </p:txEl>
+                                          </p:spTgt>
+                                        </p:tgtEl>
+                                        <p:attrNameLst>
+                                          <p:attrName>ppt_x</p:attrName>
+                                        </p:attrNameLst>
+                                      </p:cBhvr>
+                                      <p:tavLst>
+                                        <p:tav tm="0">
+                                          <p:val>
+                                            <p:strVal val="#ppt_x"/>
+                                          </p:val>
+                                        </p:tav>
+                                        <p:tav tm="100000">
+                                          <p:val>
+                                            <p:strVal val="#ppt_x"/>
+                                          </p:val>
+                                        </p:tav>
+                                      </p:tavLst>
+                                    </p:anim>
+                                    <p:anim calcmode="lin" valueType="num">
+                                      <p:cBhvr additive="base">
+                                        <p:cTn id="20" dur="500" fill="hold"/>
+                                        <p:tgtEl>
+                                          <p:spTgt spid="2">
+                                            <p:txEl>
+                                              <p:pRg st="2" end="2"/>
+                                            </p:txEl>
+                                          </p:spTgt>
+                                        </p:tgtEl>
+                                        <p:attrNameLst>
+                                          <p:attrName>ppt_y</p:attrName>
+                                        </p:attrNameLst>
+                                      </p:cBhvr>
+                                      <p:tavLst>
+                                        <p:tav tm="0">
+                                          <p:val>
+                                            <p:strVal val="1+#ppt_h/2"/>
+                                          </p:val>
+                                        </p:tav>
+                                        <p:tav tm="100000">
+                                          <p:val>
+                                            <p:strVal val="#ppt_y"/>
+                                          </p:val>
+                                        </p:tav>
+                                      </p:tavLst>
+                                    </p:anim>
+                                  </p:childTnLst>
+                                </p:cTn>
+                              </p:par>
+                            </p:childTnLst>
+                          </p:cTn>
+                        </p:par>
+                      </p:childTnLst>
+                    </p:cTn>
+                  </p:par>
+                  <p:par>
+                    <p:cTn id="21" fill="hold">
+                      <p:stCondLst>
+                        <p:cond delay="indefinite"/>
+                      </p:stCondLst>
+                      <p:childTnLst>
+                        <p:par>
+                          <p:cTn id="22" fill="hold">
+                            <p:stCondLst>
+                              <p:cond delay="0"/>
+                            </p:stCondLst>
+                            <p:childTnLst>
+                              <p:par>
+                                <p:cTn id="23" presetID="2" presetClass="entr" presetSubtype="4" fill="hold" nodeType="clickEffect">
+                                  <p:stCondLst>
+                                    <p:cond delay="0"/>
+                                  </p:stCondLst>
+                                  <p:childTnLst>
+                                    <p:set>
+                                      <p:cBhvr>
+                                        <p:cTn id="24" dur="1" fill="hold">
+                                          <p:stCondLst>
+                                            <p:cond delay="0"/>
+                                          </p:stCondLst>
+                                        </p:cTn>
+                                        <p:tgtEl>
+                                          <p:spTgt spid="2">
+                                            <p:txEl>
+                                              <p:pRg st="3" end="3"/>
+                                            </p:txEl>
+                                          </p:spTgt>
+                                        </p:tgtEl>
+                                        <p:attrNameLst>
+                                          <p:attrName>style.visibility</p:attrName>
+                                        </p:attrNameLst>
+                                      </p:cBhvr>
+                                      <p:to>
+                                        <p:strVal val="visible"/>
+                                      </p:to>
+                                    </p:set>
+                                    <p:anim calcmode="lin" valueType="num">
+                                      <p:cBhvr additive="base">
+                                        <p:cTn id="25" dur="500" fill="hold"/>
+                                        <p:tgtEl>
+                                          <p:spTgt spid="2">
+                                            <p:txEl>
+                                              <p:pRg st="3" end="3"/>
+                                            </p:txEl>
+                                          </p:spTgt>
+                                        </p:tgtEl>
+                                        <p:attrNameLst>
+                                          <p:attrName>ppt_x</p:attrName>
+                                        </p:attrNameLst>
+                                      </p:cBhvr>
+                                      <p:tavLst>
+                                        <p:tav tm="0">
+                                          <p:val>
+                                            <p:strVal val="#ppt_x"/>
+                                          </p:val>
+                                        </p:tav>
+                                        <p:tav tm="100000">
+                                          <p:val>
+                                            <p:strVal val="#ppt_x"/>
+                                          </p:val>
+                                        </p:tav>
+                                      </p:tavLst>
+                                    </p:anim>
+                                    <p:anim calcmode="lin" valueType="num">
+                                      <p:cBhvr additive="base">
+                                        <p:cTn id="26" dur="500" fill="hold"/>
+                                        <p:tgtEl>
+                                          <p:spTgt spid="2">
+                                            <p:txEl>
+                                              <p:pRg st="3" end="3"/>
+                                            </p:txEl>
+                                          </p:spTgt>
+                                        </p:tgtEl>
+                                        <p:attrNameLst>
+                                          <p:attrName>ppt_y</p:attrName>
+                                        </p:attrNameLst>
+                                      </p:cBhvr>
+                                      <p:tavLst>
+                                        <p:tav tm="0">
+                                          <p:val>
+                                            <p:strVal val="1+#ppt_h/2"/>
+                                          </p:val>
+                                        </p:tav>
+                                        <p:tav tm="100000">
+                                          <p:val>
+                                            <p:strVal val="#ppt_y"/>
+                                          </p:val>
+                                        </p:tav>
+                                      </p:tavLst>
+                                    </p:anim>
+                                  </p:childTnLst>
+                                </p:cTn>
+                              </p:par>
+                            </p:childTnLst>
+                          </p:cTn>
+                        </p:par>
+                      </p:childTnLst>
+                    </p:cTn>
+                  </p:par>
+                </p:childTnLst>
+              </p:cTn>
+              <p:prevCondLst>
+                <p:cond evt="onPrev" delay="0">
+                  <p:tgtEl>
+                    <p:sldTgt/>
+                  </p:tgtEl>
+                </p:cond>
+              </p:prevCondLst>
+              <p:nextCondLst>
+                <p:cond evt="onNext" delay="0">
+                  <p:tgtEl>
+                    <p:sldTgt/>
+                  </p:tgtEl>
+                </p:cond>
+              </p:nextCondLst>
+            </p:seq>
+          </p:childTnLst>
+        </p:cTn>
       </p:par>
     </p:tnLst>
   </p:timing>
@@ -3961,7 +4641,7 @@
         <p:spPr>
           <a:xfrm>
             <a:off x="927735" y="855345"/>
-            <a:ext cx="10172065" cy="4918710"/>
+            <a:ext cx="10506710" cy="4918710"/>
           </a:xfrm>
         </p:spPr>
         <p:txBody>
@@ -4019,6 +4699,89 @@
               <a:t>不变的函数</a:t>
             </a:r>
             <a:endParaRPr lang="zh-CN" sz="3200" dirty="0" smtClean="0">
+              <a:solidFill>
+                <a:schemeClr val="tx1"/>
+              </a:solidFill>
+              <a:sym typeface="+mn-ea"/>
+            </a:endParaRPr>
+          </a:p>
+          <a:p>
+            <a:pPr>
+              <a:lnSpc>
+                <a:spcPct val="160000"/>
+              </a:lnSpc>
+            </a:pPr>
+            <a:endParaRPr lang="zh-CN" sz="3200" dirty="0" smtClean="0">
+              <a:solidFill>
+                <a:schemeClr val="tx1"/>
+              </a:solidFill>
+              <a:sym typeface="+mn-ea"/>
+            </a:endParaRPr>
+          </a:p>
+          <a:p>
+            <a:pPr>
+              <a:lnSpc>
+                <a:spcPct val="160000"/>
+              </a:lnSpc>
+            </a:pPr>
+            <a:endParaRPr lang="zh-CN" sz="3200" dirty="0" smtClean="0">
+              <a:solidFill>
+                <a:schemeClr val="tx1"/>
+              </a:solidFill>
+              <a:sym typeface="+mn-ea"/>
+            </a:endParaRPr>
+          </a:p>
+          <a:p>
+            <a:pPr>
+              <a:lnSpc>
+                <a:spcPct val="160000"/>
+              </a:lnSpc>
+            </a:pPr>
+            <a:endParaRPr lang="zh-CN" dirty="0" smtClean="0">
+              <a:solidFill>
+                <a:schemeClr val="tx1"/>
+              </a:solidFill>
+              <a:sym typeface="+mn-ea"/>
+            </a:endParaRPr>
+          </a:p>
+          <a:p>
+            <a:pPr>
+              <a:lnSpc>
+                <a:spcPct val="160000"/>
+              </a:lnSpc>
+            </a:pPr>
+            <a:endParaRPr lang="zh-CN" dirty="0" smtClean="0">
+              <a:solidFill>
+                <a:schemeClr val="tx1"/>
+              </a:solidFill>
+              <a:sym typeface="+mn-ea"/>
+            </a:endParaRPr>
+          </a:p>
+          <a:p>
+            <a:pPr>
+              <a:lnSpc>
+                <a:spcPct val="160000"/>
+              </a:lnSpc>
+            </a:pPr>
+            <a:r>
+              <a:rPr lang="en-US" altLang="zh-CN" sz="3200" dirty="0" smtClean="0">
+                <a:solidFill>
+                  <a:schemeClr val="tx1"/>
+                </a:solidFill>
+                <a:sym typeface="+mn-ea"/>
+              </a:rPr>
+              <a:t>const</a:t>
+            </a:r>
+            <a:r>
+              <a:rPr lang="zh-CN" altLang="en-US" sz="3200" dirty="0" smtClean="0">
+                <a:solidFill>
+                  <a:schemeClr val="tx1"/>
+                </a:solidFill>
+                <a:sym typeface="+mn-ea"/>
+              </a:rPr>
+              <a:t>指向的对象引用不可变，但其属性或元素是可变的</a:t>
+            </a:r>
+            <a:endParaRPr lang="zh-CN" altLang="en-US" sz="3200" dirty="0" smtClean="0">
               <a:solidFill>
                 <a:schemeClr val="tx1"/>
               </a:solidFill>
@@ -4489,21 +5252,124 @@
                             </p:childTnLst>
                           </p:cTn>
                         </p:par>
+                      </p:childTnLst>
+                    </p:cTn>
+                  </p:par>
+                  <p:par>
+                    <p:cTn id="21" fill="hold">
+                      <p:stCondLst>
+                        <p:cond delay="indefinite"/>
+                      </p:stCondLst>
+                      <p:childTnLst>
                         <p:par>
-                          <p:cTn id="21" fill="hold">
+                          <p:cTn id="22" fill="hold">
                             <p:stCondLst>
-                              <p:cond delay="500"/>
+                              <p:cond delay="0"/>
                             </p:stCondLst>
                             <p:childTnLst>
                               <p:par>
-                                <p:cTn id="22" presetID="2" presetClass="entr" presetSubtype="4" fill="hold" grpId="0" nodeType="afterEffect">
+                                <p:cTn id="23" presetID="2" presetClass="entr" presetSubtype="4" fill="hold" grpId="0" nodeType="clickEffect">
                                   <p:stCondLst>
                                     <p:cond delay="0"/>
                                   </p:stCondLst>
                                   <p:childTnLst>
                                     <p:set>
                                       <p:cBhvr>
-                                        <p:cTn id="23" dur="1" fill="hold">
+                                        <p:cTn id="24" dur="1" fill="hold">
+                                          <p:stCondLst>
+                                            <p:cond delay="0"/>
+                                          </p:stCondLst>
+                                        </p:cTn>
+                                        <p:tgtEl>
+                                          <p:spTgt spid="2">
+                                            <p:txEl>
+                                              <p:pRg st="5" end="5"/>
+                                            </p:txEl>
+                                          </p:spTgt>
+                                        </p:tgtEl>
+                                        <p:attrNameLst>
+                                          <p:attrName>style.visibility</p:attrName>
+                                        </p:attrNameLst>
+                                      </p:cBhvr>
+                                      <p:to>
+                                        <p:strVal val="visible"/>
+                                      </p:to>
+                                    </p:set>
+                                    <p:anim calcmode="lin" valueType="num">
+                                      <p:cBhvr additive="base">
+                                        <p:cTn id="25" dur="500" fill="hold"/>
+                                        <p:tgtEl>
+                                          <p:spTgt spid="2">
+                                            <p:txEl>
+                                              <p:pRg st="5" end="5"/>
+                                            </p:txEl>
+                                          </p:spTgt>
+                                        </p:tgtEl>
+                                        <p:attrNameLst>
+                                          <p:attrName>ppt_x</p:attrName>
+                                        </p:attrNameLst>
+                                      </p:cBhvr>
+                                      <p:tavLst>
+                                        <p:tav tm="0">
+                                          <p:val>
+                                            <p:strVal val="#ppt_x"/>
+                                          </p:val>
+                                        </p:tav>
+                                        <p:tav tm="100000">
+                                          <p:val>
+                                            <p:strVal val="#ppt_x"/>
+                                          </p:val>
+                                        </p:tav>
+                                      </p:tavLst>
+                                    </p:anim>
+                                    <p:anim calcmode="lin" valueType="num">
+                                      <p:cBhvr additive="base">
+                                        <p:cTn id="26" dur="500" fill="hold"/>
+                                        <p:tgtEl>
+                                          <p:spTgt spid="2">
+                                            <p:txEl>
+                                              <p:pRg st="5" end="5"/>
+                                            </p:txEl>
+                                          </p:spTgt>
+                                        </p:tgtEl>
+                                        <p:attrNameLst>
+                                          <p:attrName>ppt_y</p:attrName>
+                                        </p:attrNameLst>
+                                      </p:cBhvr>
+                                      <p:tavLst>
+                                        <p:tav tm="0">
+                                          <p:val>
+                                            <p:strVal val="1+#ppt_h/2"/>
+                                          </p:val>
+                                        </p:tav>
+                                        <p:tav tm="100000">
+                                          <p:val>
+                                            <p:strVal val="#ppt_y"/>
+                                          </p:val>
+                                        </p:tav>
+                                      </p:tavLst>
+                                    </p:anim>
+                                  </p:childTnLst>
+                                </p:cTn>
+                              </p:par>
+                            </p:childTnLst>
+                          </p:cTn>
+                        </p:par>
+                        <p:par>
+                          <p:cTn id="27" fill="hold">
+                            <p:stCondLst>
+                              <p:cond delay="500"/>
+                            </p:stCondLst>
+                            <p:childTnLst>
+                              <p:par>
+                                <p:cTn id="28" presetID="2" presetClass="entr" presetSubtype="4" fill="hold" grpId="0" nodeType="afterEffect">
+                                  <p:stCondLst>
+                                    <p:cond delay="0"/>
+                                  </p:stCondLst>
+                                  <p:childTnLst>
+                                    <p:set>
+                                      <p:cBhvr>
+                                        <p:cTn id="29" dur="1" fill="hold">
                                           <p:stCondLst>
                                             <p:cond delay="0"/>
                                           </p:stCondLst>
@@ -4521,7 +5387,7 @@
                                     </p:set>
                                     <p:anim calcmode="lin" valueType="num">
                                       <p:cBhvr additive="base">
-                                        <p:cTn id="24" dur="500" fill="hold"/>
+                                        <p:cTn id="30" dur="500" fill="hold"/>
                                         <p:tgtEl>
                                           <p:spTgt spid="6"/>
                                         </p:tgtEl>
@@ -4544,7 +5410,7 @@
                                     </p:anim>
                                     <p:anim calcmode="lin" valueType="num">
                                       <p:cBhvr additive="base">
-                                        <p:cTn id="25" dur="500" fill="hold"/>
+                                        <p:cTn id="31" dur="500" fill="hold"/>
                                         <p:tgtEl>
                                           <p:spTgt spid="6"/>
                                         </p:tgtEl>
@@ -4596,7 +5462,7 @@
       </p:par>
     </p:tnLst>
     <p:bldLst>
-      <p:bldP spid="2" grpId="0" build="p"/>
+      <p:bldP spid="2" grpId="0" uiExpand="1" build="p"/>
       <p:bldP spid="6" grpId="0"/>
     </p:bldLst>
   </p:timing>
@@ -5209,7 +6075,7 @@
         <p:spPr bwMode="auto">
           <a:xfrm>
             <a:off x="947420" y="796925"/>
-            <a:ext cx="10057130" cy="5115560"/>
+            <a:ext cx="10697210" cy="5115560"/>
           </a:xfrm>
           <a:noFill/>
           <a:extLst>
@@ -5397,6 +6263,33 @@
                 <a:sym typeface="+mn-ea"/>
               </a:rPr>
               <a:t>前不能使用该变量</a:t>
+            </a:r>
+            <a:r>
+              <a:rPr kumimoji="0" lang="zh-CN" sz="3200" dirty="0" smtClean="0">
+                <a:solidFill>
+                  <a:schemeClr val="tx1"/>
+                </a:solidFill>
+                <a:sym typeface="+mn-ea"/>
+              </a:rPr>
+              <a:t>（</a:t>
+            </a:r>
+            <a:r>
+              <a:rPr kumimoji="0" lang="en-US" altLang="zh-CN" sz="3200" dirty="0" smtClean="0">
+                <a:solidFill>
+                  <a:schemeClr val="tx1"/>
+                </a:solidFill>
+                <a:sym typeface="+mn-ea"/>
+              </a:rPr>
+              <a:t>let</a:t>
+            </a:r>
+            <a:r>
+              <a:rPr kumimoji="0" lang="zh-CN" altLang="en-US" sz="3200" dirty="0" smtClean="0">
+                <a:solidFill>
+                  <a:schemeClr val="tx1"/>
+                </a:solidFill>
+                <a:sym typeface="+mn-ea"/>
+              </a:rPr>
+              <a:t>不提升）</a:t>
             </a:r>
             <a:endParaRPr kumimoji="0" lang="zh-CN" altLang="en-US" sz="3200" dirty="0" smtClean="0">
               <a:solidFill>
@@ -5677,27 +6570,7 @@
                 <a:latin typeface="+mn-ea"/>
                 <a:ea typeface="+mn-ea"/>
               </a:rPr>
-              <a:t>demo06</a:t>
-            </a:r>
-            <a:r>
-              <a:rPr lang="zh-CN" altLang="en-US" sz="2200">
-                <a:solidFill>
-                  <a:srgbClr val="FF0000"/>
-                </a:solidFill>
-                <a:latin typeface="+mn-ea"/>
-                <a:ea typeface="+mn-ea"/>
-              </a:rPr>
-              <a:t>前半部分</a:t>
-            </a:r>
-            <a:r>
-              <a:rPr lang="en-US" altLang="zh-CN" sz="2200">
-                <a:solidFill>
-                  <a:srgbClr val="FF0000"/>
-                </a:solidFill>
-                <a:latin typeface="+mn-ea"/>
-                <a:ea typeface="+mn-ea"/>
-              </a:rPr>
-              <a:t> let</a:t>
+              <a:t>demo06  let</a:t>
             </a:r>
             <a:r>
               <a:rPr lang="zh-CN" altLang="en-US" sz="2200">
@@ -6437,6 +7310,629 @@
         <p:spPr bwMode="auto">
           <a:xfrm>
             <a:off x="947420" y="796925"/>
+            <a:ext cx="10697210" cy="5115560"/>
+          </a:xfrm>
+          <a:noFill/>
+          <a:extLst>
+            <a:ext uri="{909E8E84-426E-40DD-AFC4-6F175D3DCCD1}">
+              <a14:hiddenFill xmlns:a14="http://schemas.microsoft.com/office/drawing/2010/main">
+                <a:solidFill>
+                  <a:srgbClr val="FFFFFF"/>
+                </a:solidFill>
+              </a14:hiddenFill>
+            </a:ext>
+            <a:ext uri="{91240B29-F687-4F45-9708-019B960494DF}">
+              <a14:hiddenLine xmlns:a14="http://schemas.microsoft.com/office/drawing/2010/main" w="9525">
+                <a:solidFill>
+                  <a:srgbClr val="000000"/>
+                </a:solidFill>
+                <a:miter lim="800000"/>
+                <a:headEnd/>
+                <a:tailEnd/>
+              </a14:hiddenLine>
+            </a:ext>
+          </a:extLst>
+        </p:spPr>
+        <p:txBody>
+          <a:bodyPr vert="horz" wrap="square" lIns="91440" tIns="45720" rIns="91440" bIns="45720" numCol="1" anchor="t" anchorCtr="0" compatLnSpc="1"/>
+          <a:lstStyle/>
+          <a:p>
+            <a:pPr>
+              <a:lnSpc>
+                <a:spcPct val="130000"/>
+              </a:lnSpc>
+            </a:pPr>
+            <a:r>
+              <a:rPr kumimoji="0" lang="en-US" altLang="zh-CN" sz="3200" dirty="0" smtClean="0">
+                <a:solidFill>
+                  <a:schemeClr val="tx1"/>
+                </a:solidFill>
+                <a:sym typeface="+mn-ea"/>
+              </a:rPr>
+              <a:t>ES5</a:t>
+            </a:r>
+            <a:r>
+              <a:rPr kumimoji="0" lang="zh-CN" altLang="en-US" sz="3200" dirty="0" smtClean="0">
+                <a:solidFill>
+                  <a:schemeClr val="tx1"/>
+                </a:solidFill>
+                <a:sym typeface="+mn-ea"/>
+              </a:rPr>
+              <a:t>、</a:t>
+            </a:r>
+            <a:r>
+              <a:rPr kumimoji="0" lang="en-US" altLang="zh-CN" sz="3200" dirty="0" smtClean="0">
+                <a:solidFill>
+                  <a:schemeClr val="tx1"/>
+                </a:solidFill>
+                <a:sym typeface="+mn-ea"/>
+              </a:rPr>
+              <a:t>ES6</a:t>
+            </a:r>
+            <a:r>
+              <a:rPr kumimoji="0" lang="zh-CN" altLang="en-US" sz="3200" dirty="0" smtClean="0">
+                <a:solidFill>
+                  <a:schemeClr val="tx1"/>
+                </a:solidFill>
+                <a:sym typeface="+mn-ea"/>
+              </a:rPr>
+              <a:t>中函数提升的不同（</a:t>
+            </a:r>
+            <a:r>
+              <a:rPr kumimoji="0" lang="en-US" altLang="zh-CN" sz="3200" dirty="0" smtClean="0">
+                <a:solidFill>
+                  <a:schemeClr val="tx1"/>
+                </a:solidFill>
+                <a:sym typeface="+mn-ea"/>
+              </a:rPr>
+              <a:t>ES6</a:t>
+            </a:r>
+            <a:r>
+              <a:rPr kumimoji="0" lang="zh-CN" altLang="en-US" sz="3200" dirty="0" smtClean="0">
+                <a:solidFill>
+                  <a:schemeClr val="tx1"/>
+                </a:solidFill>
+                <a:sym typeface="+mn-ea"/>
+              </a:rPr>
+              <a:t>中的块</a:t>
+            </a:r>
+            <a:r>
+              <a:rPr kumimoji="0" lang="zh-CN" altLang="en-US" sz="3200" dirty="0" smtClean="0">
+                <a:solidFill>
+                  <a:schemeClr val="tx1"/>
+                </a:solidFill>
+                <a:sym typeface="+mn-ea"/>
+              </a:rPr>
+              <a:t>）</a:t>
+            </a:r>
+            <a:endParaRPr kumimoji="0" lang="zh-CN" altLang="en-US" sz="3200" dirty="0" smtClean="0">
+              <a:solidFill>
+                <a:schemeClr val="tx1"/>
+              </a:solidFill>
+              <a:sym typeface="+mn-ea"/>
+            </a:endParaRPr>
+          </a:p>
+          <a:p>
+            <a:pPr>
+              <a:lnSpc>
+                <a:spcPct val="130000"/>
+              </a:lnSpc>
+            </a:pPr>
+            <a:endParaRPr kumimoji="0" lang="zh-CN" altLang="en-US" sz="3200" dirty="0" smtClean="0">
+              <a:solidFill>
+                <a:schemeClr val="tx1"/>
+              </a:solidFill>
+              <a:sym typeface="+mn-ea"/>
+            </a:endParaRPr>
+          </a:p>
+          <a:p>
+            <a:pPr>
+              <a:lnSpc>
+                <a:spcPct val="130000"/>
+              </a:lnSpc>
+            </a:pPr>
+            <a:endParaRPr kumimoji="0" lang="zh-CN" altLang="en-US" sz="3200" dirty="0" smtClean="0">
+              <a:solidFill>
+                <a:schemeClr val="tx1"/>
+              </a:solidFill>
+            </a:endParaRPr>
+          </a:p>
+          <a:p>
+            <a:pPr eaLnBrk="1" hangingPunct="1">
+              <a:lnSpc>
+                <a:spcPct val="150000"/>
+              </a:lnSpc>
+            </a:pPr>
+            <a:endParaRPr kumimoji="0" lang="en-US" altLang="zh-CN" sz="3600" dirty="0" smtClean="0">
+              <a:solidFill>
+                <a:schemeClr val="tx1"/>
+              </a:solidFill>
+            </a:endParaRPr>
+          </a:p>
+          <a:p>
+            <a:pPr eaLnBrk="1" hangingPunct="1">
+              <a:lnSpc>
+                <a:spcPct val="150000"/>
+              </a:lnSpc>
+            </a:pPr>
+            <a:endParaRPr kumimoji="0" lang="zh-CN" altLang="en-US" dirty="0" smtClean="0">
+              <a:solidFill>
+                <a:schemeClr val="tx1"/>
+              </a:solidFill>
+            </a:endParaRPr>
+          </a:p>
+        </p:txBody>
+      </p:sp>
+      <p:sp>
+        <p:nvSpPr>
+          <p:cNvPr id="2" name="内容占位符 1"/>
+          <p:cNvSpPr>
+            <a:spLocks noGrp="1"/>
+          </p:cNvSpPr>
+          <p:nvPr>
+            <p:ph sz="quarter" idx="11"/>
+          </p:nvPr>
+        </p:nvSpPr>
+        <p:spPr>
+          <a:xfrm>
+            <a:off x="947420" y="308610"/>
+            <a:ext cx="10057130" cy="490220"/>
+          </a:xfrm>
+        </p:spPr>
+        <p:txBody>
+          <a:bodyPr/>
+          <a:lstStyle/>
+          <a:p>
+            <a:r>
+              <a:rPr kumimoji="0" lang="en-US" altLang="zh-CN" dirty="0"/>
+              <a:t>ES6</a:t>
+            </a:r>
+            <a:r>
+              <a:rPr kumimoji="0" lang="zh-CN" altLang="en-US" dirty="0"/>
+              <a:t> </a:t>
+            </a:r>
+            <a:r>
+              <a:rPr kumimoji="0" lang="zh-CN" dirty="0"/>
+              <a:t>函数块作用域内提升特性</a:t>
+            </a:r>
+            <a:endParaRPr kumimoji="0" lang="zh-CN" dirty="0"/>
+          </a:p>
+        </p:txBody>
+      </p:sp>
+      <p:sp>
+        <p:nvSpPr>
+          <p:cNvPr id="6" name="文本框 5"/>
+          <p:cNvSpPr txBox="1"/>
+          <p:nvPr/>
+        </p:nvSpPr>
+        <p:spPr>
+          <a:xfrm>
+            <a:off x="5174615" y="6065520"/>
+            <a:ext cx="6735445" cy="429895"/>
+          </a:xfrm>
+          <a:prstGeom prst="rect">
+            <a:avLst/>
+          </a:prstGeom>
+          <a:noFill/>
+        </p:spPr>
+        <p:txBody>
+          <a:bodyPr wrap="square" rtlCol="0">
+            <a:spAutoFit/>
+          </a:bodyPr>
+          <a:p>
+            <a:pPr algn="l"/>
+            <a:r>
+              <a:rPr lang="zh-CN" altLang="en-US" sz="2200">
+                <a:solidFill>
+                  <a:srgbClr val="FF0000"/>
+                </a:solidFill>
+                <a:latin typeface="+mn-ea"/>
+                <a:ea typeface="+mn-ea"/>
+              </a:rPr>
+              <a:t>参见实例</a:t>
+            </a:r>
+            <a:r>
+              <a:rPr lang="en-US" altLang="zh-CN" sz="2200">
+                <a:solidFill>
+                  <a:srgbClr val="FF0000"/>
+                </a:solidFill>
+                <a:latin typeface="+mn-ea"/>
+                <a:ea typeface="+mn-ea"/>
+              </a:rPr>
+              <a:t>demo07 ES6</a:t>
+            </a:r>
+            <a:r>
+              <a:rPr lang="zh-CN" altLang="en-US" sz="2200">
+                <a:solidFill>
+                  <a:srgbClr val="FF0000"/>
+                </a:solidFill>
+                <a:latin typeface="+mn-ea"/>
+                <a:ea typeface="+mn-ea"/>
+              </a:rPr>
+              <a:t>中的函数提升特性</a:t>
+            </a:r>
+            <a:endParaRPr lang="zh-CN" altLang="en-US" sz="2200" dirty="0" smtClean="0">
+              <a:solidFill>
+                <a:srgbClr val="FF0000"/>
+              </a:solidFill>
+              <a:latin typeface="+mn-ea"/>
+              <a:ea typeface="+mn-ea"/>
+              <a:sym typeface="+mn-ea"/>
+            </a:endParaRPr>
+          </a:p>
+        </p:txBody>
+      </p:sp>
+      <p:pic>
+        <p:nvPicPr>
+          <p:cNvPr id="5" name="图片 4"/>
+          <p:cNvPicPr>
+            <a:picLocks noChangeAspect="1"/>
+          </p:cNvPicPr>
+          <p:nvPr/>
+        </p:nvPicPr>
+        <p:blipFill>
+          <a:blip r:embed="rId1"/>
+          <a:stretch>
+            <a:fillRect/>
+          </a:stretch>
+        </p:blipFill>
+        <p:spPr>
+          <a:xfrm>
+            <a:off x="1184910" y="1623695"/>
+            <a:ext cx="7827010" cy="3792855"/>
+          </a:xfrm>
+          <a:prstGeom prst="rect">
+            <a:avLst/>
+          </a:prstGeom>
+        </p:spPr>
+      </p:pic>
+    </p:spTree>
+  </p:cSld>
+  <p:clrMapOvr>
+    <a:masterClrMapping/>
+  </p:clrMapOvr>
+  <p:timing>
+    <p:tnLst>
+      <p:par>
+        <p:cTn id="1" dur="indefinite" restart="never" nodeType="tmRoot">
+          <p:childTnLst>
+            <p:seq concurrent="1" nextAc="seek">
+              <p:cTn id="2" dur="indefinite" nodeType="mainSeq">
+                <p:childTnLst>
+                  <p:par>
+                    <p:cTn id="3" fill="hold">
+                      <p:stCondLst>
+                        <p:cond delay="indefinite"/>
+                      </p:stCondLst>
+                      <p:childTnLst>
+                        <p:par>
+                          <p:cTn id="4" fill="hold">
+                            <p:stCondLst>
+                              <p:cond delay="0"/>
+                            </p:stCondLst>
+                            <p:childTnLst>
+                              <p:par>
+                                <p:cTn id="5" presetID="2" presetClass="entr" presetSubtype="4" fill="hold" nodeType="clickEffect">
+                                  <p:stCondLst>
+                                    <p:cond delay="0"/>
+                                  </p:stCondLst>
+                                  <p:childTnLst>
+                                    <p:set>
+                                      <p:cBhvr>
+                                        <p:cTn id="6" dur="1" fill="hold">
+                                          <p:stCondLst>
+                                            <p:cond delay="0"/>
+                                          </p:stCondLst>
+                                        </p:cTn>
+                                        <p:tgtEl>
+                                          <p:spTgt spid="11266">
+                                            <p:txEl>
+                                              <p:pRg st="0" end="0"/>
+                                            </p:txEl>
+                                          </p:spTgt>
+                                        </p:tgtEl>
+                                        <p:attrNameLst>
+                                          <p:attrName>style.visibility</p:attrName>
+                                        </p:attrNameLst>
+                                      </p:cBhvr>
+                                      <p:to>
+                                        <p:strVal val="visible"/>
+                                      </p:to>
+                                    </p:set>
+                                    <p:anim calcmode="lin" valueType="num">
+                                      <p:cBhvr additive="base">
+                                        <p:cTn id="7" dur="500" fill="hold"/>
+                                        <p:tgtEl>
+                                          <p:spTgt spid="11266">
+                                            <p:txEl>
+                                              <p:pRg st="0" end="0"/>
+                                            </p:txEl>
+                                          </p:spTgt>
+                                        </p:tgtEl>
+                                        <p:attrNameLst>
+                                          <p:attrName>ppt_x</p:attrName>
+                                        </p:attrNameLst>
+                                      </p:cBhvr>
+                                      <p:tavLst>
+                                        <p:tav tm="0">
+                                          <p:val>
+                                            <p:strVal val="#ppt_x"/>
+                                          </p:val>
+                                        </p:tav>
+                                        <p:tav tm="100000">
+                                          <p:val>
+                                            <p:strVal val="#ppt_x"/>
+                                          </p:val>
+                                        </p:tav>
+                                      </p:tavLst>
+                                    </p:anim>
+                                    <p:anim calcmode="lin" valueType="num">
+                                      <p:cBhvr additive="base">
+                                        <p:cTn id="8" dur="500" fill="hold"/>
+                                        <p:tgtEl>
+                                          <p:spTgt spid="11266">
+                                            <p:txEl>
+                                              <p:pRg st="0" end="0"/>
+                                            </p:txEl>
+                                          </p:spTgt>
+                                        </p:tgtEl>
+                                        <p:attrNameLst>
+                                          <p:attrName>ppt_y</p:attrName>
+                                        </p:attrNameLst>
+                                      </p:cBhvr>
+                                      <p:tavLst>
+                                        <p:tav tm="0">
+                                          <p:val>
+                                            <p:strVal val="1+#ppt_h/2"/>
+                                          </p:val>
+                                        </p:tav>
+                                        <p:tav tm="100000">
+                                          <p:val>
+                                            <p:strVal val="#ppt_y"/>
+                                          </p:val>
+                                        </p:tav>
+                                      </p:tavLst>
+                                    </p:anim>
+                                  </p:childTnLst>
+                                </p:cTn>
+                              </p:par>
+                            </p:childTnLst>
+                          </p:cTn>
+                        </p:par>
+                      </p:childTnLst>
+                    </p:cTn>
+                  </p:par>
+                  <p:par>
+                    <p:cTn id="9" fill="hold">
+                      <p:stCondLst>
+                        <p:cond delay="indefinite"/>
+                      </p:stCondLst>
+                      <p:childTnLst>
+                        <p:par>
+                          <p:cTn id="10" fill="hold">
+                            <p:stCondLst>
+                              <p:cond delay="0"/>
+                            </p:stCondLst>
+                            <p:childTnLst>
+                              <p:par>
+                                <p:cTn id="11" presetID="2" presetClass="entr" presetSubtype="4" fill="hold" nodeType="clickEffect">
+                                  <p:stCondLst>
+                                    <p:cond delay="0"/>
+                                  </p:stCondLst>
+                                  <p:childTnLst>
+                                    <p:set>
+                                      <p:cBhvr>
+                                        <p:cTn id="12" dur="1" fill="hold">
+                                          <p:stCondLst>
+                                            <p:cond delay="0"/>
+                                          </p:stCondLst>
+                                        </p:cTn>
+                                        <p:tgtEl>
+                                          <p:spTgt spid="5"/>
+                                        </p:tgtEl>
+                                        <p:attrNameLst>
+                                          <p:attrName>style.visibility</p:attrName>
+                                        </p:attrNameLst>
+                                      </p:cBhvr>
+                                      <p:to>
+                                        <p:strVal val="visible"/>
+                                      </p:to>
+                                    </p:set>
+                                    <p:anim calcmode="lin" valueType="num">
+                                      <p:cBhvr additive="base">
+                                        <p:cTn id="13" dur="500" fill="hold"/>
+                                        <p:tgtEl>
+                                          <p:spTgt spid="5"/>
+                                        </p:tgtEl>
+                                        <p:attrNameLst>
+                                          <p:attrName>ppt_x</p:attrName>
+                                        </p:attrNameLst>
+                                      </p:cBhvr>
+                                      <p:tavLst>
+                                        <p:tav tm="0">
+                                          <p:val>
+                                            <p:strVal val="#ppt_x"/>
+                                          </p:val>
+                                        </p:tav>
+                                        <p:tav tm="100000">
+                                          <p:val>
+                                            <p:strVal val="#ppt_x"/>
+                                          </p:val>
+                                        </p:tav>
+                                      </p:tavLst>
+                                    </p:anim>
+                                    <p:anim calcmode="lin" valueType="num">
+                                      <p:cBhvr additive="base">
+                                        <p:cTn id="14" dur="500" fill="hold"/>
+                                        <p:tgtEl>
+                                          <p:spTgt spid="5"/>
+                                        </p:tgtEl>
+                                        <p:attrNameLst>
+                                          <p:attrName>ppt_y</p:attrName>
+                                        </p:attrNameLst>
+                                      </p:cBhvr>
+                                      <p:tavLst>
+                                        <p:tav tm="0">
+                                          <p:val>
+                                            <p:strVal val="1+#ppt_h/2"/>
+                                          </p:val>
+                                        </p:tav>
+                                        <p:tav tm="100000">
+                                          <p:val>
+                                            <p:strVal val="#ppt_y"/>
+                                          </p:val>
+                                        </p:tav>
+                                      </p:tavLst>
+                                    </p:anim>
+                                  </p:childTnLst>
+                                </p:cTn>
+                              </p:par>
+                            </p:childTnLst>
+                          </p:cTn>
+                        </p:par>
+                        <p:par>
+                          <p:cTn id="15" fill="hold">
+                            <p:stCondLst>
+                              <p:cond delay="500"/>
+                            </p:stCondLst>
+                            <p:childTnLst>
+                              <p:par>
+                                <p:cTn id="16" presetID="2" presetClass="entr" presetSubtype="4" fill="hold" grpId="0" nodeType="afterEffect">
+                                  <p:stCondLst>
+                                    <p:cond delay="0"/>
+                                  </p:stCondLst>
+                                  <p:childTnLst>
+                                    <p:set>
+                                      <p:cBhvr>
+                                        <p:cTn id="17" dur="1" fill="hold">
+                                          <p:stCondLst>
+                                            <p:cond delay="0"/>
+                                          </p:stCondLst>
+                                        </p:cTn>
+                                        <p:tgtEl>
+                                          <p:spTgt spid="6"/>
+                                        </p:tgtEl>
+                                        <p:attrNameLst>
+                                          <p:attrName>style.visibility</p:attrName>
+                                        </p:attrNameLst>
+                                      </p:cBhvr>
+                                      <p:to>
+                                        <p:strVal val="visible"/>
+                                      </p:to>
+                                    </p:set>
+                                    <p:anim calcmode="lin" valueType="num">
+                                      <p:cBhvr additive="base">
+                                        <p:cTn id="18" dur="500" fill="hold"/>
+                                        <p:tgtEl>
+                                          <p:spTgt spid="6"/>
+                                        </p:tgtEl>
+                                        <p:attrNameLst>
+                                          <p:attrName>ppt_x</p:attrName>
+                                        </p:attrNameLst>
+                                      </p:cBhvr>
+                                      <p:tavLst>
+                                        <p:tav tm="0">
+                                          <p:val>
+                                            <p:strVal val="#ppt_x"/>
+                                          </p:val>
+                                        </p:tav>
+                                        <p:tav tm="100000">
+                                          <p:val>
+                                            <p:strVal val="#ppt_x"/>
+                                          </p:val>
+                                        </p:tav>
+                                      </p:tavLst>
+                                    </p:anim>
+                                    <p:anim calcmode="lin" valueType="num">
+                                      <p:cBhvr additive="base">
+                                        <p:cTn id="19" dur="500" fill="hold"/>
+                                        <p:tgtEl>
+                                          <p:spTgt spid="6"/>
+                                        </p:tgtEl>
+                                        <p:attrNameLst>
+                                          <p:attrName>ppt_y</p:attrName>
+                                        </p:attrNameLst>
+                                      </p:cBhvr>
+                                      <p:tavLst>
+                                        <p:tav tm="0">
+                                          <p:val>
+                                            <p:strVal val="1+#ppt_h/2"/>
+                                          </p:val>
+                                        </p:tav>
+                                        <p:tav tm="100000">
+                                          <p:val>
+                                            <p:strVal val="#ppt_y"/>
+                                          </p:val>
+                                        </p:tav>
+                                      </p:tavLst>
+                                    </p:anim>
+                                  </p:childTnLst>
+                                </p:cTn>
+                              </p:par>
+                            </p:childTnLst>
+                          </p:cTn>
+                        </p:par>
+                      </p:childTnLst>
+                    </p:cTn>
+                  </p:par>
+                </p:childTnLst>
+              </p:cTn>
+              <p:prevCondLst>
+                <p:cond evt="onPrev" delay="0">
+                  <p:tgtEl>
+                    <p:sldTgt/>
+                  </p:tgtEl>
+                </p:cond>
+              </p:prevCondLst>
+              <p:nextCondLst>
+                <p:cond evt="onNext" delay="0">
+                  <p:tgtEl>
+                    <p:sldTgt/>
+                  </p:tgtEl>
+                </p:cond>
+              </p:nextCondLst>
+            </p:seq>
+          </p:childTnLst>
+        </p:cTn>
+      </p:par>
+    </p:tnLst>
+    <p:bldLst>
+      <p:bldP spid="6" grpId="0"/>
+    </p:bldLst>
+  </p:timing>
+</p:sld>
+</file>
+
+<file path=ppt/slides/slide14.xml><?xml version="1.0" encoding="utf-8"?>
+<p:sld xmlns:a="http://schemas.openxmlformats.org/drawingml/2006/main" xmlns:r="http://schemas.openxmlformats.org/officeDocument/2006/relationships" xmlns:p="http://schemas.openxmlformats.org/presentationml/2006/main">
+  <p:cSld>
+    <p:spTree>
+      <p:nvGrpSpPr>
+        <p:cNvPr id="1" name=""/>
+        <p:cNvGrpSpPr/>
+        <p:nvPr/>
+      </p:nvGrpSpPr>
+      <p:grpSpPr>
+        <a:xfrm>
+          <a:off x="0" y="0"/>
+          <a:ext cx="0" cy="0"/>
+          <a:chOff x="0" y="0"/>
+          <a:chExt cx="0" cy="0"/>
+        </a:xfrm>
+      </p:grpSpPr>
+      <p:sp>
+        <p:nvSpPr>
+          <p:cNvPr id="11266" name="内容占位符 1"/>
+          <p:cNvSpPr>
+            <a:spLocks noGrp="1"/>
+          </p:cNvSpPr>
+          <p:nvPr>
+            <p:ph sz="quarter" idx="10"/>
+          </p:nvPr>
+        </p:nvSpPr>
+        <p:spPr bwMode="auto">
+          <a:xfrm>
+            <a:off x="947420" y="796925"/>
             <a:ext cx="10057130" cy="5115560"/>
           </a:xfrm>
           <a:noFill/>
@@ -6925,7 +8421,7 @@
                 <a:latin typeface="+mn-ea"/>
                 <a:ea typeface="+mn-ea"/>
               </a:rPr>
-              <a:t>demo06</a:t>
+              <a:t>demo08 let</a:t>
             </a:r>
             <a:r>
               <a:rPr lang="zh-CN" altLang="en-US" sz="2200">
@@ -6935,7 +8431,7 @@
                 <a:latin typeface="+mn-ea"/>
                 <a:ea typeface="+mn-ea"/>
               </a:rPr>
-              <a:t>后半部分</a:t>
+              <a:t>、</a:t>
             </a:r>
             <a:r>
               <a:rPr lang="en-US" altLang="zh-CN" sz="2200">
@@ -6945,7 +8441,7 @@
                 <a:latin typeface="+mn-ea"/>
                 <a:ea typeface="+mn-ea"/>
               </a:rPr>
-              <a:t> let</a:t>
+              <a:t>const</a:t>
             </a:r>
             <a:r>
               <a:rPr lang="zh-CN" altLang="en-US" sz="2200">
@@ -6955,17 +8451,50 @@
                 <a:latin typeface="+mn-ea"/>
                 <a:ea typeface="+mn-ea"/>
               </a:rPr>
-              <a:t>、</a:t>
-            </a:r>
-            <a:r>
-              <a:rPr lang="en-US" altLang="zh-CN" sz="2200">
+              <a:t>暂时性死区特性</a:t>
+            </a:r>
+            <a:endParaRPr lang="zh-CN" altLang="en-US" sz="2200" dirty="0" smtClean="0">
+              <a:solidFill>
+                <a:srgbClr val="FF0000"/>
+              </a:solidFill>
+              <a:latin typeface="+mn-ea"/>
+              <a:ea typeface="+mn-ea"/>
+              <a:sym typeface="+mn-ea"/>
+            </a:endParaRPr>
+          </a:p>
+        </p:txBody>
+      </p:sp>
+      <p:sp>
+        <p:nvSpPr>
+          <p:cNvPr id="4" name="文本框 3"/>
+          <p:cNvSpPr txBox="1"/>
+          <p:nvPr/>
+        </p:nvSpPr>
+        <p:spPr>
+          <a:xfrm>
+            <a:off x="7439025" y="2483485"/>
+            <a:ext cx="3429000" cy="1445260"/>
+          </a:xfrm>
+          <a:prstGeom prst="rect">
+            <a:avLst/>
+          </a:prstGeom>
+          <a:noFill/>
+        </p:spPr>
+        <p:txBody>
+          <a:bodyPr wrap="square" rtlCol="0">
+            <a:spAutoFit/>
+          </a:bodyPr>
+          <a:p>
+            <a:pPr algn="l"/>
+            <a:r>
+              <a:rPr lang="en-US" sz="2200">
                 <a:solidFill>
                   <a:srgbClr val="FF0000"/>
                 </a:solidFill>
                 <a:latin typeface="+mn-ea"/>
                 <a:ea typeface="+mn-ea"/>
               </a:rPr>
-              <a:t>const</a:t>
+              <a:t>typeof </a:t>
             </a:r>
             <a:r>
               <a:rPr lang="zh-CN" altLang="en-US" sz="2200">
@@ -6975,7 +8504,7 @@
                 <a:latin typeface="+mn-ea"/>
                 <a:ea typeface="+mn-ea"/>
               </a:rPr>
-              <a:t>暂时性死区特性</a:t>
+              <a:t>将不再是绝对安全的操作（参见实例），养成良好习惯，在使用变量之前定义变量</a:t>
             </a:r>
             <a:endParaRPr lang="zh-CN" altLang="en-US" sz="2200" dirty="0" smtClean="0">
               <a:solidFill>
@@ -7192,30 +8721,112 @@
                             </p:childTnLst>
                           </p:cTn>
                         </p:par>
-                      </p:childTnLst>
-                    </p:cTn>
-                  </p:par>
-                  <p:par>
-                    <p:cTn id="15" fill="hold">
-                      <p:stCondLst>
-                        <p:cond delay="indefinite"/>
-                      </p:stCondLst>
-                      <p:childTnLst>
                         <p:par>
-                          <p:cTn id="16" fill="hold">
+                          <p:cTn id="15" fill="hold">
                             <p:stCondLst>
-                              <p:cond delay="0"/>
+                              <p:cond delay="500"/>
                             </p:stCondLst>
                             <p:childTnLst>
                               <p:par>
-                                <p:cTn id="17" presetID="2" presetClass="entr" presetSubtype="4" fill="hold" nodeType="clickEffect">
+                                <p:cTn id="16" presetID="2" presetClass="entr" presetSubtype="4" fill="hold" grpId="0" nodeType="afterEffect">
                                   <p:stCondLst>
                                     <p:cond delay="0"/>
                                   </p:stCondLst>
                                   <p:childTnLst>
                                     <p:set>
                                       <p:cBhvr>
-                                        <p:cTn id="18" dur="1" fill="hold">
+                                        <p:cTn id="17" dur="1" fill="hold">
+                                          <p:stCondLst>
+                                            <p:cond delay="0"/>
+                                          </p:stCondLst>
+                                        </p:cTn>
+                                        <p:tgtEl>
+                                          <p:spTgt spid="4"/>
+                                        </p:tgtEl>
+                                        <p:attrNameLst>
+                                          <p:attrName>style.visibility</p:attrName>
+                                        </p:attrNameLst>
+                                      </p:cBhvr>
+                                      <p:to>
+                                        <p:strVal val="visible"/>
+                                      </p:to>
+                                    </p:set>
+                                    <p:anim calcmode="lin" valueType="num">
+                                      <p:cBhvr additive="base">
+                                        <p:cTn id="18" dur="500" fill="hold"/>
+                                        <p:tgtEl>
+                                          <p:spTgt spid="4"/>
+                                        </p:tgtEl>
+                                        <p:attrNameLst>
+                                          <p:attrName>ppt_x</p:attrName>
+                                        </p:attrNameLst>
+                                      </p:cBhvr>
+                                      <p:tavLst>
+                                        <p:tav tm="0">
+                                          <p:val>
+                                            <p:strVal val="#ppt_x"/>
+                                          </p:val>
+                                        </p:tav>
+                                        <p:tav tm="100000">
+                                          <p:val>
+                                            <p:strVal val="#ppt_x"/>
+                                          </p:val>
+                                        </p:tav>
+                                      </p:tavLst>
+                                    </p:anim>
+                                    <p:anim calcmode="lin" valueType="num">
+                                      <p:cBhvr additive="base">
+                                        <p:cTn id="19" dur="500" fill="hold"/>
+                                        <p:tgtEl>
+                                          <p:spTgt spid="4"/>
+                                        </p:tgtEl>
+                                        <p:attrNameLst>
+                                          <p:attrName>ppt_y</p:attrName>
+                                        </p:attrNameLst>
+                                      </p:cBhvr>
+                                      <p:tavLst>
+                                        <p:tav tm="0">
+                                          <p:val>
+                                            <p:strVal val="1+#ppt_h/2"/>
+                                          </p:val>
+                                        </p:tav>
+                                        <p:tav tm="100000">
+                                          <p:val>
+                                            <p:strVal val="#ppt_y"/>
+                                          </p:val>
+                                        </p:tav>
+                                      </p:tavLst>
+                                    </p:anim>
+                                  </p:childTnLst>
+                                </p:cTn>
+                              </p:par>
+                            </p:childTnLst>
+                          </p:cTn>
+                        </p:par>
+                      </p:childTnLst>
+                    </p:cTn>
+                  </p:par>
+                  <p:par>
+                    <p:cTn id="20" fill="hold">
+                      <p:stCondLst>
+                        <p:cond delay="indefinite"/>
+                      </p:stCondLst>
+                      <p:childTnLst>
+                        <p:par>
+                          <p:cTn id="21" fill="hold">
+                            <p:stCondLst>
+                              <p:cond delay="0"/>
+                            </p:stCondLst>
+                            <p:childTnLst>
+                              <p:par>
+                                <p:cTn id="22" presetID="2" presetClass="entr" presetSubtype="4" fill="hold" nodeType="clickEffect">
+                                  <p:stCondLst>
+                                    <p:cond delay="0"/>
+                                  </p:stCondLst>
+                                  <p:childTnLst>
+                                    <p:set>
+                                      <p:cBhvr>
+                                        <p:cTn id="23" dur="1" fill="hold">
                                           <p:stCondLst>
                                             <p:cond delay="0"/>
                                           </p:stCondLst>
@@ -7237,7 +8848,7 @@
                                     </p:set>
                                     <p:anim calcmode="lin" valueType="num">
                                       <p:cBhvr additive="base">
-                                        <p:cTn id="19" dur="500" fill="hold"/>
+                                        <p:cTn id="24" dur="500" fill="hold"/>
                                         <p:tgtEl>
                                           <p:spTgt spid="11266">
                                             <p:txEl>
@@ -7264,7 +8875,7 @@
                                     </p:anim>
                                     <p:anim calcmode="lin" valueType="num">
                                       <p:cBhvr additive="base">
-                                        <p:cTn id="20" dur="500" fill="hold"/>
+                                        <p:cTn id="25" dur="500" fill="hold"/>
                                         <p:tgtEl>
                                           <p:spTgt spid="11266">
                                             <p:txEl>
@@ -7296,20 +8907,20 @@
                           </p:cTn>
                         </p:par>
                         <p:par>
-                          <p:cTn id="21" fill="hold">
+                          <p:cTn id="26" fill="hold">
                             <p:stCondLst>
                               <p:cond delay="500"/>
                             </p:stCondLst>
                             <p:childTnLst>
                               <p:par>
-                                <p:cTn id="22" presetID="2" presetClass="entr" presetSubtype="4" fill="hold" grpId="0" nodeType="afterEffect">
+                                <p:cTn id="27" presetID="2" presetClass="entr" presetSubtype="4" fill="hold" grpId="0" nodeType="afterEffect">
                                   <p:stCondLst>
                                     <p:cond delay="0"/>
                                   </p:stCondLst>
                                   <p:childTnLst>
                                     <p:set>
                                       <p:cBhvr>
-                                        <p:cTn id="23" dur="1" fill="hold">
+                                        <p:cTn id="28" dur="1" fill="hold">
                                           <p:stCondLst>
                                             <p:cond delay="0"/>
                                           </p:stCondLst>
@@ -7327,7 +8938,7 @@
                                     </p:set>
                                     <p:anim calcmode="lin" valueType="num">
                                       <p:cBhvr additive="base">
-                                        <p:cTn id="24" dur="500" fill="hold"/>
+                                        <p:cTn id="29" dur="500" fill="hold"/>
                                         <p:tgtEl>
                                           <p:spTgt spid="3"/>
                                         </p:tgtEl>
@@ -7350,7 +8961,7 @@
                                     </p:anim>
                                     <p:anim calcmode="lin" valueType="num">
                                       <p:cBhvr additive="base">
-                                        <p:cTn id="25" dur="500" fill="hold"/>
+                                        <p:cTn id="30" dur="500" fill="hold"/>
                                         <p:tgtEl>
                                           <p:spTgt spid="3"/>
                                         </p:tgtEl>
@@ -7403,12 +9014,13 @@
     </p:tnLst>
     <p:bldLst>
       <p:bldP spid="3" grpId="0"/>
+      <p:bldP spid="4" grpId="0"/>
     </p:bldLst>
   </p:timing>
 </p:sld>
 </file>
 
-<file path=ppt/slides/slide14.xml><?xml version="1.0" encoding="utf-8"?>
+<file path=ppt/slides/slide15.xml><?xml version="1.0" encoding="utf-8"?>
 <p:sld xmlns:a="http://schemas.openxmlformats.org/drawingml/2006/main" xmlns:r="http://schemas.openxmlformats.org/officeDocument/2006/relationships" xmlns:p="http://schemas.openxmlformats.org/presentationml/2006/main">
   <p:cSld>
     <p:spTree>
@@ -7964,7 +9576,7 @@
 </p:sld>
 </file>
 
-<file path=ppt/slides/slide15.xml><?xml version="1.0" encoding="utf-8"?>
+<file path=ppt/slides/slide16.xml><?xml version="1.0" encoding="utf-8"?>
 <p:sld xmlns:a="http://schemas.openxmlformats.org/drawingml/2006/main" xmlns:r="http://schemas.openxmlformats.org/officeDocument/2006/relationships" xmlns:p="http://schemas.openxmlformats.org/presentationml/2006/main">
   <p:cSld>
     <p:spTree>
@@ -8168,7 +9780,7 @@
 </p:sld>
 </file>
 
-<file path=ppt/slides/slide16.xml><?xml version="1.0" encoding="utf-8"?>
+<file path=ppt/slides/slide17.xml><?xml version="1.0" encoding="utf-8"?>
 <p:sld xmlns:a="http://schemas.openxmlformats.org/drawingml/2006/main" xmlns:r="http://schemas.openxmlformats.org/officeDocument/2006/relationships" xmlns:p="http://schemas.openxmlformats.org/presentationml/2006/main">
   <p:cSld>
     <p:spTree>
@@ -8551,7 +10163,7 @@
 </p:sld>
 </file>
 
-<file path=ppt/slides/slide17.xml><?xml version="1.0" encoding="utf-8"?>
+<file path=ppt/slides/slide18.xml><?xml version="1.0" encoding="utf-8"?>
 <p:sld xmlns:a="http://schemas.openxmlformats.org/drawingml/2006/main" xmlns:r="http://schemas.openxmlformats.org/officeDocument/2006/relationships" xmlns:p="http://schemas.openxmlformats.org/presentationml/2006/main">
   <p:cSld>
     <p:spTree>
@@ -8733,14 +10345,14 @@
             <a:r>
               <a:rPr lang="zh-CN" altLang="en-US" sz="2800" b="1">
                 <a:solidFill>
-                  <a:schemeClr val="tx1"/>
+                  <a:schemeClr val="accent3"/>
                 </a:solidFill>
               </a:rPr>
               <a:t>数组、对象的解构赋值</a:t>
             </a:r>
             <a:endParaRPr lang="zh-CN" altLang="en-US" sz="2800" b="1">
               <a:solidFill>
-                <a:schemeClr val="tx1"/>
+                <a:schemeClr val="accent3"/>
               </a:solidFill>
             </a:endParaRPr>
           </a:p>
@@ -9079,6 +10691,489 @@
         <p:cTn id="1" dur="indefinite" restart="never" nodeType="tmRoot"/>
       </p:par>
     </p:tnLst>
+  </p:timing>
+</p:sld>
+</file>
+
+<file path=ppt/slides/slide19.xml><?xml version="1.0" encoding="utf-8"?>
+<p:sld xmlns:a="http://schemas.openxmlformats.org/drawingml/2006/main" xmlns:r="http://schemas.openxmlformats.org/officeDocument/2006/relationships" xmlns:p="http://schemas.openxmlformats.org/presentationml/2006/main">
+  <p:cSld>
+    <p:spTree>
+      <p:nvGrpSpPr>
+        <p:cNvPr id="1" name=""/>
+        <p:cNvGrpSpPr/>
+        <p:nvPr/>
+      </p:nvGrpSpPr>
+      <p:grpSpPr>
+        <a:xfrm>
+          <a:off x="0" y="0"/>
+          <a:ext cx="0" cy="0"/>
+          <a:chOff x="0" y="0"/>
+          <a:chExt cx="0" cy="0"/>
+        </a:xfrm>
+      </p:grpSpPr>
+      <p:sp>
+        <p:nvSpPr>
+          <p:cNvPr id="11266" name="内容占位符 1"/>
+          <p:cNvSpPr>
+            <a:spLocks noGrp="1"/>
+          </p:cNvSpPr>
+          <p:nvPr>
+            <p:ph sz="quarter" idx="10"/>
+          </p:nvPr>
+        </p:nvSpPr>
+        <p:spPr bwMode="auto">
+          <a:xfrm>
+            <a:off x="947420" y="796925"/>
+            <a:ext cx="10697210" cy="5115560"/>
+          </a:xfrm>
+          <a:noFill/>
+          <a:extLst>
+            <a:ext uri="{909E8E84-426E-40DD-AFC4-6F175D3DCCD1}">
+              <a14:hiddenFill xmlns:a14="http://schemas.microsoft.com/office/drawing/2010/main">
+                <a:solidFill>
+                  <a:srgbClr val="FFFFFF"/>
+                </a:solidFill>
+              </a14:hiddenFill>
+            </a:ext>
+            <a:ext uri="{91240B29-F687-4F45-9708-019B960494DF}">
+              <a14:hiddenLine xmlns:a14="http://schemas.microsoft.com/office/drawing/2010/main" w="9525">
+                <a:solidFill>
+                  <a:srgbClr val="000000"/>
+                </a:solidFill>
+                <a:miter lim="800000"/>
+                <a:headEnd/>
+                <a:tailEnd/>
+              </a14:hiddenLine>
+            </a:ext>
+          </a:extLst>
+        </p:spPr>
+        <p:txBody>
+          <a:bodyPr vert="horz" wrap="square" lIns="91440" tIns="45720" rIns="91440" bIns="45720" numCol="1" anchor="t" anchorCtr="0" compatLnSpc="1"/>
+          <a:lstStyle/>
+          <a:p>
+            <a:pPr>
+              <a:lnSpc>
+                <a:spcPct val="130000"/>
+              </a:lnSpc>
+            </a:pPr>
+            <a:r>
+              <a:rPr kumimoji="0" lang="en-US" sz="3200" dirty="0" smtClean="0">
+                <a:solidFill>
+                  <a:schemeClr val="tx1"/>
+                </a:solidFill>
+                <a:sym typeface="+mn-ea"/>
+              </a:rPr>
+              <a:t>var</a:t>
+            </a:r>
+            <a:r>
+              <a:rPr kumimoji="0" lang="zh-CN" altLang="en-US" sz="3200" dirty="0" smtClean="0">
+                <a:solidFill>
+                  <a:schemeClr val="tx1"/>
+                </a:solidFill>
+                <a:sym typeface="+mn-ea"/>
+              </a:rPr>
+              <a:t>的</a:t>
+            </a:r>
+            <a:endParaRPr kumimoji="0" lang="zh-CN" sz="3200" dirty="0" smtClean="0">
+              <a:solidFill>
+                <a:schemeClr val="tx1"/>
+              </a:solidFill>
+              <a:sym typeface="+mn-ea"/>
+            </a:endParaRPr>
+          </a:p>
+          <a:p>
+            <a:pPr marL="0" indent="0">
+              <a:lnSpc>
+                <a:spcPct val="130000"/>
+              </a:lnSpc>
+              <a:buNone/>
+            </a:pPr>
+            <a:endParaRPr kumimoji="0" sz="3200" dirty="0" smtClean="0">
+              <a:solidFill>
+                <a:schemeClr val="tx1"/>
+              </a:solidFill>
+              <a:sym typeface="+mn-ea"/>
+            </a:endParaRPr>
+          </a:p>
+          <a:p>
+            <a:pPr marL="0" indent="0">
+              <a:lnSpc>
+                <a:spcPct val="130000"/>
+              </a:lnSpc>
+              <a:buNone/>
+            </a:pPr>
+            <a:endParaRPr kumimoji="0" lang="zh-CN" altLang="en-US" sz="3200" dirty="0" smtClean="0">
+              <a:solidFill>
+                <a:schemeClr val="tx1"/>
+              </a:solidFill>
+              <a:sym typeface="+mn-ea"/>
+            </a:endParaRPr>
+          </a:p>
+          <a:p>
+            <a:pPr>
+              <a:lnSpc>
+                <a:spcPct val="130000"/>
+              </a:lnSpc>
+            </a:pPr>
+            <a:endParaRPr kumimoji="0" lang="zh-CN" altLang="en-US" sz="3200" dirty="0" smtClean="0">
+              <a:solidFill>
+                <a:schemeClr val="tx1"/>
+              </a:solidFill>
+              <a:sym typeface="+mn-ea"/>
+            </a:endParaRPr>
+          </a:p>
+          <a:p>
+            <a:pPr>
+              <a:lnSpc>
+                <a:spcPct val="130000"/>
+              </a:lnSpc>
+            </a:pPr>
+            <a:endParaRPr kumimoji="0" lang="zh-CN" altLang="en-US" sz="3200" dirty="0" smtClean="0">
+              <a:solidFill>
+                <a:schemeClr val="tx1"/>
+              </a:solidFill>
+            </a:endParaRPr>
+          </a:p>
+          <a:p>
+            <a:pPr eaLnBrk="1" hangingPunct="1">
+              <a:lnSpc>
+                <a:spcPct val="150000"/>
+              </a:lnSpc>
+            </a:pPr>
+            <a:endParaRPr kumimoji="0" lang="en-US" altLang="zh-CN" sz="3600" dirty="0" smtClean="0">
+              <a:solidFill>
+                <a:schemeClr val="tx1"/>
+              </a:solidFill>
+            </a:endParaRPr>
+          </a:p>
+          <a:p>
+            <a:pPr eaLnBrk="1" hangingPunct="1">
+              <a:lnSpc>
+                <a:spcPct val="150000"/>
+              </a:lnSpc>
+            </a:pPr>
+            <a:endParaRPr kumimoji="0" lang="zh-CN" altLang="en-US" dirty="0" smtClean="0">
+              <a:solidFill>
+                <a:schemeClr val="tx1"/>
+              </a:solidFill>
+            </a:endParaRPr>
+          </a:p>
+        </p:txBody>
+      </p:sp>
+      <p:sp>
+        <p:nvSpPr>
+          <p:cNvPr id="2" name="内容占位符 1"/>
+          <p:cNvSpPr>
+            <a:spLocks noGrp="1"/>
+          </p:cNvSpPr>
+          <p:nvPr>
+            <p:ph sz="quarter" idx="11"/>
+          </p:nvPr>
+        </p:nvSpPr>
+        <p:spPr>
+          <a:xfrm>
+            <a:off x="947420" y="308610"/>
+            <a:ext cx="10057130" cy="490220"/>
+          </a:xfrm>
+        </p:spPr>
+        <p:txBody>
+          <a:bodyPr/>
+          <a:lstStyle/>
+          <a:p>
+            <a:r>
+              <a:rPr kumimoji="0" lang="zh-CN" dirty="0"/>
+              <a:t>数组的解构赋值</a:t>
+            </a:r>
+            <a:endParaRPr kumimoji="0" lang="zh-CN" dirty="0"/>
+          </a:p>
+        </p:txBody>
+      </p:sp>
+      <p:sp>
+        <p:nvSpPr>
+          <p:cNvPr id="6" name="文本框 5"/>
+          <p:cNvSpPr txBox="1"/>
+          <p:nvPr/>
+        </p:nvSpPr>
+        <p:spPr>
+          <a:xfrm>
+            <a:off x="5174615" y="6065520"/>
+            <a:ext cx="6735445" cy="429895"/>
+          </a:xfrm>
+          <a:prstGeom prst="rect">
+            <a:avLst/>
+          </a:prstGeom>
+          <a:noFill/>
+        </p:spPr>
+        <p:txBody>
+          <a:bodyPr wrap="square" rtlCol="0">
+            <a:spAutoFit/>
+          </a:bodyPr>
+          <a:p>
+            <a:pPr algn="l"/>
+            <a:r>
+              <a:rPr lang="zh-CN" altLang="en-US" sz="2200">
+                <a:solidFill>
+                  <a:srgbClr val="FF0000"/>
+                </a:solidFill>
+                <a:latin typeface="+mn-ea"/>
+                <a:ea typeface="+mn-ea"/>
+              </a:rPr>
+              <a:t>参见实例</a:t>
+            </a:r>
+            <a:r>
+              <a:rPr lang="en-US" altLang="zh-CN" sz="2200">
+                <a:solidFill>
+                  <a:srgbClr val="FF0000"/>
+                </a:solidFill>
+                <a:latin typeface="+mn-ea"/>
+                <a:ea typeface="+mn-ea"/>
+              </a:rPr>
+              <a:t>demo09 Part1 </a:t>
+            </a:r>
+            <a:r>
+              <a:rPr lang="zh-CN" sz="2200">
+                <a:solidFill>
+                  <a:srgbClr val="FF0000"/>
+                </a:solidFill>
+                <a:latin typeface="+mn-ea"/>
+                <a:ea typeface="+mn-ea"/>
+              </a:rPr>
+              <a:t>数组的解构赋值</a:t>
+            </a:r>
+            <a:endParaRPr lang="zh-CN" sz="2200" dirty="0" smtClean="0">
+              <a:solidFill>
+                <a:srgbClr val="FF0000"/>
+              </a:solidFill>
+              <a:latin typeface="+mn-ea"/>
+              <a:ea typeface="+mn-ea"/>
+              <a:sym typeface="+mn-ea"/>
+            </a:endParaRPr>
+          </a:p>
+        </p:txBody>
+      </p:sp>
+    </p:spTree>
+  </p:cSld>
+  <p:clrMapOvr>
+    <a:masterClrMapping/>
+  </p:clrMapOvr>
+  <p:timing>
+    <p:tnLst>
+      <p:par>
+        <p:cTn id="1" dur="indefinite" restart="never" nodeType="tmRoot">
+          <p:childTnLst>
+            <p:seq concurrent="1" nextAc="seek">
+              <p:cTn id="2" dur="indefinite" nodeType="mainSeq">
+                <p:childTnLst>
+                  <p:par>
+                    <p:cTn id="3" fill="hold">
+                      <p:stCondLst>
+                        <p:cond delay="indefinite"/>
+                      </p:stCondLst>
+                      <p:childTnLst>
+                        <p:par>
+                          <p:cTn id="4" fill="hold">
+                            <p:stCondLst>
+                              <p:cond delay="0"/>
+                            </p:stCondLst>
+                            <p:childTnLst>
+                              <p:par>
+                                <p:cTn id="5" presetID="2" presetClass="entr" presetSubtype="4" fill="hold" nodeType="clickEffect">
+                                  <p:stCondLst>
+                                    <p:cond delay="0"/>
+                                  </p:stCondLst>
+                                  <p:childTnLst>
+                                    <p:set>
+                                      <p:cBhvr>
+                                        <p:cTn id="6" dur="1" fill="hold">
+                                          <p:stCondLst>
+                                            <p:cond delay="0"/>
+                                          </p:stCondLst>
+                                        </p:cTn>
+                                        <p:tgtEl>
+                                          <p:spTgt spid="11266">
+                                            <p:txEl>
+                                              <p:pRg st="0" end="0"/>
+                                            </p:txEl>
+                                          </p:spTgt>
+                                        </p:tgtEl>
+                                        <p:attrNameLst>
+                                          <p:attrName>style.visibility</p:attrName>
+                                        </p:attrNameLst>
+                                      </p:cBhvr>
+                                      <p:to>
+                                        <p:strVal val="visible"/>
+                                      </p:to>
+                                    </p:set>
+                                    <p:anim calcmode="lin" valueType="num">
+                                      <p:cBhvr additive="base">
+                                        <p:cTn id="7" dur="500" fill="hold"/>
+                                        <p:tgtEl>
+                                          <p:spTgt spid="11266">
+                                            <p:txEl>
+                                              <p:pRg st="0" end="0"/>
+                                            </p:txEl>
+                                          </p:spTgt>
+                                        </p:tgtEl>
+                                        <p:attrNameLst>
+                                          <p:attrName>ppt_x</p:attrName>
+                                        </p:attrNameLst>
+                                      </p:cBhvr>
+                                      <p:tavLst>
+                                        <p:tav tm="0">
+                                          <p:val>
+                                            <p:strVal val="#ppt_x"/>
+                                          </p:val>
+                                        </p:tav>
+                                        <p:tav tm="100000">
+                                          <p:val>
+                                            <p:strVal val="#ppt_x"/>
+                                          </p:val>
+                                        </p:tav>
+                                      </p:tavLst>
+                                    </p:anim>
+                                    <p:anim calcmode="lin" valueType="num">
+                                      <p:cBhvr additive="base">
+                                        <p:cTn id="8" dur="500" fill="hold"/>
+                                        <p:tgtEl>
+                                          <p:spTgt spid="11266">
+                                            <p:txEl>
+                                              <p:pRg st="0" end="0"/>
+                                            </p:txEl>
+                                          </p:spTgt>
+                                        </p:tgtEl>
+                                        <p:attrNameLst>
+                                          <p:attrName>ppt_y</p:attrName>
+                                        </p:attrNameLst>
+                                      </p:cBhvr>
+                                      <p:tavLst>
+                                        <p:tav tm="0">
+                                          <p:val>
+                                            <p:strVal val="1+#ppt_h/2"/>
+                                          </p:val>
+                                        </p:tav>
+                                        <p:tav tm="100000">
+                                          <p:val>
+                                            <p:strVal val="#ppt_y"/>
+                                          </p:val>
+                                        </p:tav>
+                                      </p:tavLst>
+                                    </p:anim>
+                                  </p:childTnLst>
+                                </p:cTn>
+                              </p:par>
+                            </p:childTnLst>
+                          </p:cTn>
+                        </p:par>
+                        <p:par>
+                          <p:cTn id="9" fill="hold">
+                            <p:stCondLst>
+                              <p:cond delay="500"/>
+                            </p:stCondLst>
+                            <p:childTnLst>
+                              <p:par>
+                                <p:cTn id="10" presetID="2" presetClass="entr" presetSubtype="4" fill="hold" grpId="0" nodeType="afterEffect">
+                                  <p:stCondLst>
+                                    <p:cond delay="0"/>
+                                  </p:stCondLst>
+                                  <p:childTnLst>
+                                    <p:set>
+                                      <p:cBhvr>
+                                        <p:cTn id="11" dur="1" fill="hold">
+                                          <p:stCondLst>
+                                            <p:cond delay="0"/>
+                                          </p:stCondLst>
+                                        </p:cTn>
+                                        <p:tgtEl>
+                                          <p:spTgt spid="6"/>
+                                        </p:tgtEl>
+                                        <p:attrNameLst>
+                                          <p:attrName>style.visibility</p:attrName>
+                                        </p:attrNameLst>
+                                      </p:cBhvr>
+                                      <p:to>
+                                        <p:strVal val="visible"/>
+                                      </p:to>
+                                    </p:set>
+                                    <p:anim calcmode="lin" valueType="num">
+                                      <p:cBhvr additive="base">
+                                        <p:cTn id="12" dur="500" fill="hold"/>
+                                        <p:tgtEl>
+                                          <p:spTgt spid="6"/>
+                                        </p:tgtEl>
+                                        <p:attrNameLst>
+                                          <p:attrName>ppt_x</p:attrName>
+                                        </p:attrNameLst>
+                                      </p:cBhvr>
+                                      <p:tavLst>
+                                        <p:tav tm="0">
+                                          <p:val>
+                                            <p:strVal val="#ppt_x"/>
+                                          </p:val>
+                                        </p:tav>
+                                        <p:tav tm="100000">
+                                          <p:val>
+                                            <p:strVal val="#ppt_x"/>
+                                          </p:val>
+                                        </p:tav>
+                                      </p:tavLst>
+                                    </p:anim>
+                                    <p:anim calcmode="lin" valueType="num">
+                                      <p:cBhvr additive="base">
+                                        <p:cTn id="13" dur="500" fill="hold"/>
+                                        <p:tgtEl>
+                                          <p:spTgt spid="6"/>
+                                        </p:tgtEl>
+                                        <p:attrNameLst>
+                                          <p:attrName>ppt_y</p:attrName>
+                                        </p:attrNameLst>
+                                      </p:cBhvr>
+                                      <p:tavLst>
+                                        <p:tav tm="0">
+                                          <p:val>
+                                            <p:strVal val="1+#ppt_h/2"/>
+                                          </p:val>
+                                        </p:tav>
+                                        <p:tav tm="100000">
+                                          <p:val>
+                                            <p:strVal val="#ppt_y"/>
+                                          </p:val>
+                                        </p:tav>
+                                      </p:tavLst>
+                                    </p:anim>
+                                  </p:childTnLst>
+                                </p:cTn>
+                              </p:par>
+                            </p:childTnLst>
+                          </p:cTn>
+                        </p:par>
+                      </p:childTnLst>
+                    </p:cTn>
+                  </p:par>
+                </p:childTnLst>
+              </p:cTn>
+              <p:prevCondLst>
+                <p:cond evt="onPrev" delay="0">
+                  <p:tgtEl>
+                    <p:sldTgt/>
+                  </p:tgtEl>
+                </p:cond>
+              </p:prevCondLst>
+              <p:nextCondLst>
+                <p:cond evt="onNext" delay="0">
+                  <p:tgtEl>
+                    <p:sldTgt/>
+                  </p:tgtEl>
+                </p:cond>
+              </p:nextCondLst>
+            </p:seq>
+          </p:childTnLst>
+        </p:cTn>
+      </p:par>
+    </p:tnLst>
+    <p:bldLst>
+      <p:bldP spid="6" grpId="0"/>
+    </p:bldLst>
   </p:timing>
 </p:sld>
 </file>
@@ -9166,7 +11261,7 @@
         </p:nvSpPr>
         <p:spPr bwMode="auto">
           <a:xfrm>
-            <a:off x="1809751" y="2428876"/>
+            <a:off x="1809751" y="2141856"/>
             <a:ext cx="7286625" cy="1116013"/>
           </a:xfrm>
           <a:prstGeom prst="rect">
@@ -9222,7 +11317,9 @@
               </a:rPr>
               <a:t>）</a:t>
             </a:r>
-            <a:endParaRPr kumimoji="0" lang="zh-CN" altLang="zh-CN" sz="4800" b="1"/>
+            <a:endParaRPr kumimoji="0" lang="zh-CN" altLang="en-US" sz="4800" b="1" dirty="0">
+              <a:sym typeface="+mn-ea"/>
+            </a:endParaRPr>
           </a:p>
         </p:txBody>
       </p:sp>
@@ -9236,8 +11333,8 @@
         </p:nvSpPr>
         <p:spPr bwMode="auto">
           <a:xfrm>
-            <a:off x="5381626" y="4143375"/>
-            <a:ext cx="5286375" cy="583565"/>
+            <a:off x="4634865" y="4358640"/>
+            <a:ext cx="6033135" cy="583565"/>
           </a:xfrm>
           <a:prstGeom prst="rect">
             <a:avLst/>
@@ -9267,7 +11364,7 @@
           </a:extLst>
         </p:spPr>
         <p:txBody>
-          <a:bodyPr>
+          <a:bodyPr wrap="square">
             <a:spAutoFit/>
           </a:bodyPr>
           <a:lstStyle>
@@ -9390,21 +11487,9 @@
             </a:r>
             <a:r>
               <a:rPr lang="zh-CN"/>
-              <a:t>中的</a:t>
-            </a:r>
-            <a:r>
-              <a:rPr lang="en-US" altLang="zh-CN"/>
-              <a:t>let</a:t>
-            </a:r>
-            <a:r>
-              <a:rPr lang="zh-CN" altLang="en-US"/>
-              <a:t>与</a:t>
-            </a:r>
-            <a:r>
-              <a:rPr lang="en-US" altLang="zh-CN"/>
-              <a:t>const</a:t>
-            </a:r>
-            <a:endParaRPr lang="en-US" altLang="zh-CN"/>
+              <a:t>中变量的解构赋值</a:t>
+            </a:r>
+            <a:endParaRPr lang="zh-CN"/>
           </a:p>
         </p:txBody>
       </p:sp>
@@ -9462,12 +11547,891 @@
           </a:extLst>
         </p:spPr>
       </p:pic>
+      <p:sp>
+        <p:nvSpPr>
+          <p:cNvPr id="2" name="TextBox 4"/>
+          <p:cNvSpPr txBox="1">
+            <a:spLocks noChangeArrowheads="1"/>
+          </p:cNvSpPr>
+          <p:nvPr/>
+        </p:nvSpPr>
+        <p:spPr bwMode="auto">
+          <a:xfrm>
+            <a:off x="4634865" y="3712845"/>
+            <a:ext cx="5315585" cy="583565"/>
+          </a:xfrm>
+          <a:prstGeom prst="rect">
+            <a:avLst/>
+          </a:prstGeom>
+          <a:noFill/>
+          <a:ln>
+            <a:noFill/>
+          </a:ln>
+          <a:extLst>
+            <a:ext uri="{909E8E84-426E-40DD-AFC4-6F175D3DCCD1}">
+              <a14:hiddenFill xmlns:a14="http://schemas.microsoft.com/office/drawing/2010/main">
+                <a:solidFill>
+                  <a:srgbClr val="FFFFFF"/>
+                </a:solidFill>
+              </a14:hiddenFill>
+            </a:ext>
+            <a:ext uri="{91240B29-F687-4F45-9708-019B960494DF}">
+              <a14:hiddenLine xmlns:a14="http://schemas.microsoft.com/office/drawing/2010/main" w="9525">
+                <a:solidFill>
+                  <a:srgbClr val="000000"/>
+                </a:solidFill>
+                <a:miter lim="800000"/>
+                <a:headEnd/>
+                <a:tailEnd/>
+              </a14:hiddenLine>
+            </a:ext>
+          </a:extLst>
+        </p:spPr>
+        <p:txBody>
+          <a:bodyPr wrap="square">
+            <a:spAutoFit/>
+          </a:bodyPr>
+          <a:lstStyle>
+            <a:lvl1pPr>
+              <a:defRPr sz="3200">
+                <a:solidFill>
+                  <a:schemeClr val="tx1"/>
+                </a:solidFill>
+                <a:latin typeface="Arial" panose="020B0604020202020204" pitchFamily="34" charset="0"/>
+                <a:ea typeface="微软雅黑" panose="020B0503020204020204" pitchFamily="34" charset="-122"/>
+              </a:defRPr>
+            </a:lvl1pPr>
+            <a:lvl2pPr marL="742950" indent="-285750">
+              <a:defRPr sz="3200">
+                <a:solidFill>
+                  <a:schemeClr val="tx1"/>
+                </a:solidFill>
+                <a:latin typeface="Arial" panose="020B0604020202020204" pitchFamily="34" charset="0"/>
+                <a:ea typeface="微软雅黑" panose="020B0503020204020204" pitchFamily="34" charset="-122"/>
+              </a:defRPr>
+            </a:lvl2pPr>
+            <a:lvl3pPr marL="1143000" indent="-228600">
+              <a:defRPr sz="3200">
+                <a:solidFill>
+                  <a:schemeClr val="tx1"/>
+                </a:solidFill>
+                <a:latin typeface="Arial" panose="020B0604020202020204" pitchFamily="34" charset="0"/>
+                <a:ea typeface="微软雅黑" panose="020B0503020204020204" pitchFamily="34" charset="-122"/>
+              </a:defRPr>
+            </a:lvl3pPr>
+            <a:lvl4pPr marL="1600200" indent="-228600">
+              <a:defRPr sz="3200">
+                <a:solidFill>
+                  <a:schemeClr val="tx1"/>
+                </a:solidFill>
+                <a:latin typeface="Arial" panose="020B0604020202020204" pitchFamily="34" charset="0"/>
+                <a:ea typeface="微软雅黑" panose="020B0503020204020204" pitchFamily="34" charset="-122"/>
+              </a:defRPr>
+            </a:lvl4pPr>
+            <a:lvl5pPr marL="2057400" indent="-228600">
+              <a:defRPr sz="3200">
+                <a:solidFill>
+                  <a:schemeClr val="tx1"/>
+                </a:solidFill>
+                <a:latin typeface="Arial" panose="020B0604020202020204" pitchFamily="34" charset="0"/>
+                <a:ea typeface="微软雅黑" panose="020B0503020204020204" pitchFamily="34" charset="-122"/>
+              </a:defRPr>
+            </a:lvl5pPr>
+            <a:lvl6pPr marL="2514600" indent="-228600" eaLnBrk="0" fontAlgn="base" hangingPunct="0">
+              <a:spcBef>
+                <a:spcPct val="0"/>
+              </a:spcBef>
+              <a:spcAft>
+                <a:spcPct val="0"/>
+              </a:spcAft>
+              <a:defRPr sz="3200">
+                <a:solidFill>
+                  <a:schemeClr val="tx1"/>
+                </a:solidFill>
+                <a:latin typeface="Arial" panose="020B0604020202020204" pitchFamily="34" charset="0"/>
+                <a:ea typeface="微软雅黑" panose="020B0503020204020204" pitchFamily="34" charset="-122"/>
+              </a:defRPr>
+            </a:lvl6pPr>
+            <a:lvl7pPr marL="2971800" indent="-228600" eaLnBrk="0" fontAlgn="base" hangingPunct="0">
+              <a:spcBef>
+                <a:spcPct val="0"/>
+              </a:spcBef>
+              <a:spcAft>
+                <a:spcPct val="0"/>
+              </a:spcAft>
+              <a:defRPr sz="3200">
+                <a:solidFill>
+                  <a:schemeClr val="tx1"/>
+                </a:solidFill>
+                <a:latin typeface="Arial" panose="020B0604020202020204" pitchFamily="34" charset="0"/>
+                <a:ea typeface="微软雅黑" panose="020B0503020204020204" pitchFamily="34" charset="-122"/>
+              </a:defRPr>
+            </a:lvl7pPr>
+            <a:lvl8pPr marL="3429000" indent="-228600" eaLnBrk="0" fontAlgn="base" hangingPunct="0">
+              <a:spcBef>
+                <a:spcPct val="0"/>
+              </a:spcBef>
+              <a:spcAft>
+                <a:spcPct val="0"/>
+              </a:spcAft>
+              <a:defRPr sz="3200">
+                <a:solidFill>
+                  <a:schemeClr val="tx1"/>
+                </a:solidFill>
+                <a:latin typeface="Arial" panose="020B0604020202020204" pitchFamily="34" charset="0"/>
+                <a:ea typeface="微软雅黑" panose="020B0503020204020204" pitchFamily="34" charset="-122"/>
+              </a:defRPr>
+            </a:lvl8pPr>
+            <a:lvl9pPr marL="3886200" indent="-228600" eaLnBrk="0" fontAlgn="base" hangingPunct="0">
+              <a:spcBef>
+                <a:spcPct val="0"/>
+              </a:spcBef>
+              <a:spcAft>
+                <a:spcPct val="0"/>
+              </a:spcAft>
+              <a:defRPr sz="3200">
+                <a:solidFill>
+                  <a:schemeClr val="tx1"/>
+                </a:solidFill>
+                <a:latin typeface="Arial" panose="020B0604020202020204" pitchFamily="34" charset="0"/>
+                <a:ea typeface="微软雅黑" panose="020B0503020204020204" pitchFamily="34" charset="-122"/>
+              </a:defRPr>
+            </a:lvl9pPr>
+          </a:lstStyle>
+          <a:p>
+            <a:r>
+              <a:rPr lang="en-US" altLang="zh-CN">
+                <a:latin typeface="微软雅黑" panose="020B0503020204020204" pitchFamily="34" charset="-122"/>
+                <a:ea typeface="宋体" panose="02010600030101010101" pitchFamily="2" charset="-122"/>
+              </a:rPr>
+              <a:t>---</a:t>
+            </a:r>
+            <a:r>
+              <a:t>ES6</a:t>
+            </a:r>
+            <a:r>
+              <a:rPr lang="zh-CN"/>
+              <a:t>中的</a:t>
+            </a:r>
+            <a:r>
+              <a:rPr lang="en-US" altLang="zh-CN"/>
+              <a:t>let</a:t>
+            </a:r>
+            <a:r>
+              <a:rPr lang="zh-CN" altLang="en-US"/>
+              <a:t>与</a:t>
+            </a:r>
+            <a:r>
+              <a:rPr lang="en-US" altLang="zh-CN"/>
+              <a:t>const</a:t>
+            </a:r>
+            <a:endParaRPr lang="en-US" altLang="zh-CN"/>
+          </a:p>
+        </p:txBody>
+      </p:sp>
     </p:spTree>
   </p:cSld>
   <p:clrMapOvr>
     <a:masterClrMapping/>
   </p:clrMapOvr>
   <p:transition advClick="0"/>
+  <p:timing>
+    <p:tnLst>
+      <p:par>
+        <p:cTn id="1" dur="indefinite" restart="never" nodeType="tmRoot"/>
+      </p:par>
+    </p:tnLst>
+  </p:timing>
+</p:sld>
+</file>
+
+<file path=ppt/slides/slide20.xml><?xml version="1.0" encoding="utf-8"?>
+<p:sld xmlns:a="http://schemas.openxmlformats.org/drawingml/2006/main" xmlns:r="http://schemas.openxmlformats.org/officeDocument/2006/relationships" xmlns:p="http://schemas.openxmlformats.org/presentationml/2006/main">
+  <p:cSld>
+    <p:spTree>
+      <p:nvGrpSpPr>
+        <p:cNvPr id="1" name=""/>
+        <p:cNvGrpSpPr/>
+        <p:nvPr/>
+      </p:nvGrpSpPr>
+      <p:grpSpPr>
+        <a:xfrm>
+          <a:off x="0" y="0"/>
+          <a:ext cx="0" cy="0"/>
+          <a:chOff x="0" y="0"/>
+          <a:chExt cx="0" cy="0"/>
+        </a:xfrm>
+      </p:grpSpPr>
+      <p:sp>
+        <p:nvSpPr>
+          <p:cNvPr id="11266" name="内容占位符 1"/>
+          <p:cNvSpPr>
+            <a:spLocks noGrp="1"/>
+          </p:cNvSpPr>
+          <p:nvPr>
+            <p:ph sz="quarter" idx="10"/>
+          </p:nvPr>
+        </p:nvSpPr>
+        <p:spPr bwMode="auto">
+          <a:xfrm>
+            <a:off x="947420" y="796925"/>
+            <a:ext cx="10697210" cy="5115560"/>
+          </a:xfrm>
+          <a:noFill/>
+          <a:extLst>
+            <a:ext uri="{909E8E84-426E-40DD-AFC4-6F175D3DCCD1}">
+              <a14:hiddenFill xmlns:a14="http://schemas.microsoft.com/office/drawing/2010/main">
+                <a:solidFill>
+                  <a:srgbClr val="FFFFFF"/>
+                </a:solidFill>
+              </a14:hiddenFill>
+            </a:ext>
+            <a:ext uri="{91240B29-F687-4F45-9708-019B960494DF}">
+              <a14:hiddenLine xmlns:a14="http://schemas.microsoft.com/office/drawing/2010/main" w="9525">
+                <a:solidFill>
+                  <a:srgbClr val="000000"/>
+                </a:solidFill>
+                <a:miter lim="800000"/>
+                <a:headEnd/>
+                <a:tailEnd/>
+              </a14:hiddenLine>
+            </a:ext>
+          </a:extLst>
+        </p:spPr>
+        <p:txBody>
+          <a:bodyPr vert="horz" wrap="square" lIns="91440" tIns="45720" rIns="91440" bIns="45720" numCol="1" anchor="t" anchorCtr="0" compatLnSpc="1"/>
+          <a:lstStyle/>
+          <a:p>
+            <a:pPr>
+              <a:lnSpc>
+                <a:spcPct val="130000"/>
+              </a:lnSpc>
+            </a:pPr>
+            <a:r>
+              <a:rPr kumimoji="0" lang="en-US" sz="3200" dirty="0" smtClean="0">
+                <a:solidFill>
+                  <a:schemeClr val="tx1"/>
+                </a:solidFill>
+                <a:sym typeface="+mn-ea"/>
+              </a:rPr>
+              <a:t>var</a:t>
+            </a:r>
+            <a:r>
+              <a:rPr kumimoji="0" lang="zh-CN" altLang="en-US" sz="3200" dirty="0" smtClean="0">
+                <a:solidFill>
+                  <a:schemeClr val="tx1"/>
+                </a:solidFill>
+                <a:sym typeface="+mn-ea"/>
+              </a:rPr>
+              <a:t>的</a:t>
+            </a:r>
+            <a:endParaRPr kumimoji="0" lang="zh-CN" sz="3200" dirty="0" smtClean="0">
+              <a:solidFill>
+                <a:schemeClr val="tx1"/>
+              </a:solidFill>
+              <a:sym typeface="+mn-ea"/>
+            </a:endParaRPr>
+          </a:p>
+          <a:p>
+            <a:pPr marL="0" indent="0">
+              <a:lnSpc>
+                <a:spcPct val="130000"/>
+              </a:lnSpc>
+              <a:buNone/>
+            </a:pPr>
+            <a:endParaRPr kumimoji="0" sz="3200" dirty="0" smtClean="0">
+              <a:solidFill>
+                <a:schemeClr val="tx1"/>
+              </a:solidFill>
+              <a:sym typeface="+mn-ea"/>
+            </a:endParaRPr>
+          </a:p>
+          <a:p>
+            <a:pPr marL="0" indent="0">
+              <a:lnSpc>
+                <a:spcPct val="130000"/>
+              </a:lnSpc>
+              <a:buNone/>
+            </a:pPr>
+            <a:endParaRPr kumimoji="0" lang="zh-CN" altLang="en-US" sz="3200" dirty="0" smtClean="0">
+              <a:solidFill>
+                <a:schemeClr val="tx1"/>
+              </a:solidFill>
+              <a:sym typeface="+mn-ea"/>
+            </a:endParaRPr>
+          </a:p>
+          <a:p>
+            <a:pPr>
+              <a:lnSpc>
+                <a:spcPct val="130000"/>
+              </a:lnSpc>
+            </a:pPr>
+            <a:endParaRPr kumimoji="0" lang="zh-CN" altLang="en-US" sz="3200" dirty="0" smtClean="0">
+              <a:solidFill>
+                <a:schemeClr val="tx1"/>
+              </a:solidFill>
+              <a:sym typeface="+mn-ea"/>
+            </a:endParaRPr>
+          </a:p>
+          <a:p>
+            <a:pPr>
+              <a:lnSpc>
+                <a:spcPct val="130000"/>
+              </a:lnSpc>
+            </a:pPr>
+            <a:endParaRPr kumimoji="0" lang="zh-CN" altLang="en-US" sz="3200" dirty="0" smtClean="0">
+              <a:solidFill>
+                <a:schemeClr val="tx1"/>
+              </a:solidFill>
+            </a:endParaRPr>
+          </a:p>
+          <a:p>
+            <a:pPr eaLnBrk="1" hangingPunct="1">
+              <a:lnSpc>
+                <a:spcPct val="150000"/>
+              </a:lnSpc>
+            </a:pPr>
+            <a:endParaRPr kumimoji="0" lang="en-US" altLang="zh-CN" sz="3600" dirty="0" smtClean="0">
+              <a:solidFill>
+                <a:schemeClr val="tx1"/>
+              </a:solidFill>
+            </a:endParaRPr>
+          </a:p>
+          <a:p>
+            <a:pPr eaLnBrk="1" hangingPunct="1">
+              <a:lnSpc>
+                <a:spcPct val="150000"/>
+              </a:lnSpc>
+            </a:pPr>
+            <a:endParaRPr kumimoji="0" lang="zh-CN" altLang="en-US" dirty="0" smtClean="0">
+              <a:solidFill>
+                <a:schemeClr val="tx1"/>
+              </a:solidFill>
+            </a:endParaRPr>
+          </a:p>
+        </p:txBody>
+      </p:sp>
+      <p:sp>
+        <p:nvSpPr>
+          <p:cNvPr id="2" name="内容占位符 1"/>
+          <p:cNvSpPr>
+            <a:spLocks noGrp="1"/>
+          </p:cNvSpPr>
+          <p:nvPr>
+            <p:ph sz="quarter" idx="11"/>
+          </p:nvPr>
+        </p:nvSpPr>
+        <p:spPr>
+          <a:xfrm>
+            <a:off x="947420" y="308610"/>
+            <a:ext cx="10057130" cy="490220"/>
+          </a:xfrm>
+        </p:spPr>
+        <p:txBody>
+          <a:bodyPr/>
+          <a:lstStyle/>
+          <a:p>
+            <a:r>
+              <a:rPr kumimoji="0" lang="zh-CN" dirty="0"/>
+              <a:t>对象的解构赋值</a:t>
+            </a:r>
+            <a:endParaRPr kumimoji="0" lang="zh-CN" dirty="0"/>
+          </a:p>
+        </p:txBody>
+      </p:sp>
+      <p:sp>
+        <p:nvSpPr>
+          <p:cNvPr id="6" name="文本框 5"/>
+          <p:cNvSpPr txBox="1"/>
+          <p:nvPr/>
+        </p:nvSpPr>
+        <p:spPr>
+          <a:xfrm>
+            <a:off x="5174615" y="6065520"/>
+            <a:ext cx="6735445" cy="429895"/>
+          </a:xfrm>
+          <a:prstGeom prst="rect">
+            <a:avLst/>
+          </a:prstGeom>
+          <a:noFill/>
+        </p:spPr>
+        <p:txBody>
+          <a:bodyPr wrap="square" rtlCol="0">
+            <a:spAutoFit/>
+          </a:bodyPr>
+          <a:p>
+            <a:pPr algn="l"/>
+            <a:r>
+              <a:rPr lang="zh-CN" altLang="en-US" sz="2200">
+                <a:solidFill>
+                  <a:srgbClr val="FF0000"/>
+                </a:solidFill>
+                <a:latin typeface="+mn-ea"/>
+                <a:ea typeface="+mn-ea"/>
+              </a:rPr>
+              <a:t>参见实例</a:t>
+            </a:r>
+            <a:r>
+              <a:rPr lang="en-US" altLang="zh-CN" sz="2200">
+                <a:solidFill>
+                  <a:srgbClr val="FF0000"/>
+                </a:solidFill>
+                <a:latin typeface="+mn-ea"/>
+                <a:ea typeface="+mn-ea"/>
+              </a:rPr>
+              <a:t>demo09 Part2 </a:t>
+            </a:r>
+            <a:r>
+              <a:rPr lang="zh-CN" altLang="en-US" sz="2200">
+                <a:solidFill>
+                  <a:srgbClr val="FF0000"/>
+                </a:solidFill>
+                <a:latin typeface="+mn-ea"/>
+                <a:ea typeface="+mn-ea"/>
+              </a:rPr>
+              <a:t>对象</a:t>
+            </a:r>
+            <a:r>
+              <a:rPr lang="zh-CN" sz="2200">
+                <a:solidFill>
+                  <a:srgbClr val="FF0000"/>
+                </a:solidFill>
+                <a:latin typeface="+mn-ea"/>
+                <a:ea typeface="+mn-ea"/>
+              </a:rPr>
+              <a:t>的解构赋值</a:t>
+            </a:r>
+            <a:endParaRPr lang="zh-CN" sz="2200" dirty="0" smtClean="0">
+              <a:solidFill>
+                <a:srgbClr val="FF0000"/>
+              </a:solidFill>
+              <a:latin typeface="+mn-ea"/>
+              <a:ea typeface="+mn-ea"/>
+              <a:sym typeface="+mn-ea"/>
+            </a:endParaRPr>
+          </a:p>
+        </p:txBody>
+      </p:sp>
+    </p:spTree>
+  </p:cSld>
+  <p:clrMapOvr>
+    <a:masterClrMapping/>
+  </p:clrMapOvr>
+  <p:timing>
+    <p:tnLst>
+      <p:par>
+        <p:cTn id="1" dur="indefinite" restart="never" nodeType="tmRoot">
+          <p:childTnLst>
+            <p:seq concurrent="1" nextAc="seek">
+              <p:cTn id="2" dur="indefinite" nodeType="mainSeq">
+                <p:childTnLst>
+                  <p:par>
+                    <p:cTn id="3" fill="hold">
+                      <p:stCondLst>
+                        <p:cond delay="indefinite"/>
+                      </p:stCondLst>
+                      <p:childTnLst>
+                        <p:par>
+                          <p:cTn id="4" fill="hold">
+                            <p:stCondLst>
+                              <p:cond delay="0"/>
+                            </p:stCondLst>
+                            <p:childTnLst>
+                              <p:par>
+                                <p:cTn id="5" presetID="2" presetClass="entr" presetSubtype="4" fill="hold" nodeType="clickEffect">
+                                  <p:stCondLst>
+                                    <p:cond delay="0"/>
+                                  </p:stCondLst>
+                                  <p:childTnLst>
+                                    <p:set>
+                                      <p:cBhvr>
+                                        <p:cTn id="6" dur="1" fill="hold">
+                                          <p:stCondLst>
+                                            <p:cond delay="0"/>
+                                          </p:stCondLst>
+                                        </p:cTn>
+                                        <p:tgtEl>
+                                          <p:spTgt spid="11266">
+                                            <p:txEl>
+                                              <p:pRg st="0" end="0"/>
+                                            </p:txEl>
+                                          </p:spTgt>
+                                        </p:tgtEl>
+                                        <p:attrNameLst>
+                                          <p:attrName>style.visibility</p:attrName>
+                                        </p:attrNameLst>
+                                      </p:cBhvr>
+                                      <p:to>
+                                        <p:strVal val="visible"/>
+                                      </p:to>
+                                    </p:set>
+                                    <p:anim calcmode="lin" valueType="num">
+                                      <p:cBhvr additive="base">
+                                        <p:cTn id="7" dur="500" fill="hold"/>
+                                        <p:tgtEl>
+                                          <p:spTgt spid="11266">
+                                            <p:txEl>
+                                              <p:pRg st="0" end="0"/>
+                                            </p:txEl>
+                                          </p:spTgt>
+                                        </p:tgtEl>
+                                        <p:attrNameLst>
+                                          <p:attrName>ppt_x</p:attrName>
+                                        </p:attrNameLst>
+                                      </p:cBhvr>
+                                      <p:tavLst>
+                                        <p:tav tm="0">
+                                          <p:val>
+                                            <p:strVal val="#ppt_x"/>
+                                          </p:val>
+                                        </p:tav>
+                                        <p:tav tm="100000">
+                                          <p:val>
+                                            <p:strVal val="#ppt_x"/>
+                                          </p:val>
+                                        </p:tav>
+                                      </p:tavLst>
+                                    </p:anim>
+                                    <p:anim calcmode="lin" valueType="num">
+                                      <p:cBhvr additive="base">
+                                        <p:cTn id="8" dur="500" fill="hold"/>
+                                        <p:tgtEl>
+                                          <p:spTgt spid="11266">
+                                            <p:txEl>
+                                              <p:pRg st="0" end="0"/>
+                                            </p:txEl>
+                                          </p:spTgt>
+                                        </p:tgtEl>
+                                        <p:attrNameLst>
+                                          <p:attrName>ppt_y</p:attrName>
+                                        </p:attrNameLst>
+                                      </p:cBhvr>
+                                      <p:tavLst>
+                                        <p:tav tm="0">
+                                          <p:val>
+                                            <p:strVal val="1+#ppt_h/2"/>
+                                          </p:val>
+                                        </p:tav>
+                                        <p:tav tm="100000">
+                                          <p:val>
+                                            <p:strVal val="#ppt_y"/>
+                                          </p:val>
+                                        </p:tav>
+                                      </p:tavLst>
+                                    </p:anim>
+                                  </p:childTnLst>
+                                </p:cTn>
+                              </p:par>
+                            </p:childTnLst>
+                          </p:cTn>
+                        </p:par>
+                        <p:par>
+                          <p:cTn id="9" fill="hold">
+                            <p:stCondLst>
+                              <p:cond delay="500"/>
+                            </p:stCondLst>
+                            <p:childTnLst>
+                              <p:par>
+                                <p:cTn id="10" presetID="2" presetClass="entr" presetSubtype="4" fill="hold" grpId="0" nodeType="afterEffect">
+                                  <p:stCondLst>
+                                    <p:cond delay="0"/>
+                                  </p:stCondLst>
+                                  <p:childTnLst>
+                                    <p:set>
+                                      <p:cBhvr>
+                                        <p:cTn id="11" dur="1" fill="hold">
+                                          <p:stCondLst>
+                                            <p:cond delay="0"/>
+                                          </p:stCondLst>
+                                        </p:cTn>
+                                        <p:tgtEl>
+                                          <p:spTgt spid="6"/>
+                                        </p:tgtEl>
+                                        <p:attrNameLst>
+                                          <p:attrName>style.visibility</p:attrName>
+                                        </p:attrNameLst>
+                                      </p:cBhvr>
+                                      <p:to>
+                                        <p:strVal val="visible"/>
+                                      </p:to>
+                                    </p:set>
+                                    <p:anim calcmode="lin" valueType="num">
+                                      <p:cBhvr additive="base">
+                                        <p:cTn id="12" dur="500" fill="hold"/>
+                                        <p:tgtEl>
+                                          <p:spTgt spid="6"/>
+                                        </p:tgtEl>
+                                        <p:attrNameLst>
+                                          <p:attrName>ppt_x</p:attrName>
+                                        </p:attrNameLst>
+                                      </p:cBhvr>
+                                      <p:tavLst>
+                                        <p:tav tm="0">
+                                          <p:val>
+                                            <p:strVal val="#ppt_x"/>
+                                          </p:val>
+                                        </p:tav>
+                                        <p:tav tm="100000">
+                                          <p:val>
+                                            <p:strVal val="#ppt_x"/>
+                                          </p:val>
+                                        </p:tav>
+                                      </p:tavLst>
+                                    </p:anim>
+                                    <p:anim calcmode="lin" valueType="num">
+                                      <p:cBhvr additive="base">
+                                        <p:cTn id="13" dur="500" fill="hold"/>
+                                        <p:tgtEl>
+                                          <p:spTgt spid="6"/>
+                                        </p:tgtEl>
+                                        <p:attrNameLst>
+                                          <p:attrName>ppt_y</p:attrName>
+                                        </p:attrNameLst>
+                                      </p:cBhvr>
+                                      <p:tavLst>
+                                        <p:tav tm="0">
+                                          <p:val>
+                                            <p:strVal val="1+#ppt_h/2"/>
+                                          </p:val>
+                                        </p:tav>
+                                        <p:tav tm="100000">
+                                          <p:val>
+                                            <p:strVal val="#ppt_y"/>
+                                          </p:val>
+                                        </p:tav>
+                                      </p:tavLst>
+                                    </p:anim>
+                                  </p:childTnLst>
+                                </p:cTn>
+                              </p:par>
+                            </p:childTnLst>
+                          </p:cTn>
+                        </p:par>
+                      </p:childTnLst>
+                    </p:cTn>
+                  </p:par>
+                </p:childTnLst>
+              </p:cTn>
+              <p:prevCondLst>
+                <p:cond evt="onPrev" delay="0">
+                  <p:tgtEl>
+                    <p:sldTgt/>
+                  </p:tgtEl>
+                </p:cond>
+              </p:prevCondLst>
+              <p:nextCondLst>
+                <p:cond evt="onNext" delay="0">
+                  <p:tgtEl>
+                    <p:sldTgt/>
+                  </p:tgtEl>
+                </p:cond>
+              </p:nextCondLst>
+            </p:seq>
+          </p:childTnLst>
+        </p:cTn>
+      </p:par>
+    </p:tnLst>
+    <p:bldLst>
+      <p:bldP spid="6" grpId="0"/>
+    </p:bldLst>
+  </p:timing>
+</p:sld>
+</file>
+
+<file path=ppt/slides/slide21.xml><?xml version="1.0" encoding="utf-8"?>
+<p:sld xmlns:a="http://schemas.openxmlformats.org/drawingml/2006/main" xmlns:r="http://schemas.openxmlformats.org/officeDocument/2006/relationships" xmlns:p="http://schemas.openxmlformats.org/presentationml/2006/main">
+  <p:cSld>
+    <p:spTree>
+      <p:nvGrpSpPr>
+        <p:cNvPr id="1" name=""/>
+        <p:cNvGrpSpPr/>
+        <p:nvPr/>
+      </p:nvGrpSpPr>
+      <p:grpSpPr>
+        <a:xfrm>
+          <a:off x="0" y="0"/>
+          <a:ext cx="0" cy="0"/>
+          <a:chOff x="0" y="0"/>
+          <a:chExt cx="0" cy="0"/>
+        </a:xfrm>
+      </p:grpSpPr>
+      <p:pic>
+        <p:nvPicPr>
+          <p:cNvPr id="38914" name="Picture 5"/>
+          <p:cNvPicPr>
+            <a:picLocks noChangeAspect="1" noChangeArrowheads="1"/>
+          </p:cNvPicPr>
+          <p:nvPr/>
+        </p:nvPicPr>
+        <p:blipFill>
+          <a:blip r:embed="rId1">
+            <a:extLst>
+              <a:ext uri="{28A0092B-C50C-407E-A947-70E740481C1C}">
+                <a14:useLocalDpi xmlns:a14="http://schemas.microsoft.com/office/drawing/2010/main" val="0"/>
+              </a:ext>
+            </a:extLst>
+          </a:blip>
+          <a:srcRect/>
+          <a:stretch>
+            <a:fillRect/>
+          </a:stretch>
+        </p:blipFill>
+        <p:spPr bwMode="auto">
+          <a:xfrm>
+            <a:off x="0" y="0"/>
+            <a:ext cx="12192000" cy="6858000"/>
+          </a:xfrm>
+          <a:prstGeom prst="rect">
+            <a:avLst/>
+          </a:prstGeom>
+          <a:noFill/>
+          <a:ln>
+            <a:noFill/>
+          </a:ln>
+          <a:extLst>
+            <a:ext uri="{909E8E84-426E-40DD-AFC4-6F175D3DCCD1}">
+              <a14:hiddenFill xmlns:a14="http://schemas.microsoft.com/office/drawing/2010/main">
+                <a:solidFill>
+                  <a:srgbClr val="FFFFFF"/>
+                </a:solidFill>
+              </a14:hiddenFill>
+            </a:ext>
+            <a:ext uri="{91240B29-F687-4F45-9708-019B960494DF}">
+              <a14:hiddenLine xmlns:a14="http://schemas.microsoft.com/office/drawing/2010/main" w="9525">
+                <a:solidFill>
+                  <a:srgbClr val="000000"/>
+                </a:solidFill>
+                <a:miter lim="800000"/>
+                <a:headEnd/>
+                <a:tailEnd/>
+              </a14:hiddenLine>
+            </a:ext>
+          </a:extLst>
+        </p:spPr>
+      </p:pic>
+      <p:sp>
+        <p:nvSpPr>
+          <p:cNvPr id="38915" name="Rectangle 6"/>
+          <p:cNvSpPr>
+            <a:spLocks noGrp="1" noChangeArrowheads="1"/>
+          </p:cNvSpPr>
+          <p:nvPr>
+            <p:ph type="ctrTitle" idx="4294967295"/>
+          </p:nvPr>
+        </p:nvSpPr>
+        <p:spPr bwMode="auto">
+          <a:xfrm>
+            <a:off x="2547041" y="3068835"/>
+            <a:ext cx="7097918" cy="1285875"/>
+          </a:xfrm>
+          <a:prstGeom prst="rect">
+            <a:avLst/>
+          </a:prstGeom>
+          <a:noFill/>
+          <a:extLst>
+            <a:ext uri="{909E8E84-426E-40DD-AFC4-6F175D3DCCD1}">
+              <a14:hiddenFill xmlns:a14="http://schemas.microsoft.com/office/drawing/2010/main">
+                <a:solidFill>
+                  <a:srgbClr val="FFFFFF"/>
+                </a:solidFill>
+              </a14:hiddenFill>
+            </a:ext>
+            <a:ext uri="{91240B29-F687-4F45-9708-019B960494DF}">
+              <a14:hiddenLine xmlns:a14="http://schemas.microsoft.com/office/drawing/2010/main" w="9525">
+                <a:solidFill>
+                  <a:srgbClr val="000000"/>
+                </a:solidFill>
+                <a:miter lim="800000"/>
+                <a:headEnd/>
+                <a:tailEnd/>
+              </a14:hiddenLine>
+            </a:ext>
+          </a:extLst>
+        </p:spPr>
+        <p:txBody>
+          <a:bodyPr anchor="b"/>
+          <a:lstStyle/>
+          <a:p>
+            <a:pPr algn="ctr" eaLnBrk="1" hangingPunct="1"/>
+            <a:r>
+              <a:rPr kumimoji="0" lang="en-US" altLang="zh-CN" sz="5400" dirty="0"/>
+              <a:t>Thank </a:t>
+            </a:r>
+            <a:r>
+              <a:rPr kumimoji="0" lang="en-US" altLang="zh-CN" sz="5400" dirty="0">
+                <a:solidFill>
+                  <a:srgbClr val="FF0000"/>
+                </a:solidFill>
+              </a:rPr>
+              <a:t>You</a:t>
+            </a:r>
+            <a:r>
+              <a:rPr kumimoji="0" lang="zh-CN" altLang="en-US" sz="5400" dirty="0"/>
+              <a:t>！</a:t>
+            </a:r>
+            <a:endParaRPr kumimoji="0" lang="zh-CN" altLang="zh-CN" sz="5400" dirty="0"/>
+          </a:p>
+        </p:txBody>
+      </p:sp>
+      <p:pic>
+        <p:nvPicPr>
+          <p:cNvPr id="38916" name="图片 3" descr="软院logo横版.png"/>
+          <p:cNvPicPr>
+            <a:picLocks noChangeAspect="1"/>
+          </p:cNvPicPr>
+          <p:nvPr/>
+        </p:nvPicPr>
+        <p:blipFill>
+          <a:blip r:embed="rId2">
+            <a:extLst>
+              <a:ext uri="{28A0092B-C50C-407E-A947-70E740481C1C}">
+                <a14:useLocalDpi xmlns:a14="http://schemas.microsoft.com/office/drawing/2010/main" val="0"/>
+              </a:ext>
+            </a:extLst>
+          </a:blip>
+          <a:srcRect/>
+          <a:stretch>
+            <a:fillRect/>
+          </a:stretch>
+        </p:blipFill>
+        <p:spPr bwMode="auto">
+          <a:xfrm>
+            <a:off x="2062164" y="5927725"/>
+            <a:ext cx="3381375" cy="527050"/>
+          </a:xfrm>
+          <a:prstGeom prst="rect">
+            <a:avLst/>
+          </a:prstGeom>
+          <a:noFill/>
+          <a:ln>
+            <a:noFill/>
+          </a:ln>
+          <a:extLst>
+            <a:ext uri="{909E8E84-426E-40DD-AFC4-6F175D3DCCD1}">
+              <a14:hiddenFill xmlns:a14="http://schemas.microsoft.com/office/drawing/2010/main">
+                <a:solidFill>
+                  <a:srgbClr val="FFFFFF"/>
+                </a:solidFill>
+              </a14:hiddenFill>
+            </a:ext>
+            <a:ext uri="{91240B29-F687-4F45-9708-019B960494DF}">
+              <a14:hiddenLine xmlns:a14="http://schemas.microsoft.com/office/drawing/2010/main" w="9525">
+                <a:solidFill>
+                  <a:srgbClr val="000000"/>
+                </a:solidFill>
+                <a:miter lim="800000"/>
+                <a:headEnd/>
+                <a:tailEnd/>
+              </a14:hiddenLine>
+            </a:ext>
+          </a:extLst>
+        </p:spPr>
+      </p:pic>
+    </p:spTree>
+  </p:cSld>
+  <p:clrMapOvr>
+    <a:masterClrMapping/>
+  </p:clrMapOvr>
   <p:timing>
     <p:tnLst>
       <p:par>
@@ -9495,420 +12459,366 @@
           <a:chExt cx="0" cy="0"/>
         </a:xfrm>
       </p:grpSpPr>
+      <p:pic>
+        <p:nvPicPr>
+          <p:cNvPr id="4098" name="Picture 4"/>
+          <p:cNvPicPr>
+            <a:picLocks noChangeAspect="1" noChangeArrowheads="1"/>
+          </p:cNvPicPr>
+          <p:nvPr/>
+        </p:nvPicPr>
+        <p:blipFill>
+          <a:blip r:embed="rId1">
+            <a:extLst>
+              <a:ext uri="{28A0092B-C50C-407E-A947-70E740481C1C}">
+                <a14:useLocalDpi xmlns:a14="http://schemas.microsoft.com/office/drawing/2010/main" val="0"/>
+              </a:ext>
+            </a:extLst>
+          </a:blip>
+          <a:srcRect/>
+          <a:stretch>
+            <a:fillRect/>
+          </a:stretch>
+        </p:blipFill>
+        <p:spPr bwMode="auto">
+          <a:xfrm>
+            <a:off x="0" y="0"/>
+            <a:ext cx="12192000" cy="6858000"/>
+          </a:xfrm>
+          <a:prstGeom prst="rect">
+            <a:avLst/>
+          </a:prstGeom>
+          <a:noFill/>
+          <a:ln>
+            <a:noFill/>
+          </a:ln>
+          <a:extLst>
+            <a:ext uri="{909E8E84-426E-40DD-AFC4-6F175D3DCCD1}">
+              <a14:hiddenFill xmlns:a14="http://schemas.microsoft.com/office/drawing/2010/main">
+                <a:solidFill>
+                  <a:srgbClr val="FFFFFF"/>
+                </a:solidFill>
+              </a14:hiddenFill>
+            </a:ext>
+            <a:ext uri="{91240B29-F687-4F45-9708-019B960494DF}">
+              <a14:hiddenLine xmlns:a14="http://schemas.microsoft.com/office/drawing/2010/main" w="9525">
+                <a:solidFill>
+                  <a:srgbClr val="000000"/>
+                </a:solidFill>
+                <a:miter lim="800000"/>
+                <a:headEnd/>
+                <a:tailEnd/>
+              </a14:hiddenLine>
+            </a:ext>
+          </a:extLst>
+        </p:spPr>
+      </p:pic>
       <p:sp>
         <p:nvSpPr>
-          <p:cNvPr id="2" name="内容占位符 1"/>
+          <p:cNvPr id="4099" name="Rectangle 2"/>
           <p:cNvSpPr>
-            <a:spLocks noGrp="1"/>
+            <a:spLocks noGrp="1" noChangeArrowheads="1"/>
           </p:cNvSpPr>
           <p:nvPr>
-            <p:ph sz="quarter" idx="10"/>
+            <p:ph type="ctrTitle" idx="4294967295"/>
           </p:nvPr>
         </p:nvSpPr>
-        <p:spPr>
+        <p:spPr bwMode="auto">
           <a:xfrm>
-            <a:off x="855980" y="855345"/>
-            <a:ext cx="10841990" cy="5238115"/>
+            <a:off x="1809751" y="2428876"/>
+            <a:ext cx="7286625" cy="1116013"/>
           </a:xfrm>
+          <a:prstGeom prst="rect">
+            <a:avLst/>
+          </a:prstGeom>
+          <a:noFill/>
+          <a:extLst>
+            <a:ext uri="{909E8E84-426E-40DD-AFC4-6F175D3DCCD1}">
+              <a14:hiddenFill xmlns:a14="http://schemas.microsoft.com/office/drawing/2010/main">
+                <a:solidFill>
+                  <a:srgbClr val="FFFFFF"/>
+                </a:solidFill>
+              </a14:hiddenFill>
+            </a:ext>
+            <a:ext uri="{91240B29-F687-4F45-9708-019B960494DF}">
+              <a14:hiddenLine xmlns:a14="http://schemas.microsoft.com/office/drawing/2010/main" w="9525">
+                <a:solidFill>
+                  <a:srgbClr val="000000"/>
+                </a:solidFill>
+                <a:miter lim="800000"/>
+                <a:headEnd/>
+                <a:tailEnd/>
+              </a14:hiddenLine>
+            </a:ext>
+          </a:extLst>
         </p:spPr>
         <p:txBody>
-          <a:bodyPr/>
+          <a:bodyPr anchor="b"/>
           <a:lstStyle/>
           <a:p>
-            <a:r>
-              <a:rPr kumimoji="0" lang="en-US" altLang="zh-CN" sz="3200" dirty="0">
-                <a:solidFill>
-                  <a:schemeClr val="tx1"/>
-                </a:solidFill>
-                <a:sym typeface="+mn-ea"/>
-              </a:rPr>
-              <a:t>ECMAScript</a:t>
-            </a:r>
-            <a:r>
-              <a:rPr kumimoji="0" lang="zh-CN" altLang="en-US" sz="3200" dirty="0">
-                <a:solidFill>
-                  <a:schemeClr val="tx1"/>
-                </a:solidFill>
-                <a:sym typeface="+mn-ea"/>
-              </a:rPr>
-              <a:t>（</a:t>
-            </a:r>
-            <a:r>
-              <a:rPr kumimoji="0" lang="en-US" altLang="zh-CN" sz="3200" dirty="0">
-                <a:solidFill>
-                  <a:schemeClr val="tx1"/>
-                </a:solidFill>
-                <a:sym typeface="+mn-ea"/>
-              </a:rPr>
-              <a:t>ES</a:t>
-            </a:r>
-            <a:r>
-              <a:rPr kumimoji="0" lang="zh-CN" altLang="en-US" sz="3200" dirty="0">
-                <a:solidFill>
-                  <a:schemeClr val="tx1"/>
-                </a:solidFill>
-                <a:sym typeface="+mn-ea"/>
-              </a:rPr>
-              <a:t>）是</a:t>
-            </a:r>
-            <a:r>
-              <a:rPr kumimoji="0" lang="en-US" altLang="zh-CN" sz="3200" dirty="0">
-                <a:solidFill>
-                  <a:schemeClr val="tx1"/>
-                </a:solidFill>
+            <a:pPr algn="ctr" eaLnBrk="1" hangingPunct="1"/>
+            <a:r>
+              <a:rPr lang="en-US" sz="4800" b="1" dirty="0">
                 <a:sym typeface="+mn-ea"/>
               </a:rPr>
               <a:t>JavaScript</a:t>
             </a:r>
             <a:r>
-              <a:rPr kumimoji="0" lang="zh-CN" altLang="en-US" sz="3200" dirty="0">
-                <a:solidFill>
-                  <a:schemeClr val="tx1"/>
-                </a:solidFill>
-                <a:sym typeface="+mn-ea"/>
-              </a:rPr>
-              <a:t>的语法标准</a:t>
-            </a:r>
-            <a:br>
-              <a:rPr kumimoji="0" lang="zh-CN" altLang="en-US" dirty="0">
-                <a:solidFill>
-                  <a:schemeClr val="tx1"/>
-                </a:solidFill>
-              </a:rPr>
-            </a:br>
-            <a:endParaRPr kumimoji="0" lang="zh-CN" altLang="en-US" dirty="0">
-              <a:solidFill>
-                <a:schemeClr val="tx1"/>
-              </a:solidFill>
-            </a:endParaRPr>
-          </a:p>
-          <a:p>
-            <a:endParaRPr kumimoji="0" lang="zh-CN" altLang="en-US" sz="1800" dirty="0">
-              <a:solidFill>
-                <a:schemeClr val="tx1"/>
-              </a:solidFill>
-            </a:endParaRPr>
-          </a:p>
-          <a:p>
-            <a:endParaRPr kumimoji="0" lang="zh-CN" altLang="en-US" sz="1800" dirty="0">
-              <a:solidFill>
-                <a:schemeClr val="tx1"/>
-              </a:solidFill>
-            </a:endParaRPr>
-          </a:p>
-          <a:p>
-            <a:endParaRPr kumimoji="0" lang="zh-CN" altLang="en-US" sz="1800" dirty="0">
-              <a:solidFill>
-                <a:schemeClr val="tx1"/>
-              </a:solidFill>
-            </a:endParaRPr>
-          </a:p>
-          <a:p>
-            <a:endParaRPr kumimoji="0" lang="zh-CN" altLang="en-US" sz="1800" dirty="0">
-              <a:solidFill>
-                <a:schemeClr val="tx1"/>
-              </a:solidFill>
-            </a:endParaRPr>
-          </a:p>
-          <a:p>
-            <a:r>
-              <a:rPr kumimoji="0" lang="en-US" altLang="zh-CN" sz="3200" dirty="0">
-                <a:solidFill>
-                  <a:schemeClr val="tx1"/>
-                </a:solidFill>
-                <a:sym typeface="+mn-ea"/>
-              </a:rPr>
-              <a:t>ECMAScript</a:t>
-            </a:r>
-            <a:r>
-              <a:rPr kumimoji="0" lang="zh-CN" altLang="en-US" sz="3200" dirty="0">
-                <a:solidFill>
-                  <a:schemeClr val="tx1"/>
-                </a:solidFill>
-                <a:sym typeface="+mn-ea"/>
-              </a:rPr>
-              <a:t>的版本</a:t>
-            </a:r>
-            <a:r>
-              <a:rPr kumimoji="0" lang="zh-CN" altLang="en-US" sz="3200" dirty="0">
-                <a:solidFill>
-                  <a:schemeClr val="tx1"/>
-                </a:solidFill>
-              </a:rPr>
-              <a:t>（</a:t>
-            </a:r>
-            <a:r>
-              <a:rPr kumimoji="0" lang="en-US" altLang="zh-CN" sz="3200" dirty="0">
-                <a:solidFill>
-                  <a:schemeClr val="accent3"/>
-                </a:solidFill>
-              </a:rPr>
-              <a:t>ES5</a:t>
-            </a:r>
-            <a:r>
-              <a:rPr kumimoji="0" lang="zh-CN" altLang="en-US" sz="3200" dirty="0">
-                <a:solidFill>
-                  <a:schemeClr val="accent3"/>
-                </a:solidFill>
-              </a:rPr>
-              <a:t>、</a:t>
-            </a:r>
-            <a:r>
-              <a:rPr kumimoji="0" lang="en-US" altLang="zh-CN" sz="3200" dirty="0">
-                <a:solidFill>
-                  <a:schemeClr val="accent3"/>
-                </a:solidFill>
+              <a:rPr lang="zh-CN" altLang="en-US" sz="4800" b="1" dirty="0">
+                <a:sym typeface="+mn-ea"/>
+              </a:rPr>
+              <a:t>进阶（</a:t>
+            </a:r>
+            <a:r>
+              <a:rPr lang="en-US" altLang="zh-CN" sz="4800" b="1" dirty="0">
+                <a:sym typeface="+mn-ea"/>
               </a:rPr>
               <a:t>ES6</a:t>
             </a:r>
             <a:r>
-              <a:rPr kumimoji="0" lang="zh-CN" altLang="en-US" sz="3200" dirty="0">
-                <a:solidFill>
-                  <a:schemeClr val="tx1"/>
-                </a:solidFill>
+              <a:rPr lang="zh-CN" altLang="en-US" sz="4800" b="1" dirty="0">
+                <a:sym typeface="+mn-ea"/>
               </a:rPr>
               <a:t>）</a:t>
             </a:r>
-            <a:br>
-              <a:rPr kumimoji="0" lang="zh-CN" altLang="en-US" dirty="0">
-                <a:solidFill>
-                  <a:schemeClr val="tx1"/>
-                </a:solidFill>
-              </a:rPr>
-            </a:br>
-            <a:r>
-              <a:rPr kumimoji="0" lang="en-US" altLang="zh-CN" sz="2000" dirty="0">
-                <a:solidFill>
-                  <a:schemeClr val="tx1"/>
-                </a:solidFill>
-              </a:rPr>
-              <a:t>- ES5</a:t>
-            </a:r>
-            <a:r>
-              <a:rPr kumimoji="0" lang="zh-CN" altLang="en-US" sz="2000" dirty="0">
-                <a:solidFill>
-                  <a:schemeClr val="tx1"/>
-                </a:solidFill>
-              </a:rPr>
-              <a:t>（</a:t>
-            </a:r>
-            <a:r>
-              <a:rPr kumimoji="0" lang="en-US" altLang="zh-CN" sz="2000" dirty="0">
-                <a:solidFill>
-                  <a:schemeClr val="tx1"/>
-                </a:solidFill>
-              </a:rPr>
-              <a:t>2009年12月发布</a:t>
-            </a:r>
-            <a:r>
-              <a:rPr kumimoji="0" lang="zh-CN" altLang="en-US" sz="2000" dirty="0">
-                <a:solidFill>
-                  <a:schemeClr val="tx1"/>
-                </a:solidFill>
-              </a:rPr>
-              <a:t>）当前网络上绝大部分用的是</a:t>
-            </a:r>
-            <a:r>
-              <a:rPr kumimoji="0" lang="en-US" altLang="zh-CN" sz="2000" dirty="0">
-                <a:solidFill>
-                  <a:schemeClr val="tx1"/>
-                </a:solidFill>
-              </a:rPr>
-              <a:t>ES5</a:t>
-            </a:r>
-            <a:br>
-              <a:rPr kumimoji="0" lang="zh-CN" altLang="en-US" sz="2000" dirty="0">
-                <a:solidFill>
-                  <a:schemeClr val="tx1"/>
-                </a:solidFill>
-              </a:rPr>
-            </a:br>
-            <a:r>
-              <a:rPr kumimoji="0" lang="en-US" altLang="zh-CN" sz="2000" dirty="0">
-                <a:solidFill>
-                  <a:schemeClr val="tx1"/>
-                </a:solidFill>
-              </a:rPr>
-              <a:t>- </a:t>
-            </a:r>
-            <a:r>
-              <a:rPr kumimoji="0" lang="en-US" altLang="zh-CN" sz="2000" dirty="0">
-                <a:solidFill>
-                  <a:schemeClr val="tx1"/>
-                </a:solidFill>
-                <a:sym typeface="+mn-ea"/>
-              </a:rPr>
-              <a:t>ES6</a:t>
-            </a:r>
-            <a:r>
-              <a:rPr kumimoji="0" lang="zh-CN" altLang="en-US" sz="2000" dirty="0">
-                <a:solidFill>
-                  <a:schemeClr val="tx1"/>
-                </a:solidFill>
-                <a:sym typeface="+mn-ea"/>
-              </a:rPr>
-              <a:t>（</a:t>
-            </a:r>
-            <a:r>
-              <a:rPr kumimoji="0" sz="2000" dirty="0">
-                <a:solidFill>
-                  <a:schemeClr val="tx1"/>
-                </a:solidFill>
-                <a:sym typeface="+mn-ea"/>
-              </a:rPr>
-              <a:t>2015年</a:t>
-            </a:r>
-            <a:r>
-              <a:rPr kumimoji="0" lang="en-US" sz="2000" dirty="0">
-                <a:solidFill>
-                  <a:schemeClr val="tx1"/>
-                </a:solidFill>
-                <a:sym typeface="+mn-ea"/>
-              </a:rPr>
-              <a:t>0</a:t>
-            </a:r>
-            <a:r>
-              <a:rPr kumimoji="0" sz="2000" dirty="0">
-                <a:solidFill>
-                  <a:schemeClr val="tx1"/>
-                </a:solidFill>
-                <a:sym typeface="+mn-ea"/>
-              </a:rPr>
-              <a:t>6</a:t>
-            </a:r>
-            <a:r>
-              <a:rPr kumimoji="0" lang="zh-CN" sz="2000" dirty="0">
-                <a:solidFill>
-                  <a:schemeClr val="tx1"/>
-                </a:solidFill>
-                <a:sym typeface="+mn-ea"/>
-              </a:rPr>
-              <a:t>月</a:t>
-            </a:r>
-            <a:r>
-              <a:rPr kumimoji="0" sz="2000" dirty="0">
-                <a:solidFill>
-                  <a:schemeClr val="tx1"/>
-                </a:solidFill>
-                <a:sym typeface="+mn-ea"/>
-              </a:rPr>
-              <a:t>发布</a:t>
-            </a:r>
-            <a:r>
-              <a:rPr kumimoji="0" lang="zh-CN" altLang="en-US" sz="2000" dirty="0">
-                <a:solidFill>
-                  <a:schemeClr val="tx1"/>
-                </a:solidFill>
-                <a:sym typeface="+mn-ea"/>
-              </a:rPr>
-              <a:t>）增加了许多新特性，并解决了很多</a:t>
-            </a:r>
-            <a:r>
-              <a:rPr kumimoji="0" lang="en-US" altLang="zh-CN" sz="2000" dirty="0">
-                <a:solidFill>
-                  <a:schemeClr val="tx1"/>
-                </a:solidFill>
-                <a:sym typeface="+mn-ea"/>
-              </a:rPr>
-              <a:t>ES5</a:t>
-            </a:r>
-            <a:r>
-              <a:rPr kumimoji="0" lang="zh-CN" altLang="en-US" sz="2000" dirty="0">
-                <a:solidFill>
-                  <a:schemeClr val="tx1"/>
-                </a:solidFill>
-                <a:sym typeface="+mn-ea"/>
-              </a:rPr>
-              <a:t>中的缺陷，会逐渐流行开来</a:t>
-            </a:r>
-            <a:endParaRPr kumimoji="0" lang="en-US" altLang="zh-CN" sz="2000" dirty="0">
-              <a:solidFill>
-                <a:schemeClr val="tx1"/>
-              </a:solidFill>
-            </a:endParaRPr>
+            <a:endParaRPr kumimoji="0" lang="zh-CN" altLang="zh-CN" sz="4800" b="1"/>
           </a:p>
         </p:txBody>
       </p:sp>
       <p:sp>
         <p:nvSpPr>
-          <p:cNvPr id="3" name="内容占位符 2"/>
-          <p:cNvSpPr>
-            <a:spLocks noGrp="1"/>
+          <p:cNvPr id="4100" name="TextBox 4"/>
+          <p:cNvSpPr txBox="1">
+            <a:spLocks noChangeArrowheads="1"/>
           </p:cNvSpPr>
-          <p:nvPr>
-            <p:ph sz="quarter" idx="11"/>
-          </p:nvPr>
+          <p:nvPr/>
         </p:nvSpPr>
-        <p:spPr>
+        <p:spPr bwMode="auto">
           <a:xfrm>
-            <a:off x="981710" y="236855"/>
-            <a:ext cx="8922385" cy="490220"/>
+            <a:off x="5381626" y="4143375"/>
+            <a:ext cx="5286375" cy="583565"/>
           </a:xfrm>
+          <a:prstGeom prst="rect">
+            <a:avLst/>
+          </a:prstGeom>
+          <a:noFill/>
+          <a:ln>
+            <a:noFill/>
+          </a:ln>
+          <a:extLst>
+            <a:ext uri="{909E8E84-426E-40DD-AFC4-6F175D3DCCD1}">
+              <a14:hiddenFill xmlns:a14="http://schemas.microsoft.com/office/drawing/2010/main">
+                <a:solidFill>
+                  <a:srgbClr val="FFFFFF"/>
+                </a:solidFill>
+              </a14:hiddenFill>
+            </a:ext>
+            <a:ext uri="{91240B29-F687-4F45-9708-019B960494DF}">
+              <a14:hiddenLine xmlns:a14="http://schemas.microsoft.com/office/drawing/2010/main" w="9525">
+                <a:solidFill>
+                  <a:srgbClr val="000000"/>
+                </a:solidFill>
+                <a:miter lim="800000"/>
+                <a:headEnd/>
+                <a:tailEnd/>
+              </a14:hiddenLine>
+            </a:ext>
+          </a:extLst>
         </p:spPr>
         <p:txBody>
-          <a:bodyPr/>
-          <a:lstStyle/>
-          <a:p>
-            <a:r>
-              <a:rPr lang="zh-CN" altLang="en-US" dirty="0"/>
-              <a:t>背景</a:t>
-            </a:r>
-            <a:r>
-              <a:rPr lang="zh-CN" dirty="0">
-                <a:sym typeface="+mn-ea"/>
-              </a:rPr>
-              <a:t>知识</a:t>
-            </a:r>
-            <a:r>
-              <a:rPr lang="zh-CN" altLang="en-US" dirty="0"/>
-              <a:t>（</a:t>
-            </a:r>
-            <a:r>
-              <a:rPr lang="en-US" altLang="zh-CN" dirty="0"/>
-              <a:t>ES5</a:t>
-            </a:r>
-            <a:r>
-              <a:rPr lang="zh-CN" altLang="en-US" dirty="0"/>
-              <a:t>、</a:t>
-            </a:r>
-            <a:r>
-              <a:rPr lang="en-US" altLang="zh-CN" dirty="0"/>
+          <a:bodyPr>
+            <a:spAutoFit/>
+          </a:bodyPr>
+          <a:lstStyle>
+            <a:lvl1pPr>
+              <a:defRPr sz="3200">
+                <a:solidFill>
+                  <a:schemeClr val="tx1"/>
+                </a:solidFill>
+                <a:latin typeface="Arial" panose="020B0604020202020204" pitchFamily="34" charset="0"/>
+                <a:ea typeface="微软雅黑" panose="020B0503020204020204" pitchFamily="34" charset="-122"/>
+              </a:defRPr>
+            </a:lvl1pPr>
+            <a:lvl2pPr marL="742950" indent="-285750">
+              <a:defRPr sz="3200">
+                <a:solidFill>
+                  <a:schemeClr val="tx1"/>
+                </a:solidFill>
+                <a:latin typeface="Arial" panose="020B0604020202020204" pitchFamily="34" charset="0"/>
+                <a:ea typeface="微软雅黑" panose="020B0503020204020204" pitchFamily="34" charset="-122"/>
+              </a:defRPr>
+            </a:lvl2pPr>
+            <a:lvl3pPr marL="1143000" indent="-228600">
+              <a:defRPr sz="3200">
+                <a:solidFill>
+                  <a:schemeClr val="tx1"/>
+                </a:solidFill>
+                <a:latin typeface="Arial" panose="020B0604020202020204" pitchFamily="34" charset="0"/>
+                <a:ea typeface="微软雅黑" panose="020B0503020204020204" pitchFamily="34" charset="-122"/>
+              </a:defRPr>
+            </a:lvl3pPr>
+            <a:lvl4pPr marL="1600200" indent="-228600">
+              <a:defRPr sz="3200">
+                <a:solidFill>
+                  <a:schemeClr val="tx1"/>
+                </a:solidFill>
+                <a:latin typeface="Arial" panose="020B0604020202020204" pitchFamily="34" charset="0"/>
+                <a:ea typeface="微软雅黑" panose="020B0503020204020204" pitchFamily="34" charset="-122"/>
+              </a:defRPr>
+            </a:lvl4pPr>
+            <a:lvl5pPr marL="2057400" indent="-228600">
+              <a:defRPr sz="3200">
+                <a:solidFill>
+                  <a:schemeClr val="tx1"/>
+                </a:solidFill>
+                <a:latin typeface="Arial" panose="020B0604020202020204" pitchFamily="34" charset="0"/>
+                <a:ea typeface="微软雅黑" panose="020B0503020204020204" pitchFamily="34" charset="-122"/>
+              </a:defRPr>
+            </a:lvl5pPr>
+            <a:lvl6pPr marL="2514600" indent="-228600" eaLnBrk="0" fontAlgn="base" hangingPunct="0">
+              <a:spcBef>
+                <a:spcPct val="0"/>
+              </a:spcBef>
+              <a:spcAft>
+                <a:spcPct val="0"/>
+              </a:spcAft>
+              <a:defRPr sz="3200">
+                <a:solidFill>
+                  <a:schemeClr val="tx1"/>
+                </a:solidFill>
+                <a:latin typeface="Arial" panose="020B0604020202020204" pitchFamily="34" charset="0"/>
+                <a:ea typeface="微软雅黑" panose="020B0503020204020204" pitchFamily="34" charset="-122"/>
+              </a:defRPr>
+            </a:lvl6pPr>
+            <a:lvl7pPr marL="2971800" indent="-228600" eaLnBrk="0" fontAlgn="base" hangingPunct="0">
+              <a:spcBef>
+                <a:spcPct val="0"/>
+              </a:spcBef>
+              <a:spcAft>
+                <a:spcPct val="0"/>
+              </a:spcAft>
+              <a:defRPr sz="3200">
+                <a:solidFill>
+                  <a:schemeClr val="tx1"/>
+                </a:solidFill>
+                <a:latin typeface="Arial" panose="020B0604020202020204" pitchFamily="34" charset="0"/>
+                <a:ea typeface="微软雅黑" panose="020B0503020204020204" pitchFamily="34" charset="-122"/>
+              </a:defRPr>
+            </a:lvl7pPr>
+            <a:lvl8pPr marL="3429000" indent="-228600" eaLnBrk="0" fontAlgn="base" hangingPunct="0">
+              <a:spcBef>
+                <a:spcPct val="0"/>
+              </a:spcBef>
+              <a:spcAft>
+                <a:spcPct val="0"/>
+              </a:spcAft>
+              <a:defRPr sz="3200">
+                <a:solidFill>
+                  <a:schemeClr val="tx1"/>
+                </a:solidFill>
+                <a:latin typeface="Arial" panose="020B0604020202020204" pitchFamily="34" charset="0"/>
+                <a:ea typeface="微软雅黑" panose="020B0503020204020204" pitchFamily="34" charset="-122"/>
+              </a:defRPr>
+            </a:lvl8pPr>
+            <a:lvl9pPr marL="3886200" indent="-228600" eaLnBrk="0" fontAlgn="base" hangingPunct="0">
+              <a:spcBef>
+                <a:spcPct val="0"/>
+              </a:spcBef>
+              <a:spcAft>
+                <a:spcPct val="0"/>
+              </a:spcAft>
+              <a:defRPr sz="3200">
+                <a:solidFill>
+                  <a:schemeClr val="tx1"/>
+                </a:solidFill>
+                <a:latin typeface="Arial" panose="020B0604020202020204" pitchFamily="34" charset="0"/>
+                <a:ea typeface="微软雅黑" panose="020B0503020204020204" pitchFamily="34" charset="-122"/>
+              </a:defRPr>
+            </a:lvl9pPr>
+          </a:lstStyle>
+          <a:p>
+            <a:r>
+              <a:rPr lang="en-US" altLang="zh-CN">
+                <a:latin typeface="微软雅黑" panose="020B0503020204020204" pitchFamily="34" charset="-122"/>
+                <a:ea typeface="宋体" panose="02010600030101010101" pitchFamily="2" charset="-122"/>
+              </a:rPr>
+              <a:t>---</a:t>
+            </a:r>
+            <a:r>
               <a:t>ES6</a:t>
             </a:r>
             <a:r>
-              <a:rPr lang="zh-CN" altLang="en-US" dirty="0"/>
-              <a:t>）</a:t>
-            </a:r>
-            <a:endParaRPr lang="zh-CN" altLang="en-US" dirty="0"/>
-          </a:p>
-          <a:p>
-            <a:endParaRPr lang="zh-CN" altLang="en-US" dirty="0"/>
+              <a:rPr lang="zh-CN"/>
+              <a:t>中的</a:t>
+            </a:r>
+            <a:r>
+              <a:rPr lang="en-US" altLang="zh-CN"/>
+              <a:t>let</a:t>
+            </a:r>
+            <a:r>
+              <a:rPr lang="zh-CN" altLang="en-US"/>
+              <a:t>与</a:t>
+            </a:r>
+            <a:r>
+              <a:rPr lang="en-US" altLang="zh-CN"/>
+              <a:t>const</a:t>
+            </a:r>
+            <a:endParaRPr lang="en-US" altLang="zh-CN"/>
           </a:p>
         </p:txBody>
       </p:sp>
       <p:pic>
         <p:nvPicPr>
-          <p:cNvPr id="4" name="图片 3" descr="C:\Users\qile\Desktop\abc.pngabc"/>
+          <p:cNvPr id="4101" name="图片 4" descr="软院logo横版.png"/>
           <p:cNvPicPr>
             <a:picLocks noChangeAspect="1"/>
           </p:cNvPicPr>
           <p:nvPr/>
         </p:nvPicPr>
         <p:blipFill>
-          <a:blip r:embed="rId1"/>
+          <a:blip r:embed="rId2">
+            <a:extLst>
+              <a:ext uri="{28A0092B-C50C-407E-A947-70E740481C1C}">
+                <a14:useLocalDpi xmlns:a14="http://schemas.microsoft.com/office/drawing/2010/main" val="0"/>
+              </a:ext>
+            </a:extLst>
+          </a:blip>
           <a:srcRect/>
           <a:stretch>
             <a:fillRect/>
           </a:stretch>
         </p:blipFill>
-        <p:spPr>
+        <p:spPr bwMode="auto">
           <a:xfrm>
-            <a:off x="1358265" y="1815148"/>
-            <a:ext cx="5763260" cy="2450465"/>
+            <a:off x="6604001" y="5784851"/>
+            <a:ext cx="3381375" cy="525463"/>
           </a:xfrm>
           <a:prstGeom prst="rect">
             <a:avLst/>
           </a:prstGeom>
+          <a:noFill/>
+          <a:ln>
+            <a:noFill/>
+          </a:ln>
+          <a:extLst>
+            <a:ext uri="{909E8E84-426E-40DD-AFC4-6F175D3DCCD1}">
+              <a14:hiddenFill xmlns:a14="http://schemas.microsoft.com/office/drawing/2010/main">
+                <a:solidFill>
+                  <a:srgbClr val="FFFFFF"/>
+                </a:solidFill>
+              </a14:hiddenFill>
+            </a:ext>
+            <a:ext uri="{91240B29-F687-4F45-9708-019B960494DF}">
+              <a14:hiddenLine xmlns:a14="http://schemas.microsoft.com/office/drawing/2010/main" w="9525">
+                <a:solidFill>
+                  <a:srgbClr val="000000"/>
+                </a:solidFill>
+                <a:miter lim="800000"/>
+                <a:headEnd/>
+                <a:tailEnd/>
+              </a14:hiddenLine>
+            </a:ext>
+          </a:extLst>
         </p:spPr>
       </p:pic>
     </p:spTree>
@@ -9916,6 +12826,7 @@
   <p:clrMapOvr>
     <a:masterClrMapping/>
   </p:clrMapOvr>
+  <p:transition advClick="0"/>
   <p:timing>
     <p:tnLst>
       <p:par>

--- a/课程PPT/13.ECMAScript 6 一.pptx
+++ b/课程PPT/13.ECMAScript 6 一.pptx
@@ -28,7 +28,15 @@
     <p:sldId id="1232" r:id="rId21"/>
     <p:sldId id="1258" r:id="rId22"/>
     <p:sldId id="1260" r:id="rId23"/>
-    <p:sldId id="1259" r:id="rId24"/>
+    <p:sldId id="1266" r:id="rId24"/>
+    <p:sldId id="1267" r:id="rId25"/>
+    <p:sldId id="1268" r:id="rId26"/>
+    <p:sldId id="1269" r:id="rId27"/>
+    <p:sldId id="1270" r:id="rId28"/>
+    <p:sldId id="1271" r:id="rId29"/>
+    <p:sldId id="1272" r:id="rId30"/>
+    <p:sldId id="1273" r:id="rId31"/>
+    <p:sldId id="1259" r:id="rId32"/>
   </p:sldIdLst>
   <p:sldSz cx="12192000" cy="6858000"/>
   <p:notesSz cx="6797675" cy="9928225"/>
@@ -736,6 +744,396 @@
 </file>
 
 <file path=ppt/notesSlides/notesSlide11.xml><?xml version="1.0" encoding="utf-8"?>
+<p:notes xmlns:a="http://schemas.openxmlformats.org/drawingml/2006/main" xmlns:r="http://schemas.openxmlformats.org/officeDocument/2006/relationships" xmlns:p="http://schemas.openxmlformats.org/presentationml/2006/main">
+  <p:cSld>
+    <p:spTree>
+      <p:nvGrpSpPr>
+        <p:cNvPr id="1" name=""/>
+        <p:cNvGrpSpPr/>
+        <p:nvPr/>
+      </p:nvGrpSpPr>
+      <p:grpSpPr>
+        <a:xfrm>
+          <a:off x="0" y="0"/>
+          <a:ext cx="0" cy="0"/>
+          <a:chOff x="0" y="0"/>
+          <a:chExt cx="0" cy="0"/>
+        </a:xfrm>
+      </p:grpSpPr>
+      <p:sp>
+        <p:nvSpPr>
+          <p:cNvPr id="2" name="幻灯片图像占位符 1"/>
+          <p:cNvSpPr>
+            <a:spLocks noGrp="1" noRot="1" noChangeAspect="1"/>
+          </p:cNvSpPr>
+          <p:nvPr>
+            <p:ph type="sldImg"/>
+          </p:nvPr>
+        </p:nvSpPr>
+        <p:spPr/>
+      </p:sp>
+      <p:sp>
+        <p:nvSpPr>
+          <p:cNvPr id="3" name="备注占位符 2"/>
+          <p:cNvSpPr>
+            <a:spLocks noGrp="1"/>
+          </p:cNvSpPr>
+          <p:nvPr>
+            <p:ph type="body" idx="1"/>
+          </p:nvPr>
+        </p:nvSpPr>
+        <p:spPr/>
+        <p:txBody>
+          <a:bodyPr/>
+          <a:lstStyle/>
+          <a:p>
+            <a:endParaRPr lang="zh-CN" altLang="en-US" dirty="0"/>
+          </a:p>
+        </p:txBody>
+      </p:sp>
+      <p:sp>
+        <p:nvSpPr>
+          <p:cNvPr id="4" name="灯片编号占位符 3"/>
+          <p:cNvSpPr>
+            <a:spLocks noGrp="1"/>
+          </p:cNvSpPr>
+          <p:nvPr>
+            <p:ph type="sldNum" sz="quarter" idx="10"/>
+          </p:nvPr>
+        </p:nvSpPr>
+        <p:spPr/>
+        <p:txBody>
+          <a:bodyPr/>
+          <a:lstStyle/>
+          <a:p>
+            <a:fld id="{D9AFD278-84AA-4CAA-9049-809825956FE0}" type="slidenum">
+              <a:rPr lang="en-US" altLang="zh-CN" smtClean="0"/>
+            </a:fld>
+            <a:endParaRPr lang="zh-CN" altLang="zh-CN"/>
+          </a:p>
+        </p:txBody>
+      </p:sp>
+    </p:spTree>
+  </p:cSld>
+  <p:clrMapOvr>
+    <a:masterClrMapping/>
+  </p:clrMapOvr>
+</p:notes>
+</file>
+
+<file path=ppt/notesSlides/notesSlide12.xml><?xml version="1.0" encoding="utf-8"?>
+<p:notes xmlns:a="http://schemas.openxmlformats.org/drawingml/2006/main" xmlns:r="http://schemas.openxmlformats.org/officeDocument/2006/relationships" xmlns:p="http://schemas.openxmlformats.org/presentationml/2006/main">
+  <p:cSld>
+    <p:spTree>
+      <p:nvGrpSpPr>
+        <p:cNvPr id="1" name=""/>
+        <p:cNvGrpSpPr/>
+        <p:nvPr/>
+      </p:nvGrpSpPr>
+      <p:grpSpPr>
+        <a:xfrm>
+          <a:off x="0" y="0"/>
+          <a:ext cx="0" cy="0"/>
+          <a:chOff x="0" y="0"/>
+          <a:chExt cx="0" cy="0"/>
+        </a:xfrm>
+      </p:grpSpPr>
+      <p:sp>
+        <p:nvSpPr>
+          <p:cNvPr id="2" name="幻灯片图像占位符 1"/>
+          <p:cNvSpPr>
+            <a:spLocks noGrp="1" noRot="1" noChangeAspect="1"/>
+          </p:cNvSpPr>
+          <p:nvPr>
+            <p:ph type="sldImg"/>
+          </p:nvPr>
+        </p:nvSpPr>
+        <p:spPr/>
+      </p:sp>
+      <p:sp>
+        <p:nvSpPr>
+          <p:cNvPr id="3" name="备注占位符 2"/>
+          <p:cNvSpPr>
+            <a:spLocks noGrp="1"/>
+          </p:cNvSpPr>
+          <p:nvPr>
+            <p:ph type="body" idx="1"/>
+          </p:nvPr>
+        </p:nvSpPr>
+        <p:spPr/>
+        <p:txBody>
+          <a:bodyPr/>
+          <a:lstStyle/>
+          <a:p>
+            <a:endParaRPr lang="zh-CN" altLang="en-US" dirty="0"/>
+          </a:p>
+        </p:txBody>
+      </p:sp>
+      <p:sp>
+        <p:nvSpPr>
+          <p:cNvPr id="4" name="灯片编号占位符 3"/>
+          <p:cNvSpPr>
+            <a:spLocks noGrp="1"/>
+          </p:cNvSpPr>
+          <p:nvPr>
+            <p:ph type="sldNum" sz="quarter" idx="10"/>
+          </p:nvPr>
+        </p:nvSpPr>
+        <p:spPr/>
+        <p:txBody>
+          <a:bodyPr/>
+          <a:lstStyle/>
+          <a:p>
+            <a:fld id="{D9AFD278-84AA-4CAA-9049-809825956FE0}" type="slidenum">
+              <a:rPr lang="en-US" altLang="zh-CN" smtClean="0"/>
+            </a:fld>
+            <a:endParaRPr lang="zh-CN" altLang="zh-CN"/>
+          </a:p>
+        </p:txBody>
+      </p:sp>
+    </p:spTree>
+  </p:cSld>
+  <p:clrMapOvr>
+    <a:masterClrMapping/>
+  </p:clrMapOvr>
+</p:notes>
+</file>
+
+<file path=ppt/notesSlides/notesSlide13.xml><?xml version="1.0" encoding="utf-8"?>
+<p:notes xmlns:a="http://schemas.openxmlformats.org/drawingml/2006/main" xmlns:r="http://schemas.openxmlformats.org/officeDocument/2006/relationships" xmlns:p="http://schemas.openxmlformats.org/presentationml/2006/main">
+  <p:cSld>
+    <p:spTree>
+      <p:nvGrpSpPr>
+        <p:cNvPr id="1" name=""/>
+        <p:cNvGrpSpPr/>
+        <p:nvPr/>
+      </p:nvGrpSpPr>
+      <p:grpSpPr>
+        <a:xfrm>
+          <a:off x="0" y="0"/>
+          <a:ext cx="0" cy="0"/>
+          <a:chOff x="0" y="0"/>
+          <a:chExt cx="0" cy="0"/>
+        </a:xfrm>
+      </p:grpSpPr>
+      <p:sp>
+        <p:nvSpPr>
+          <p:cNvPr id="2" name="幻灯片图像占位符 1"/>
+          <p:cNvSpPr>
+            <a:spLocks noGrp="1" noRot="1" noChangeAspect="1"/>
+          </p:cNvSpPr>
+          <p:nvPr>
+            <p:ph type="sldImg"/>
+          </p:nvPr>
+        </p:nvSpPr>
+        <p:spPr/>
+      </p:sp>
+      <p:sp>
+        <p:nvSpPr>
+          <p:cNvPr id="3" name="备注占位符 2"/>
+          <p:cNvSpPr>
+            <a:spLocks noGrp="1"/>
+          </p:cNvSpPr>
+          <p:nvPr>
+            <p:ph type="body" idx="1"/>
+          </p:nvPr>
+        </p:nvSpPr>
+        <p:spPr/>
+        <p:txBody>
+          <a:bodyPr/>
+          <a:lstStyle/>
+          <a:p>
+            <a:endParaRPr lang="zh-CN" altLang="en-US" dirty="0"/>
+          </a:p>
+        </p:txBody>
+      </p:sp>
+      <p:sp>
+        <p:nvSpPr>
+          <p:cNvPr id="4" name="灯片编号占位符 3"/>
+          <p:cNvSpPr>
+            <a:spLocks noGrp="1"/>
+          </p:cNvSpPr>
+          <p:nvPr>
+            <p:ph type="sldNum" sz="quarter" idx="10"/>
+          </p:nvPr>
+        </p:nvSpPr>
+        <p:spPr/>
+        <p:txBody>
+          <a:bodyPr/>
+          <a:lstStyle/>
+          <a:p>
+            <a:fld id="{D9AFD278-84AA-4CAA-9049-809825956FE0}" type="slidenum">
+              <a:rPr lang="en-US" altLang="zh-CN" smtClean="0"/>
+            </a:fld>
+            <a:endParaRPr lang="zh-CN" altLang="zh-CN"/>
+          </a:p>
+        </p:txBody>
+      </p:sp>
+    </p:spTree>
+  </p:cSld>
+  <p:clrMapOvr>
+    <a:masterClrMapping/>
+  </p:clrMapOvr>
+</p:notes>
+</file>
+
+<file path=ppt/notesSlides/notesSlide14.xml><?xml version="1.0" encoding="utf-8"?>
+<p:notes xmlns:a="http://schemas.openxmlformats.org/drawingml/2006/main" xmlns:r="http://schemas.openxmlformats.org/officeDocument/2006/relationships" xmlns:p="http://schemas.openxmlformats.org/presentationml/2006/main">
+  <p:cSld>
+    <p:spTree>
+      <p:nvGrpSpPr>
+        <p:cNvPr id="1" name=""/>
+        <p:cNvGrpSpPr/>
+        <p:nvPr/>
+      </p:nvGrpSpPr>
+      <p:grpSpPr>
+        <a:xfrm>
+          <a:off x="0" y="0"/>
+          <a:ext cx="0" cy="0"/>
+          <a:chOff x="0" y="0"/>
+          <a:chExt cx="0" cy="0"/>
+        </a:xfrm>
+      </p:grpSpPr>
+      <p:sp>
+        <p:nvSpPr>
+          <p:cNvPr id="2" name="幻灯片图像占位符 1"/>
+          <p:cNvSpPr>
+            <a:spLocks noGrp="1" noRot="1" noChangeAspect="1"/>
+          </p:cNvSpPr>
+          <p:nvPr>
+            <p:ph type="sldImg"/>
+          </p:nvPr>
+        </p:nvSpPr>
+        <p:spPr/>
+      </p:sp>
+      <p:sp>
+        <p:nvSpPr>
+          <p:cNvPr id="3" name="备注占位符 2"/>
+          <p:cNvSpPr>
+            <a:spLocks noGrp="1"/>
+          </p:cNvSpPr>
+          <p:nvPr>
+            <p:ph type="body" idx="1"/>
+          </p:nvPr>
+        </p:nvSpPr>
+        <p:spPr/>
+        <p:txBody>
+          <a:bodyPr/>
+          <a:lstStyle/>
+          <a:p>
+            <a:endParaRPr lang="zh-CN" altLang="en-US" dirty="0"/>
+          </a:p>
+        </p:txBody>
+      </p:sp>
+      <p:sp>
+        <p:nvSpPr>
+          <p:cNvPr id="4" name="灯片编号占位符 3"/>
+          <p:cNvSpPr>
+            <a:spLocks noGrp="1"/>
+          </p:cNvSpPr>
+          <p:nvPr>
+            <p:ph type="sldNum" sz="quarter" idx="10"/>
+          </p:nvPr>
+        </p:nvSpPr>
+        <p:spPr/>
+        <p:txBody>
+          <a:bodyPr/>
+          <a:lstStyle/>
+          <a:p>
+            <a:fld id="{D9AFD278-84AA-4CAA-9049-809825956FE0}" type="slidenum">
+              <a:rPr lang="en-US" altLang="zh-CN" smtClean="0"/>
+            </a:fld>
+            <a:endParaRPr lang="zh-CN" altLang="zh-CN"/>
+          </a:p>
+        </p:txBody>
+      </p:sp>
+    </p:spTree>
+  </p:cSld>
+  <p:clrMapOvr>
+    <a:masterClrMapping/>
+  </p:clrMapOvr>
+</p:notes>
+</file>
+
+<file path=ppt/notesSlides/notesSlide15.xml><?xml version="1.0" encoding="utf-8"?>
+<p:notes xmlns:a="http://schemas.openxmlformats.org/drawingml/2006/main" xmlns:r="http://schemas.openxmlformats.org/officeDocument/2006/relationships" xmlns:p="http://schemas.openxmlformats.org/presentationml/2006/main">
+  <p:cSld>
+    <p:spTree>
+      <p:nvGrpSpPr>
+        <p:cNvPr id="1" name=""/>
+        <p:cNvGrpSpPr/>
+        <p:nvPr/>
+      </p:nvGrpSpPr>
+      <p:grpSpPr>
+        <a:xfrm>
+          <a:off x="0" y="0"/>
+          <a:ext cx="0" cy="0"/>
+          <a:chOff x="0" y="0"/>
+          <a:chExt cx="0" cy="0"/>
+        </a:xfrm>
+      </p:grpSpPr>
+      <p:sp>
+        <p:nvSpPr>
+          <p:cNvPr id="2" name="幻灯片图像占位符 1"/>
+          <p:cNvSpPr>
+            <a:spLocks noGrp="1" noRot="1" noChangeAspect="1"/>
+          </p:cNvSpPr>
+          <p:nvPr>
+            <p:ph type="sldImg"/>
+          </p:nvPr>
+        </p:nvSpPr>
+        <p:spPr/>
+      </p:sp>
+      <p:sp>
+        <p:nvSpPr>
+          <p:cNvPr id="3" name="备注占位符 2"/>
+          <p:cNvSpPr>
+            <a:spLocks noGrp="1"/>
+          </p:cNvSpPr>
+          <p:nvPr>
+            <p:ph type="body" idx="1"/>
+          </p:nvPr>
+        </p:nvSpPr>
+        <p:spPr/>
+        <p:txBody>
+          <a:bodyPr/>
+          <a:lstStyle/>
+          <a:p>
+            <a:endParaRPr lang="zh-CN" altLang="en-US" dirty="0"/>
+          </a:p>
+        </p:txBody>
+      </p:sp>
+      <p:sp>
+        <p:nvSpPr>
+          <p:cNvPr id="4" name="灯片编号占位符 3"/>
+          <p:cNvSpPr>
+            <a:spLocks noGrp="1"/>
+          </p:cNvSpPr>
+          <p:nvPr>
+            <p:ph type="sldNum" sz="quarter" idx="10"/>
+          </p:nvPr>
+        </p:nvSpPr>
+        <p:spPr/>
+        <p:txBody>
+          <a:bodyPr/>
+          <a:lstStyle/>
+          <a:p>
+            <a:fld id="{D9AFD278-84AA-4CAA-9049-809825956FE0}" type="slidenum">
+              <a:rPr lang="en-US" altLang="zh-CN" smtClean="0"/>
+            </a:fld>
+            <a:endParaRPr lang="zh-CN" altLang="zh-CN"/>
+          </a:p>
+        </p:txBody>
+      </p:sp>
+    </p:spTree>
+  </p:cSld>
+  <p:clrMapOvr>
+    <a:masterClrMapping/>
+  </p:clrMapOvr>
+</p:notes>
+</file>
+
+<file path=ppt/notesSlides/notesSlide16.xml><?xml version="1.0" encoding="utf-8"?>
 <p:notes xmlns:a="http://schemas.openxmlformats.org/drawingml/2006/main" xmlns:r="http://schemas.openxmlformats.org/officeDocument/2006/relationships" xmlns:p="http://schemas.openxmlformats.org/presentationml/2006/main">
   <p:cSld>
     <p:spTree>
@@ -4005,18 +4403,7 @@
                 <a:ea typeface="+mn-ea"/>
                 <a:sym typeface="+mn-ea"/>
               </a:rPr>
-              <a:t>https://kangax.github.io/compat-table/es6/  和  </a:t>
-            </a:r>
-            <a:r>
-              <a:rPr lang="zh-CN" altLang="en-US" sz="2000">
-                <a:solidFill>
-                  <a:schemeClr val="tx1"/>
-                </a:solidFill>
-                <a:latin typeface="+mn-ea"/>
-                <a:ea typeface="+mn-ea"/>
-                <a:sym typeface="+mn-ea"/>
-              </a:rPr>
-              <a:t>http://node.green/  </a:t>
+              <a:t>https://kangax.github.io/compat-table/es6/  和  http://node.green/  </a:t>
             </a:r>
             <a:endParaRPr lang="zh-CN" altLang="en-US" sz="2000">
               <a:solidFill>
@@ -7394,16 +7781,7 @@
                 </a:solidFill>
                 <a:sym typeface="+mn-ea"/>
               </a:rPr>
-              <a:t>中的块</a:t>
-            </a:r>
-            <a:r>
-              <a:rPr kumimoji="0" lang="zh-CN" altLang="en-US" sz="3200" dirty="0" smtClean="0">
-                <a:solidFill>
-                  <a:schemeClr val="tx1"/>
-                </a:solidFill>
-                <a:sym typeface="+mn-ea"/>
-              </a:rPr>
-              <a:t>）</a:t>
+              <a:t>中的块）</a:t>
             </a:r>
             <a:endParaRPr kumimoji="0" lang="zh-CN" altLang="en-US" sz="3200" dirty="0" smtClean="0">
               <a:solidFill>
@@ -10424,8 +10802,10 @@
               <a:buChar char="Ø"/>
             </a:pPr>
             <a:r>
-              <a:rPr lang="zh-CN" altLang="en-US" sz="2800" b="1"/>
-              <a:t>圆括号问题</a:t>
+              <a:rPr lang="zh-CN" altLang="en-US" sz="2800" b="1">
+                <a:sym typeface="+mn-ea"/>
+              </a:rPr>
+              <a:t>解构赋值的常见应用及注意事项</a:t>
             </a:r>
             <a:endParaRPr lang="zh-CN" altLang="en-US" sz="2800" b="1"/>
           </a:p>
@@ -10758,14 +11138,70 @@
               </a:lnSpc>
             </a:pPr>
             <a:r>
-              <a:rPr kumimoji="0" lang="en-US" sz="3200" dirty="0" smtClean="0">
+              <a:rPr kumimoji="0" lang="zh-CN" sz="3200" dirty="0" smtClean="0">
                 <a:solidFill>
                   <a:schemeClr val="tx1"/>
                 </a:solidFill>
                 <a:sym typeface="+mn-ea"/>
               </a:rPr>
-              <a:t>var</a:t>
-            </a:r>
+              <a:t>什么是解构赋值</a:t>
+            </a:r>
+            <a:r>
+              <a:rPr kumimoji="0" lang="en-US" altLang="zh-CN" sz="3200" dirty="0" smtClean="0">
+                <a:solidFill>
+                  <a:schemeClr val="tx1"/>
+                </a:solidFill>
+                <a:sym typeface="+mn-ea"/>
+              </a:rPr>
+              <a:t>（Destructuring）</a:t>
+            </a:r>
+            <a:br>
+              <a:rPr kumimoji="0" lang="zh-CN" sz="3200" dirty="0" smtClean="0">
+                <a:solidFill>
+                  <a:schemeClr val="tx1"/>
+                </a:solidFill>
+                <a:sym typeface="+mn-ea"/>
+              </a:rPr>
+            </a:br>
+            <a:r>
+              <a:rPr kumimoji="0" lang="en-US" altLang="zh-CN" sz="2000" dirty="0" smtClean="0">
+                <a:solidFill>
+                  <a:schemeClr val="tx1"/>
+                </a:solidFill>
+                <a:sym typeface="+mn-ea"/>
+              </a:rPr>
+              <a:t>- ES6允许按照一定模式，从数组和对象中提取值，对变量进行赋值，这被称为解构</a:t>
+            </a:r>
+            <a:br>
+              <a:rPr kumimoji="0" lang="en-US" altLang="zh-CN" sz="2000" dirty="0" smtClean="0">
+                <a:solidFill>
+                  <a:schemeClr val="tx1"/>
+                </a:solidFill>
+                <a:sym typeface="+mn-ea"/>
+              </a:rPr>
+            </a:br>
+            <a:r>
+              <a:rPr kumimoji="0" lang="en-US" altLang="zh-CN" sz="2000" dirty="0" smtClean="0">
+                <a:solidFill>
+                  <a:schemeClr val="tx1"/>
+                </a:solidFill>
+                <a:sym typeface="+mn-ea"/>
+              </a:rPr>
+              <a:t>- 这种写法属于“模式匹配”，只要等号两边的模式相同，左边的变量就会被赋予对应的值</a:t>
+            </a:r>
+            <a:endParaRPr kumimoji="0" lang="en-US" altLang="zh-CN" sz="2000" dirty="0" smtClean="0">
+              <a:solidFill>
+                <a:schemeClr val="tx1"/>
+              </a:solidFill>
+              <a:sym typeface="+mn-ea"/>
+            </a:endParaRPr>
+          </a:p>
+          <a:p>
+            <a:pPr>
+              <a:lnSpc>
+                <a:spcPct val="130000"/>
+              </a:lnSpc>
+            </a:pPr>
             <a:r>
               <a:rPr kumimoji="0" lang="zh-CN" altLang="en-US" sz="3200" dirty="0" smtClean="0">
                 <a:solidFill>
@@ -10773,9 +11209,9 @@
                 </a:solidFill>
                 <a:sym typeface="+mn-ea"/>
               </a:rPr>
-              <a:t>的</a:t>
-            </a:r>
-            <a:endParaRPr kumimoji="0" lang="zh-CN" sz="3200" dirty="0" smtClean="0">
+              <a:t>数组的解构赋值</a:t>
+            </a:r>
+            <a:endParaRPr kumimoji="0" lang="zh-CN" altLang="en-US" sz="3200" dirty="0" smtClean="0">
               <a:solidFill>
                 <a:schemeClr val="tx1"/>
               </a:solidFill>
@@ -10883,12 +11319,36 @@
           <a:p>
             <a:r>
               <a:rPr kumimoji="0" lang="zh-CN" dirty="0"/>
-              <a:t>数组的解构赋值</a:t>
+              <a:t>数组、对象的解构赋值</a:t>
             </a:r>
             <a:endParaRPr kumimoji="0" lang="zh-CN" dirty="0"/>
           </a:p>
         </p:txBody>
       </p:sp>
+      <p:pic>
+        <p:nvPicPr>
+          <p:cNvPr id="3" name="图片 2"/>
+          <p:cNvPicPr>
+            <a:picLocks noChangeAspect="1"/>
+          </p:cNvPicPr>
+          <p:nvPr/>
+        </p:nvPicPr>
+        <p:blipFill>
+          <a:blip r:embed="rId1"/>
+          <a:stretch>
+            <a:fillRect/>
+          </a:stretch>
+        </p:blipFill>
+        <p:spPr>
+          <a:xfrm>
+            <a:off x="1325245" y="3069590"/>
+            <a:ext cx="6508115" cy="3637915"/>
+          </a:xfrm>
+          <a:prstGeom prst="rect">
+            <a:avLst/>
+          </a:prstGeom>
+        </p:spPr>
+      </p:pic>
       <p:sp>
         <p:nvSpPr>
           <p:cNvPr id="6" name="文本框 5"/>
@@ -10897,8 +11357,8 @@
         </p:nvSpPr>
         <p:spPr>
           <a:xfrm>
-            <a:off x="5174615" y="6065520"/>
-            <a:ext cx="6735445" cy="429895"/>
+            <a:off x="7283450" y="5664835"/>
+            <a:ext cx="4575175" cy="429895"/>
           </a:xfrm>
           <a:prstGeom prst="rect">
             <a:avLst/>
@@ -10929,7 +11389,7 @@
                 <a:latin typeface="+mn-ea"/>
                 <a:ea typeface="+mn-ea"/>
               </a:rPr>
-              <a:t>demo09 Part1 </a:t>
+              <a:t>demo09  </a:t>
             </a:r>
             <a:r>
               <a:rPr lang="zh-CN" sz="2200">
@@ -10969,6 +11429,9 @@
                     <p:cTn id="3" fill="hold">
                       <p:stCondLst>
                         <p:cond delay="indefinite"/>
+                        <p:cond evt="onBegin" delay="0">
+                          <p:tn val="2"/>
+                        </p:cond>
                       </p:stCondLst>
                       <p:childTnLst>
                         <p:par>
@@ -10978,7 +11441,7 @@
                             </p:stCondLst>
                             <p:childTnLst>
                               <p:par>
-                                <p:cTn id="5" presetID="2" presetClass="entr" presetSubtype="4" fill="hold" nodeType="clickEffect">
+                                <p:cTn id="5" presetID="2" presetClass="entr" presetSubtype="4" fill="hold" grpId="0" nodeType="afterEffect">
                                   <p:stCondLst>
                                     <p:cond delay="0"/>
                                   </p:stCondLst>
@@ -10986,100 +11449,6 @@
                                     <p:set>
                                       <p:cBhvr>
                                         <p:cTn id="6" dur="1" fill="hold">
-                                          <p:stCondLst>
-                                            <p:cond delay="0"/>
-                                          </p:stCondLst>
-                                        </p:cTn>
-                                        <p:tgtEl>
-                                          <p:spTgt spid="11266">
-                                            <p:txEl>
-                                              <p:pRg st="0" end="0"/>
-                                            </p:txEl>
-                                          </p:spTgt>
-                                        </p:tgtEl>
-                                        <p:attrNameLst>
-                                          <p:attrName>style.visibility</p:attrName>
-                                        </p:attrNameLst>
-                                      </p:cBhvr>
-                                      <p:to>
-                                        <p:strVal val="visible"/>
-                                      </p:to>
-                                    </p:set>
-                                    <p:anim calcmode="lin" valueType="num">
-                                      <p:cBhvr additive="base">
-                                        <p:cTn id="7" dur="500" fill="hold"/>
-                                        <p:tgtEl>
-                                          <p:spTgt spid="11266">
-                                            <p:txEl>
-                                              <p:pRg st="0" end="0"/>
-                                            </p:txEl>
-                                          </p:spTgt>
-                                        </p:tgtEl>
-                                        <p:attrNameLst>
-                                          <p:attrName>ppt_x</p:attrName>
-                                        </p:attrNameLst>
-                                      </p:cBhvr>
-                                      <p:tavLst>
-                                        <p:tav tm="0">
-                                          <p:val>
-                                            <p:strVal val="#ppt_x"/>
-                                          </p:val>
-                                        </p:tav>
-                                        <p:tav tm="100000">
-                                          <p:val>
-                                            <p:strVal val="#ppt_x"/>
-                                          </p:val>
-                                        </p:tav>
-                                      </p:tavLst>
-                                    </p:anim>
-                                    <p:anim calcmode="lin" valueType="num">
-                                      <p:cBhvr additive="base">
-                                        <p:cTn id="8" dur="500" fill="hold"/>
-                                        <p:tgtEl>
-                                          <p:spTgt spid="11266">
-                                            <p:txEl>
-                                              <p:pRg st="0" end="0"/>
-                                            </p:txEl>
-                                          </p:spTgt>
-                                        </p:tgtEl>
-                                        <p:attrNameLst>
-                                          <p:attrName>ppt_y</p:attrName>
-                                        </p:attrNameLst>
-                                      </p:cBhvr>
-                                      <p:tavLst>
-                                        <p:tav tm="0">
-                                          <p:val>
-                                            <p:strVal val="1+#ppt_h/2"/>
-                                          </p:val>
-                                        </p:tav>
-                                        <p:tav tm="100000">
-                                          <p:val>
-                                            <p:strVal val="#ppt_y"/>
-                                          </p:val>
-                                        </p:tav>
-                                      </p:tavLst>
-                                    </p:anim>
-                                  </p:childTnLst>
-                                </p:cTn>
-                              </p:par>
-                            </p:childTnLst>
-                          </p:cTn>
-                        </p:par>
-                        <p:par>
-                          <p:cTn id="9" fill="hold">
-                            <p:stCondLst>
-                              <p:cond delay="500"/>
-                            </p:stCondLst>
-                            <p:childTnLst>
-                              <p:par>
-                                <p:cTn id="10" presetID="2" presetClass="entr" presetSubtype="4" fill="hold" grpId="0" nodeType="afterEffect">
-                                  <p:stCondLst>
-                                    <p:cond delay="0"/>
-                                  </p:stCondLst>
-                                  <p:childTnLst>
-                                    <p:set>
-                                      <p:cBhvr>
-                                        <p:cTn id="11" dur="1" fill="hold">
                                           <p:stCondLst>
                                             <p:cond delay="0"/>
                                           </p:stCondLst>
@@ -11097,7 +11466,7 @@
                                     </p:set>
                                     <p:anim calcmode="lin" valueType="num">
                                       <p:cBhvr additive="base">
-                                        <p:cTn id="12" dur="500" fill="hold"/>
+                                        <p:cTn id="7" dur="500" fill="hold"/>
                                         <p:tgtEl>
                                           <p:spTgt spid="6"/>
                                         </p:tgtEl>
@@ -11120,7 +11489,7 @@
                                     </p:anim>
                                     <p:anim calcmode="lin" valueType="num">
                                       <p:cBhvr additive="base">
-                                        <p:cTn id="13" dur="500" fill="hold"/>
+                                        <p:cTn id="8" dur="500" fill="hold"/>
                                         <p:tgtEl>
                                           <p:spTgt spid="6"/>
                                         </p:tgtEl>
@@ -11808,22 +12177,13 @@
               </a:lnSpc>
             </a:pPr>
             <a:r>
-              <a:rPr kumimoji="0" lang="en-US" sz="3200" dirty="0" smtClean="0">
+              <a:rPr kumimoji="0" lang="zh-CN" sz="3200" dirty="0" smtClean="0">
                 <a:solidFill>
                   <a:schemeClr val="tx1"/>
                 </a:solidFill>
                 <a:sym typeface="+mn-ea"/>
               </a:rPr>
-              <a:t>var</a:t>
-            </a:r>
-            <a:r>
-              <a:rPr kumimoji="0" lang="zh-CN" altLang="en-US" sz="3200" dirty="0" smtClean="0">
-                <a:solidFill>
-                  <a:schemeClr val="tx1"/>
-                </a:solidFill>
-                <a:sym typeface="+mn-ea"/>
-              </a:rPr>
-              <a:t>的</a:t>
+              <a:t>对象的解构赋值</a:t>
             </a:r>
             <a:endParaRPr kumimoji="0" lang="zh-CN" sz="3200" dirty="0" smtClean="0">
               <a:solidFill>
@@ -11933,7 +12293,7 @@
           <a:p>
             <a:r>
               <a:rPr kumimoji="0" lang="zh-CN" dirty="0"/>
-              <a:t>对象的解构赋值</a:t>
+              <a:t>数组、对象的解构赋值</a:t>
             </a:r>
             <a:endParaRPr kumimoji="0" lang="zh-CN" dirty="0"/>
           </a:p>
@@ -11979,7 +12339,7 @@
                 <a:latin typeface="+mn-ea"/>
                 <a:ea typeface="+mn-ea"/>
               </a:rPr>
-              <a:t>demo09 Part2 </a:t>
+              <a:t>demo10 </a:t>
             </a:r>
             <a:r>
               <a:rPr lang="zh-CN" altLang="en-US" sz="2200">
@@ -12012,6 +12372,30 @@
           </a:p>
         </p:txBody>
       </p:sp>
+      <p:pic>
+        <p:nvPicPr>
+          <p:cNvPr id="3" name="图片 2"/>
+          <p:cNvPicPr>
+            <a:picLocks noChangeAspect="1"/>
+          </p:cNvPicPr>
+          <p:nvPr/>
+        </p:nvPicPr>
+        <p:blipFill>
+          <a:blip r:embed="rId1"/>
+          <a:stretch>
+            <a:fillRect/>
+          </a:stretch>
+        </p:blipFill>
+        <p:spPr>
+          <a:xfrm>
+            <a:off x="1160145" y="1554480"/>
+            <a:ext cx="8468995" cy="4190365"/>
+          </a:xfrm>
+          <a:prstGeom prst="rect">
+            <a:avLst/>
+          </a:prstGeom>
+        </p:spPr>
+      </p:pic>
     </p:spTree>
   </p:cSld>
   <p:clrMapOvr>
@@ -12029,6 +12413,9 @@
                     <p:cTn id="3" fill="hold">
                       <p:stCondLst>
                         <p:cond delay="indefinite"/>
+                        <p:cond evt="onBegin" delay="0">
+                          <p:tn val="2"/>
+                        </p:cond>
                       </p:stCondLst>
                       <p:childTnLst>
                         <p:par>
@@ -12038,7 +12425,7 @@
                             </p:stCondLst>
                             <p:childTnLst>
                               <p:par>
-                                <p:cTn id="5" presetID="2" presetClass="entr" presetSubtype="4" fill="hold" nodeType="clickEffect">
+                                <p:cTn id="5" presetID="2" presetClass="entr" presetSubtype="4" fill="hold" grpId="0" nodeType="afterEffect">
                                   <p:stCondLst>
                                     <p:cond delay="0"/>
                                   </p:stCondLst>
@@ -12046,100 +12433,6 @@
                                     <p:set>
                                       <p:cBhvr>
                                         <p:cTn id="6" dur="1" fill="hold">
-                                          <p:stCondLst>
-                                            <p:cond delay="0"/>
-                                          </p:stCondLst>
-                                        </p:cTn>
-                                        <p:tgtEl>
-                                          <p:spTgt spid="11266">
-                                            <p:txEl>
-                                              <p:pRg st="0" end="0"/>
-                                            </p:txEl>
-                                          </p:spTgt>
-                                        </p:tgtEl>
-                                        <p:attrNameLst>
-                                          <p:attrName>style.visibility</p:attrName>
-                                        </p:attrNameLst>
-                                      </p:cBhvr>
-                                      <p:to>
-                                        <p:strVal val="visible"/>
-                                      </p:to>
-                                    </p:set>
-                                    <p:anim calcmode="lin" valueType="num">
-                                      <p:cBhvr additive="base">
-                                        <p:cTn id="7" dur="500" fill="hold"/>
-                                        <p:tgtEl>
-                                          <p:spTgt spid="11266">
-                                            <p:txEl>
-                                              <p:pRg st="0" end="0"/>
-                                            </p:txEl>
-                                          </p:spTgt>
-                                        </p:tgtEl>
-                                        <p:attrNameLst>
-                                          <p:attrName>ppt_x</p:attrName>
-                                        </p:attrNameLst>
-                                      </p:cBhvr>
-                                      <p:tavLst>
-                                        <p:tav tm="0">
-                                          <p:val>
-                                            <p:strVal val="#ppt_x"/>
-                                          </p:val>
-                                        </p:tav>
-                                        <p:tav tm="100000">
-                                          <p:val>
-                                            <p:strVal val="#ppt_x"/>
-                                          </p:val>
-                                        </p:tav>
-                                      </p:tavLst>
-                                    </p:anim>
-                                    <p:anim calcmode="lin" valueType="num">
-                                      <p:cBhvr additive="base">
-                                        <p:cTn id="8" dur="500" fill="hold"/>
-                                        <p:tgtEl>
-                                          <p:spTgt spid="11266">
-                                            <p:txEl>
-                                              <p:pRg st="0" end="0"/>
-                                            </p:txEl>
-                                          </p:spTgt>
-                                        </p:tgtEl>
-                                        <p:attrNameLst>
-                                          <p:attrName>ppt_y</p:attrName>
-                                        </p:attrNameLst>
-                                      </p:cBhvr>
-                                      <p:tavLst>
-                                        <p:tav tm="0">
-                                          <p:val>
-                                            <p:strVal val="1+#ppt_h/2"/>
-                                          </p:val>
-                                        </p:tav>
-                                        <p:tav tm="100000">
-                                          <p:val>
-                                            <p:strVal val="#ppt_y"/>
-                                          </p:val>
-                                        </p:tav>
-                                      </p:tavLst>
-                                    </p:anim>
-                                  </p:childTnLst>
-                                </p:cTn>
-                              </p:par>
-                            </p:childTnLst>
-                          </p:cTn>
-                        </p:par>
-                        <p:par>
-                          <p:cTn id="9" fill="hold">
-                            <p:stCondLst>
-                              <p:cond delay="500"/>
-                            </p:stCondLst>
-                            <p:childTnLst>
-                              <p:par>
-                                <p:cTn id="10" presetID="2" presetClass="entr" presetSubtype="4" fill="hold" grpId="0" nodeType="afterEffect">
-                                  <p:stCondLst>
-                                    <p:cond delay="0"/>
-                                  </p:stCondLst>
-                                  <p:childTnLst>
-                                    <p:set>
-                                      <p:cBhvr>
-                                        <p:cTn id="11" dur="1" fill="hold">
                                           <p:stCondLst>
                                             <p:cond delay="0"/>
                                           </p:stCondLst>
@@ -12157,7 +12450,7 @@
                                     </p:set>
                                     <p:anim calcmode="lin" valueType="num">
                                       <p:cBhvr additive="base">
-                                        <p:cTn id="12" dur="500" fill="hold"/>
+                                        <p:cTn id="7" dur="500" fill="hold"/>
                                         <p:tgtEl>
                                           <p:spTgt spid="6"/>
                                         </p:tgtEl>
@@ -12180,7 +12473,7 @@
                                     </p:anim>
                                     <p:anim calcmode="lin" valueType="num">
                                       <p:cBhvr additive="base">
-                                        <p:cTn id="13" dur="500" fill="hold"/>
+                                        <p:cTn id="8" dur="500" fill="hold"/>
                                         <p:tgtEl>
                                           <p:spTgt spid="6"/>
                                         </p:tgtEl>
@@ -12239,6 +12532,3639 @@
 </file>
 
 <file path=ppt/slides/slide21.xml><?xml version="1.0" encoding="utf-8"?>
+<p:sld xmlns:a="http://schemas.openxmlformats.org/drawingml/2006/main" xmlns:r="http://schemas.openxmlformats.org/officeDocument/2006/relationships" xmlns:p="http://schemas.openxmlformats.org/presentationml/2006/main">
+  <p:cSld>
+    <p:spTree>
+      <p:nvGrpSpPr>
+        <p:cNvPr id="1" name=""/>
+        <p:cNvGrpSpPr/>
+        <p:nvPr/>
+      </p:nvGrpSpPr>
+      <p:grpSpPr>
+        <a:xfrm>
+          <a:off x="0" y="0"/>
+          <a:ext cx="0" cy="0"/>
+          <a:chOff x="0" y="0"/>
+          <a:chExt cx="0" cy="0"/>
+        </a:xfrm>
+      </p:grpSpPr>
+      <p:sp>
+        <p:nvSpPr>
+          <p:cNvPr id="5123" name="AutoShape 6"/>
+          <p:cNvSpPr>
+            <a:spLocks noChangeArrowheads="1"/>
+          </p:cNvSpPr>
+          <p:nvPr/>
+        </p:nvSpPr>
+        <p:spPr bwMode="auto">
+          <a:xfrm>
+            <a:off x="2566988" y="1339851"/>
+            <a:ext cx="6711950" cy="4214813"/>
+          </a:xfrm>
+          <a:prstGeom prst="roundRect">
+            <a:avLst>
+              <a:gd name="adj" fmla="val 16667"/>
+            </a:avLst>
+          </a:prstGeom>
+          <a:noFill/>
+          <a:ln w="28575">
+            <a:solidFill>
+              <a:srgbClr val="C0C0C0"/>
+            </a:solidFill>
+            <a:prstDash val="sysDot"/>
+            <a:round/>
+          </a:ln>
+          <a:extLst>
+            <a:ext uri="{909E8E84-426E-40DD-AFC4-6F175D3DCCD1}">
+              <a14:hiddenFill xmlns:a14="http://schemas.microsoft.com/office/drawing/2010/main">
+                <a:solidFill>
+                  <a:srgbClr val="FFFFFF"/>
+                </a:solidFill>
+              </a14:hiddenFill>
+            </a:ext>
+          </a:extLst>
+        </p:spPr>
+        <p:txBody>
+          <a:bodyPr wrap="none" anchor="ctr"/>
+          <a:lstStyle>
+            <a:lvl1pPr marL="457200" indent="-457200">
+              <a:defRPr sz="3200">
+                <a:solidFill>
+                  <a:schemeClr val="tx1"/>
+                </a:solidFill>
+                <a:latin typeface="Arial" panose="020B0604020202020204" pitchFamily="34" charset="0"/>
+                <a:ea typeface="微软雅黑" panose="020B0503020204020204" pitchFamily="34" charset="-122"/>
+              </a:defRPr>
+            </a:lvl1pPr>
+            <a:lvl2pPr marL="742950" indent="-285750">
+              <a:defRPr sz="3200">
+                <a:solidFill>
+                  <a:schemeClr val="tx1"/>
+                </a:solidFill>
+                <a:latin typeface="Arial" panose="020B0604020202020204" pitchFamily="34" charset="0"/>
+                <a:ea typeface="微软雅黑" panose="020B0503020204020204" pitchFamily="34" charset="-122"/>
+              </a:defRPr>
+            </a:lvl2pPr>
+            <a:lvl3pPr marL="1143000" indent="-228600">
+              <a:defRPr sz="3200">
+                <a:solidFill>
+                  <a:schemeClr val="tx1"/>
+                </a:solidFill>
+                <a:latin typeface="Arial" panose="020B0604020202020204" pitchFamily="34" charset="0"/>
+                <a:ea typeface="微软雅黑" panose="020B0503020204020204" pitchFamily="34" charset="-122"/>
+              </a:defRPr>
+            </a:lvl3pPr>
+            <a:lvl4pPr marL="1600200" indent="-228600">
+              <a:defRPr sz="3200">
+                <a:solidFill>
+                  <a:schemeClr val="tx1"/>
+                </a:solidFill>
+                <a:latin typeface="Arial" panose="020B0604020202020204" pitchFamily="34" charset="0"/>
+                <a:ea typeface="微软雅黑" panose="020B0503020204020204" pitchFamily="34" charset="-122"/>
+              </a:defRPr>
+            </a:lvl4pPr>
+            <a:lvl5pPr marL="2057400" indent="-228600">
+              <a:defRPr sz="3200">
+                <a:solidFill>
+                  <a:schemeClr val="tx1"/>
+                </a:solidFill>
+                <a:latin typeface="Arial" panose="020B0604020202020204" pitchFamily="34" charset="0"/>
+                <a:ea typeface="微软雅黑" panose="020B0503020204020204" pitchFamily="34" charset="-122"/>
+              </a:defRPr>
+            </a:lvl5pPr>
+            <a:lvl6pPr marL="2514600" indent="-228600" eaLnBrk="0" fontAlgn="base" hangingPunct="0">
+              <a:spcBef>
+                <a:spcPct val="0"/>
+              </a:spcBef>
+              <a:spcAft>
+                <a:spcPct val="0"/>
+              </a:spcAft>
+              <a:defRPr sz="3200">
+                <a:solidFill>
+                  <a:schemeClr val="tx1"/>
+                </a:solidFill>
+                <a:latin typeface="Arial" panose="020B0604020202020204" pitchFamily="34" charset="0"/>
+                <a:ea typeface="微软雅黑" panose="020B0503020204020204" pitchFamily="34" charset="-122"/>
+              </a:defRPr>
+            </a:lvl6pPr>
+            <a:lvl7pPr marL="2971800" indent="-228600" eaLnBrk="0" fontAlgn="base" hangingPunct="0">
+              <a:spcBef>
+                <a:spcPct val="0"/>
+              </a:spcBef>
+              <a:spcAft>
+                <a:spcPct val="0"/>
+              </a:spcAft>
+              <a:defRPr sz="3200">
+                <a:solidFill>
+                  <a:schemeClr val="tx1"/>
+                </a:solidFill>
+                <a:latin typeface="Arial" panose="020B0604020202020204" pitchFamily="34" charset="0"/>
+                <a:ea typeface="微软雅黑" panose="020B0503020204020204" pitchFamily="34" charset="-122"/>
+              </a:defRPr>
+            </a:lvl7pPr>
+            <a:lvl8pPr marL="3429000" indent="-228600" eaLnBrk="0" fontAlgn="base" hangingPunct="0">
+              <a:spcBef>
+                <a:spcPct val="0"/>
+              </a:spcBef>
+              <a:spcAft>
+                <a:spcPct val="0"/>
+              </a:spcAft>
+              <a:defRPr sz="3200">
+                <a:solidFill>
+                  <a:schemeClr val="tx1"/>
+                </a:solidFill>
+                <a:latin typeface="Arial" panose="020B0604020202020204" pitchFamily="34" charset="0"/>
+                <a:ea typeface="微软雅黑" panose="020B0503020204020204" pitchFamily="34" charset="-122"/>
+              </a:defRPr>
+            </a:lvl8pPr>
+            <a:lvl9pPr marL="3886200" indent="-228600" eaLnBrk="0" fontAlgn="base" hangingPunct="0">
+              <a:spcBef>
+                <a:spcPct val="0"/>
+              </a:spcBef>
+              <a:spcAft>
+                <a:spcPct val="0"/>
+              </a:spcAft>
+              <a:defRPr sz="3200">
+                <a:solidFill>
+                  <a:schemeClr val="tx1"/>
+                </a:solidFill>
+                <a:latin typeface="Arial" panose="020B0604020202020204" pitchFamily="34" charset="0"/>
+                <a:ea typeface="微软雅黑" panose="020B0503020204020204" pitchFamily="34" charset="-122"/>
+              </a:defRPr>
+            </a:lvl9pPr>
+          </a:lstStyle>
+          <a:p>
+            <a:pPr algn="l">
+              <a:lnSpc>
+                <a:spcPct val="150000"/>
+              </a:lnSpc>
+              <a:spcBef>
+                <a:spcPts val="1200"/>
+              </a:spcBef>
+              <a:spcAft>
+                <a:spcPts val="1200"/>
+              </a:spcAft>
+              <a:buClr>
+                <a:srgbClr val="92D050"/>
+              </a:buClr>
+              <a:buFont typeface="Wingdings" panose="05000000000000000000" pitchFamily="2" charset="2"/>
+              <a:buChar char="Ø"/>
+            </a:pPr>
+            <a:r>
+              <a:rPr lang="zh-CN" altLang="en-US" sz="2800" b="1">
+                <a:solidFill>
+                  <a:schemeClr val="tx1"/>
+                </a:solidFill>
+              </a:rPr>
+              <a:t>数组、对象的解构赋值</a:t>
+            </a:r>
+            <a:endParaRPr lang="zh-CN" altLang="en-US" sz="2800" b="1">
+              <a:solidFill>
+                <a:schemeClr val="tx1"/>
+              </a:solidFill>
+            </a:endParaRPr>
+          </a:p>
+          <a:p>
+            <a:pPr algn="l">
+              <a:lnSpc>
+                <a:spcPct val="150000"/>
+              </a:lnSpc>
+              <a:spcBef>
+                <a:spcPts val="1200"/>
+              </a:spcBef>
+              <a:spcAft>
+                <a:spcPts val="1200"/>
+              </a:spcAft>
+              <a:buClr>
+                <a:srgbClr val="92D050"/>
+              </a:buClr>
+              <a:buFont typeface="Wingdings" panose="05000000000000000000" pitchFamily="2" charset="2"/>
+              <a:buChar char="Ø"/>
+            </a:pPr>
+            <a:r>
+              <a:rPr lang="zh-CN" altLang="en-US" sz="2800" b="1">
+                <a:solidFill>
+                  <a:schemeClr val="accent3"/>
+                </a:solidFill>
+                <a:sym typeface="+mn-ea"/>
+              </a:rPr>
+              <a:t>字符串、数字的解构赋值</a:t>
+            </a:r>
+            <a:endParaRPr lang="zh-CN" altLang="en-US" sz="2800" b="1">
+              <a:solidFill>
+                <a:schemeClr val="accent3"/>
+              </a:solidFill>
+              <a:sym typeface="+mn-ea"/>
+            </a:endParaRPr>
+          </a:p>
+          <a:p>
+            <a:pPr algn="l">
+              <a:lnSpc>
+                <a:spcPct val="150000"/>
+              </a:lnSpc>
+              <a:spcBef>
+                <a:spcPts val="1200"/>
+              </a:spcBef>
+              <a:spcAft>
+                <a:spcPts val="1200"/>
+              </a:spcAft>
+              <a:buClr>
+                <a:srgbClr val="92D050"/>
+              </a:buClr>
+              <a:buFont typeface="Wingdings" panose="05000000000000000000" pitchFamily="2" charset="2"/>
+              <a:buChar char="Ø"/>
+            </a:pPr>
+            <a:r>
+              <a:rPr lang="zh-CN" altLang="en-US" sz="2800" b="1"/>
+              <a:t>函数参数的解构赋值</a:t>
+            </a:r>
+            <a:endParaRPr lang="zh-CN" altLang="en-US" sz="2800" b="1"/>
+          </a:p>
+          <a:p>
+            <a:pPr algn="l">
+              <a:lnSpc>
+                <a:spcPct val="150000"/>
+              </a:lnSpc>
+              <a:spcBef>
+                <a:spcPts val="1200"/>
+              </a:spcBef>
+              <a:spcAft>
+                <a:spcPts val="1200"/>
+              </a:spcAft>
+              <a:buClr>
+                <a:srgbClr val="92D050"/>
+              </a:buClr>
+              <a:buFont typeface="Wingdings" panose="05000000000000000000" pitchFamily="2" charset="2"/>
+              <a:buChar char="Ø"/>
+            </a:pPr>
+            <a:r>
+              <a:rPr lang="zh-CN" altLang="en-US" sz="2800" b="1">
+                <a:sym typeface="+mn-ea"/>
+              </a:rPr>
+              <a:t>解构赋值的常见应用及注意事项</a:t>
+            </a:r>
+            <a:endParaRPr lang="zh-CN" altLang="en-US" sz="2800" b="1"/>
+          </a:p>
+        </p:txBody>
+      </p:sp>
+      <p:sp>
+        <p:nvSpPr>
+          <p:cNvPr id="4" name="内容占位符 3"/>
+          <p:cNvSpPr txBox="1"/>
+          <p:nvPr/>
+        </p:nvSpPr>
+        <p:spPr>
+          <a:xfrm>
+            <a:off x="981657" y="236943"/>
+            <a:ext cx="8191557" cy="490476"/>
+          </a:xfrm>
+          <a:prstGeom prst="rect">
+            <a:avLst/>
+          </a:prstGeom>
+        </p:spPr>
+        <p:txBody>
+          <a:bodyPr/>
+          <a:lstStyle>
+            <a:lvl1pPr marL="167005" indent="-167005" algn="l" defTabSz="0" rtl="0" eaLnBrk="0" fontAlgn="base" hangingPunct="0">
+              <a:spcBef>
+                <a:spcPct val="0"/>
+              </a:spcBef>
+              <a:spcAft>
+                <a:spcPct val="15000"/>
+              </a:spcAft>
+              <a:buClr>
+                <a:schemeClr val="tx2"/>
+              </a:buClr>
+              <a:buFont typeface="Arial" panose="020B0604020202020204" pitchFamily="34" charset="0"/>
+              <a:buChar char="•"/>
+              <a:defRPr kumimoji="1" sz="1600">
+                <a:solidFill>
+                  <a:srgbClr val="006F53"/>
+                </a:solidFill>
+                <a:latin typeface="微软雅黑" panose="020B0503020204020204" pitchFamily="34" charset="-122"/>
+                <a:ea typeface="微软雅黑" panose="020B0503020204020204" pitchFamily="34" charset="-122"/>
+                <a:cs typeface="微软雅黑" panose="020B0503020204020204" pitchFamily="34" charset="-122"/>
+              </a:defRPr>
+            </a:lvl1pPr>
+            <a:lvl2pPr marL="398780" indent="-230505" algn="l" defTabSz="0" rtl="0" eaLnBrk="0" fontAlgn="base" hangingPunct="0">
+              <a:spcBef>
+                <a:spcPct val="0"/>
+              </a:spcBef>
+              <a:spcAft>
+                <a:spcPct val="15000"/>
+              </a:spcAft>
+              <a:buClr>
+                <a:schemeClr val="tx2"/>
+              </a:buClr>
+              <a:buFont typeface="Arial" panose="020B0604020202020204" pitchFamily="34" charset="0"/>
+              <a:buChar char="–"/>
+              <a:defRPr kumimoji="1" sz="2800">
+                <a:solidFill>
+                  <a:schemeClr val="bg2"/>
+                </a:solidFill>
+                <a:latin typeface="微软雅黑" panose="020B0503020204020204" pitchFamily="34" charset="-122"/>
+                <a:ea typeface="微软雅黑" panose="020B0503020204020204" pitchFamily="34" charset="-122"/>
+                <a:cs typeface="微软雅黑" panose="020B0503020204020204" pitchFamily="34" charset="-122"/>
+              </a:defRPr>
+            </a:lvl2pPr>
+            <a:lvl3pPr marL="400050" indent="182880" algn="l" defTabSz="0" rtl="0" eaLnBrk="0" fontAlgn="base" hangingPunct="0">
+              <a:spcBef>
+                <a:spcPct val="0"/>
+              </a:spcBef>
+              <a:spcAft>
+                <a:spcPct val="15000"/>
+              </a:spcAft>
+              <a:buClr>
+                <a:schemeClr val="tx2"/>
+              </a:buClr>
+              <a:buFont typeface="Arial" panose="020B0604020202020204" pitchFamily="34" charset="0"/>
+              <a:buChar char="•"/>
+              <a:defRPr kumimoji="1" sz="1600">
+                <a:solidFill>
+                  <a:schemeClr val="bg2"/>
+                </a:solidFill>
+                <a:latin typeface="微软雅黑" panose="020B0503020204020204" pitchFamily="34" charset="-122"/>
+                <a:ea typeface="微软雅黑" panose="020B0503020204020204" pitchFamily="34" charset="-122"/>
+                <a:cs typeface="微软雅黑" panose="020B0503020204020204" pitchFamily="34" charset="-122"/>
+              </a:defRPr>
+            </a:lvl3pPr>
+            <a:lvl4pPr marL="825500" indent="-241300" algn="l" defTabSz="0" rtl="0" eaLnBrk="0" fontAlgn="base" hangingPunct="0">
+              <a:spcBef>
+                <a:spcPct val="0"/>
+              </a:spcBef>
+              <a:spcAft>
+                <a:spcPct val="15000"/>
+              </a:spcAft>
+              <a:buClr>
+                <a:schemeClr val="tx2"/>
+              </a:buClr>
+              <a:buFont typeface="Arial" panose="020B0604020202020204" pitchFamily="34" charset="0"/>
+              <a:buChar char="–"/>
+              <a:defRPr kumimoji="1" sz="1600">
+                <a:solidFill>
+                  <a:schemeClr val="bg2"/>
+                </a:solidFill>
+                <a:latin typeface="微软雅黑" panose="020B0503020204020204" pitchFamily="34" charset="-122"/>
+                <a:ea typeface="微软雅黑" panose="020B0503020204020204" pitchFamily="34" charset="-122"/>
+                <a:cs typeface="微软雅黑" panose="020B0503020204020204" pitchFamily="34" charset="-122"/>
+              </a:defRPr>
+            </a:lvl4pPr>
+            <a:lvl5pPr marL="2057400" indent="-228600" algn="l" defTabSz="0" rtl="0" eaLnBrk="0" fontAlgn="base" hangingPunct="0">
+              <a:spcBef>
+                <a:spcPct val="0"/>
+              </a:spcBef>
+              <a:spcAft>
+                <a:spcPct val="25000"/>
+              </a:spcAft>
+              <a:buClr>
+                <a:schemeClr val="tx2"/>
+              </a:buClr>
+              <a:buFont typeface="Arial" panose="020B0604020202020204" pitchFamily="34" charset="0"/>
+              <a:buChar char="–"/>
+              <a:defRPr kumimoji="1" sz="2000">
+                <a:solidFill>
+                  <a:schemeClr val="tx1"/>
+                </a:solidFill>
+                <a:latin typeface="+mn-lt"/>
+                <a:ea typeface="微软雅黑" panose="020B0503020204020204" pitchFamily="34" charset="-122"/>
+                <a:cs typeface="微软雅黑" panose="020B0503020204020204" pitchFamily="34" charset="-122"/>
+              </a:defRPr>
+            </a:lvl5pPr>
+            <a:lvl6pPr marL="2514600" indent="-228600" algn="l" defTabSz="0" rtl="0" eaLnBrk="0" fontAlgn="base" hangingPunct="0">
+              <a:spcBef>
+                <a:spcPct val="0"/>
+              </a:spcBef>
+              <a:spcAft>
+                <a:spcPct val="25000"/>
+              </a:spcAft>
+              <a:buClr>
+                <a:schemeClr val="tx2"/>
+              </a:buClr>
+              <a:buFont typeface="Arial" panose="020B0604020202020204" pitchFamily="34" charset="0"/>
+              <a:buChar char="–"/>
+              <a:defRPr>
+                <a:solidFill>
+                  <a:schemeClr val="tx1"/>
+                </a:solidFill>
+                <a:latin typeface="+mn-lt"/>
+              </a:defRPr>
+            </a:lvl6pPr>
+            <a:lvl7pPr marL="2971800" indent="-228600" algn="l" defTabSz="0" rtl="0" eaLnBrk="0" fontAlgn="base" hangingPunct="0">
+              <a:spcBef>
+                <a:spcPct val="0"/>
+              </a:spcBef>
+              <a:spcAft>
+                <a:spcPct val="25000"/>
+              </a:spcAft>
+              <a:buClr>
+                <a:schemeClr val="tx2"/>
+              </a:buClr>
+              <a:buFont typeface="Arial" panose="020B0604020202020204" pitchFamily="34" charset="0"/>
+              <a:buChar char="–"/>
+              <a:defRPr>
+                <a:solidFill>
+                  <a:schemeClr val="tx1"/>
+                </a:solidFill>
+                <a:latin typeface="+mn-lt"/>
+              </a:defRPr>
+            </a:lvl7pPr>
+            <a:lvl8pPr marL="3429000" indent="-228600" algn="l" defTabSz="0" rtl="0" eaLnBrk="0" fontAlgn="base" hangingPunct="0">
+              <a:spcBef>
+                <a:spcPct val="0"/>
+              </a:spcBef>
+              <a:spcAft>
+                <a:spcPct val="25000"/>
+              </a:spcAft>
+              <a:buClr>
+                <a:schemeClr val="tx2"/>
+              </a:buClr>
+              <a:buFont typeface="Arial" panose="020B0604020202020204" pitchFamily="34" charset="0"/>
+              <a:buChar char="–"/>
+              <a:defRPr>
+                <a:solidFill>
+                  <a:schemeClr val="tx1"/>
+                </a:solidFill>
+                <a:latin typeface="+mn-lt"/>
+              </a:defRPr>
+            </a:lvl8pPr>
+            <a:lvl9pPr marL="3886200" indent="-228600" algn="l" defTabSz="0" rtl="0" eaLnBrk="0" fontAlgn="base" hangingPunct="0">
+              <a:spcBef>
+                <a:spcPct val="0"/>
+              </a:spcBef>
+              <a:spcAft>
+                <a:spcPct val="25000"/>
+              </a:spcAft>
+              <a:buClr>
+                <a:schemeClr val="tx2"/>
+              </a:buClr>
+              <a:buFont typeface="Arial" panose="020B0604020202020204" pitchFamily="34" charset="0"/>
+              <a:buChar char="–"/>
+              <a:defRPr>
+                <a:solidFill>
+                  <a:schemeClr val="tx1"/>
+                </a:solidFill>
+                <a:latin typeface="+mn-lt"/>
+              </a:defRPr>
+            </a:lvl9pPr>
+          </a:lstStyle>
+          <a:p>
+            <a:pPr marL="0" lvl="0" indent="0" defTabSz="914400">
+              <a:spcAft>
+                <a:spcPct val="0"/>
+              </a:spcAft>
+              <a:buClrTx/>
+              <a:buNone/>
+            </a:pPr>
+            <a:r>
+              <a:rPr kumimoji="0" lang="zh-CN" altLang="en-US" sz="3200" dirty="0" smtClean="0">
+                <a:solidFill>
+                  <a:srgbClr val="C00000"/>
+                </a:solidFill>
+                <a:cs typeface="+mn-cs"/>
+                <a:sym typeface="+mn-ea"/>
+              </a:rPr>
+              <a:t>内容提纲</a:t>
+            </a:r>
+            <a:endParaRPr kumimoji="0" lang="zh-CN" altLang="en-US" sz="3200" dirty="0" smtClean="0">
+              <a:solidFill>
+                <a:srgbClr val="C00000"/>
+              </a:solidFill>
+              <a:cs typeface="+mn-cs"/>
+              <a:sym typeface="+mn-ea"/>
+            </a:endParaRPr>
+          </a:p>
+          <a:p>
+            <a:pPr marL="0" lvl="0" indent="0" defTabSz="914400">
+              <a:spcAft>
+                <a:spcPct val="0"/>
+              </a:spcAft>
+              <a:buClrTx/>
+              <a:buNone/>
+            </a:pPr>
+            <a:endParaRPr kumimoji="0" lang="en-US" altLang="zh-CN" sz="3200" dirty="0" smtClean="0">
+              <a:solidFill>
+                <a:srgbClr val="C00000"/>
+              </a:solidFill>
+              <a:cs typeface="+mn-cs"/>
+            </a:endParaRPr>
+          </a:p>
+          <a:p>
+            <a:endParaRPr lang="zh-CN" altLang="en-US" kern="0" dirty="0" smtClean="0"/>
+          </a:p>
+          <a:p>
+            <a:endParaRPr lang="zh-CN" altLang="en-US" kern="0" dirty="0"/>
+          </a:p>
+        </p:txBody>
+      </p:sp>
+    </p:spTree>
+  </p:cSld>
+  <p:clrMapOvr>
+    <a:masterClrMapping/>
+  </p:clrMapOvr>
+  <p:timing>
+    <p:tnLst>
+      <p:par>
+        <p:cTn id="1" dur="indefinite" restart="never" nodeType="tmRoot"/>
+      </p:par>
+    </p:tnLst>
+  </p:timing>
+</p:sld>
+</file>
+
+<file path=ppt/slides/slide22.xml><?xml version="1.0" encoding="utf-8"?>
+<p:sld xmlns:a="http://schemas.openxmlformats.org/drawingml/2006/main" xmlns:r="http://schemas.openxmlformats.org/officeDocument/2006/relationships" xmlns:p="http://schemas.openxmlformats.org/presentationml/2006/main">
+  <p:cSld>
+    <p:spTree>
+      <p:nvGrpSpPr>
+        <p:cNvPr id="1" name=""/>
+        <p:cNvGrpSpPr/>
+        <p:nvPr/>
+      </p:nvGrpSpPr>
+      <p:grpSpPr>
+        <a:xfrm>
+          <a:off x="0" y="0"/>
+          <a:ext cx="0" cy="0"/>
+          <a:chOff x="0" y="0"/>
+          <a:chExt cx="0" cy="0"/>
+        </a:xfrm>
+      </p:grpSpPr>
+      <p:sp>
+        <p:nvSpPr>
+          <p:cNvPr id="11266" name="内容占位符 1"/>
+          <p:cNvSpPr>
+            <a:spLocks noGrp="1"/>
+          </p:cNvSpPr>
+          <p:nvPr>
+            <p:ph sz="quarter" idx="10"/>
+          </p:nvPr>
+        </p:nvSpPr>
+        <p:spPr bwMode="auto">
+          <a:xfrm>
+            <a:off x="947420" y="796925"/>
+            <a:ext cx="10697210" cy="5115560"/>
+          </a:xfrm>
+          <a:noFill/>
+          <a:extLst>
+            <a:ext uri="{909E8E84-426E-40DD-AFC4-6F175D3DCCD1}">
+              <a14:hiddenFill xmlns:a14="http://schemas.microsoft.com/office/drawing/2010/main">
+                <a:solidFill>
+                  <a:srgbClr val="FFFFFF"/>
+                </a:solidFill>
+              </a14:hiddenFill>
+            </a:ext>
+            <a:ext uri="{91240B29-F687-4F45-9708-019B960494DF}">
+              <a14:hiddenLine xmlns:a14="http://schemas.microsoft.com/office/drawing/2010/main" w="9525">
+                <a:solidFill>
+                  <a:srgbClr val="000000"/>
+                </a:solidFill>
+                <a:miter lim="800000"/>
+                <a:headEnd/>
+                <a:tailEnd/>
+              </a14:hiddenLine>
+            </a:ext>
+          </a:extLst>
+        </p:spPr>
+        <p:txBody>
+          <a:bodyPr vert="horz" wrap="square" lIns="91440" tIns="45720" rIns="91440" bIns="45720" numCol="1" anchor="t" anchorCtr="0" compatLnSpc="1"/>
+          <a:lstStyle/>
+          <a:p>
+            <a:pPr>
+              <a:lnSpc>
+                <a:spcPct val="130000"/>
+              </a:lnSpc>
+            </a:pPr>
+            <a:r>
+              <a:rPr kumimoji="0" lang="zh-CN" sz="3200" dirty="0" smtClean="0">
+                <a:solidFill>
+                  <a:schemeClr val="tx1"/>
+                </a:solidFill>
+                <a:sym typeface="+mn-ea"/>
+              </a:rPr>
+              <a:t>字符串的解构赋值</a:t>
+            </a:r>
+            <a:endParaRPr kumimoji="0" lang="zh-CN" sz="3200" dirty="0" smtClean="0">
+              <a:solidFill>
+                <a:schemeClr val="tx1"/>
+              </a:solidFill>
+              <a:sym typeface="+mn-ea"/>
+            </a:endParaRPr>
+          </a:p>
+          <a:p>
+            <a:pPr>
+              <a:lnSpc>
+                <a:spcPct val="130000"/>
+              </a:lnSpc>
+            </a:pPr>
+            <a:endParaRPr kumimoji="0" lang="zh-CN" sz="2400" dirty="0" smtClean="0">
+              <a:solidFill>
+                <a:schemeClr val="tx1"/>
+              </a:solidFill>
+              <a:sym typeface="+mn-ea"/>
+            </a:endParaRPr>
+          </a:p>
+          <a:p>
+            <a:pPr>
+              <a:lnSpc>
+                <a:spcPct val="130000"/>
+              </a:lnSpc>
+            </a:pPr>
+            <a:endParaRPr kumimoji="0" lang="zh-CN" sz="2400" dirty="0" smtClean="0">
+              <a:solidFill>
+                <a:schemeClr val="tx1"/>
+              </a:solidFill>
+              <a:sym typeface="+mn-ea"/>
+            </a:endParaRPr>
+          </a:p>
+          <a:p>
+            <a:pPr>
+              <a:lnSpc>
+                <a:spcPct val="130000"/>
+              </a:lnSpc>
+            </a:pPr>
+            <a:endParaRPr kumimoji="0" lang="zh-CN" sz="3200" dirty="0" smtClean="0">
+              <a:solidFill>
+                <a:schemeClr val="tx1"/>
+              </a:solidFill>
+              <a:sym typeface="+mn-ea"/>
+            </a:endParaRPr>
+          </a:p>
+          <a:p>
+            <a:pPr>
+              <a:lnSpc>
+                <a:spcPct val="130000"/>
+              </a:lnSpc>
+            </a:pPr>
+            <a:r>
+              <a:rPr kumimoji="0" lang="zh-CN" sz="3200" dirty="0" smtClean="0">
+                <a:solidFill>
+                  <a:schemeClr val="tx1"/>
+                </a:solidFill>
+                <a:sym typeface="+mn-ea"/>
+              </a:rPr>
+              <a:t>字符串的解构赋值</a:t>
+            </a:r>
+            <a:endParaRPr kumimoji="0" lang="zh-CN" sz="3200" dirty="0" smtClean="0">
+              <a:solidFill>
+                <a:schemeClr val="tx1"/>
+              </a:solidFill>
+              <a:sym typeface="+mn-ea"/>
+            </a:endParaRPr>
+          </a:p>
+          <a:p>
+            <a:pPr marL="0" indent="0">
+              <a:lnSpc>
+                <a:spcPct val="130000"/>
+              </a:lnSpc>
+              <a:buNone/>
+            </a:pPr>
+            <a:endParaRPr kumimoji="0" sz="3200" dirty="0" smtClean="0">
+              <a:solidFill>
+                <a:schemeClr val="tx1"/>
+              </a:solidFill>
+              <a:sym typeface="+mn-ea"/>
+            </a:endParaRPr>
+          </a:p>
+          <a:p>
+            <a:pPr marL="0" indent="0">
+              <a:lnSpc>
+                <a:spcPct val="130000"/>
+              </a:lnSpc>
+              <a:buNone/>
+            </a:pPr>
+            <a:endParaRPr kumimoji="0" lang="zh-CN" altLang="en-US" sz="3200" dirty="0" smtClean="0">
+              <a:solidFill>
+                <a:schemeClr val="tx1"/>
+              </a:solidFill>
+              <a:sym typeface="+mn-ea"/>
+            </a:endParaRPr>
+          </a:p>
+          <a:p>
+            <a:pPr>
+              <a:lnSpc>
+                <a:spcPct val="130000"/>
+              </a:lnSpc>
+            </a:pPr>
+            <a:endParaRPr kumimoji="0" lang="zh-CN" altLang="en-US" sz="3200" dirty="0" smtClean="0">
+              <a:solidFill>
+                <a:schemeClr val="tx1"/>
+              </a:solidFill>
+              <a:sym typeface="+mn-ea"/>
+            </a:endParaRPr>
+          </a:p>
+          <a:p>
+            <a:pPr>
+              <a:lnSpc>
+                <a:spcPct val="130000"/>
+              </a:lnSpc>
+            </a:pPr>
+            <a:endParaRPr kumimoji="0" lang="zh-CN" altLang="en-US" sz="3200" dirty="0" smtClean="0">
+              <a:solidFill>
+                <a:schemeClr val="tx1"/>
+              </a:solidFill>
+            </a:endParaRPr>
+          </a:p>
+          <a:p>
+            <a:pPr eaLnBrk="1" hangingPunct="1">
+              <a:lnSpc>
+                <a:spcPct val="150000"/>
+              </a:lnSpc>
+            </a:pPr>
+            <a:endParaRPr kumimoji="0" lang="en-US" altLang="zh-CN" sz="3600" dirty="0" smtClean="0">
+              <a:solidFill>
+                <a:schemeClr val="tx1"/>
+              </a:solidFill>
+            </a:endParaRPr>
+          </a:p>
+          <a:p>
+            <a:pPr eaLnBrk="1" hangingPunct="1">
+              <a:lnSpc>
+                <a:spcPct val="150000"/>
+              </a:lnSpc>
+            </a:pPr>
+            <a:endParaRPr kumimoji="0" lang="zh-CN" altLang="en-US" dirty="0" smtClean="0">
+              <a:solidFill>
+                <a:schemeClr val="tx1"/>
+              </a:solidFill>
+            </a:endParaRPr>
+          </a:p>
+        </p:txBody>
+      </p:sp>
+      <p:sp>
+        <p:nvSpPr>
+          <p:cNvPr id="2" name="内容占位符 1"/>
+          <p:cNvSpPr>
+            <a:spLocks noGrp="1"/>
+          </p:cNvSpPr>
+          <p:nvPr>
+            <p:ph sz="quarter" idx="11"/>
+          </p:nvPr>
+        </p:nvSpPr>
+        <p:spPr>
+          <a:xfrm>
+            <a:off x="947420" y="308610"/>
+            <a:ext cx="10057130" cy="490220"/>
+          </a:xfrm>
+        </p:spPr>
+        <p:txBody>
+          <a:bodyPr/>
+          <a:lstStyle/>
+          <a:p>
+            <a:r>
+              <a:rPr kumimoji="0" lang="zh-CN" dirty="0"/>
+              <a:t>字符串、数字的解构赋值</a:t>
+            </a:r>
+            <a:endParaRPr kumimoji="0" lang="zh-CN" dirty="0"/>
+          </a:p>
+        </p:txBody>
+      </p:sp>
+      <p:sp>
+        <p:nvSpPr>
+          <p:cNvPr id="6" name="文本框 5"/>
+          <p:cNvSpPr txBox="1"/>
+          <p:nvPr/>
+        </p:nvSpPr>
+        <p:spPr>
+          <a:xfrm>
+            <a:off x="5174615" y="6065520"/>
+            <a:ext cx="6735445" cy="429895"/>
+          </a:xfrm>
+          <a:prstGeom prst="rect">
+            <a:avLst/>
+          </a:prstGeom>
+          <a:noFill/>
+        </p:spPr>
+        <p:txBody>
+          <a:bodyPr wrap="square" rtlCol="0">
+            <a:spAutoFit/>
+          </a:bodyPr>
+          <a:p>
+            <a:pPr algn="l"/>
+            <a:r>
+              <a:rPr lang="zh-CN" altLang="en-US" sz="2200">
+                <a:solidFill>
+                  <a:schemeClr val="accent3"/>
+                </a:solidFill>
+                <a:latin typeface="+mn-ea"/>
+                <a:ea typeface="+mn-ea"/>
+              </a:rPr>
+              <a:t>参见实例</a:t>
+            </a:r>
+            <a:r>
+              <a:rPr lang="en-US" altLang="zh-CN" sz="2200">
+                <a:solidFill>
+                  <a:schemeClr val="accent3"/>
+                </a:solidFill>
+                <a:latin typeface="+mn-ea"/>
+                <a:ea typeface="+mn-ea"/>
+              </a:rPr>
+              <a:t>demo11 </a:t>
+            </a:r>
+            <a:r>
+              <a:rPr lang="zh-CN" sz="2200" dirty="0">
+                <a:solidFill>
+                  <a:schemeClr val="accent3"/>
+                </a:solidFill>
+                <a:sym typeface="+mn-ea"/>
+              </a:rPr>
+              <a:t>字符串、数字的解构赋值</a:t>
+            </a:r>
+            <a:endParaRPr lang="zh-CN" sz="2200" dirty="0" smtClean="0">
+              <a:solidFill>
+                <a:schemeClr val="accent3"/>
+              </a:solidFill>
+              <a:latin typeface="+mn-ea"/>
+              <a:ea typeface="+mn-ea"/>
+              <a:sym typeface="+mn-ea"/>
+            </a:endParaRPr>
+          </a:p>
+        </p:txBody>
+      </p:sp>
+      <p:pic>
+        <p:nvPicPr>
+          <p:cNvPr id="4" name="图片 3"/>
+          <p:cNvPicPr>
+            <a:picLocks noChangeAspect="1"/>
+          </p:cNvPicPr>
+          <p:nvPr/>
+        </p:nvPicPr>
+        <p:blipFill>
+          <a:blip r:embed="rId1"/>
+          <a:stretch>
+            <a:fillRect/>
+          </a:stretch>
+        </p:blipFill>
+        <p:spPr>
+          <a:xfrm>
+            <a:off x="1149985" y="1432560"/>
+            <a:ext cx="5151755" cy="2006600"/>
+          </a:xfrm>
+          <a:prstGeom prst="rect">
+            <a:avLst/>
+          </a:prstGeom>
+        </p:spPr>
+      </p:pic>
+      <p:pic>
+        <p:nvPicPr>
+          <p:cNvPr id="5" name="图片 4"/>
+          <p:cNvPicPr>
+            <a:picLocks noChangeAspect="1"/>
+          </p:cNvPicPr>
+          <p:nvPr/>
+        </p:nvPicPr>
+        <p:blipFill>
+          <a:blip r:embed="rId2"/>
+          <a:stretch>
+            <a:fillRect/>
+          </a:stretch>
+        </p:blipFill>
+        <p:spPr>
+          <a:xfrm>
+            <a:off x="1149985" y="4137660"/>
+            <a:ext cx="6288405" cy="1774825"/>
+          </a:xfrm>
+          <a:prstGeom prst="rect">
+            <a:avLst/>
+          </a:prstGeom>
+        </p:spPr>
+      </p:pic>
+    </p:spTree>
+  </p:cSld>
+  <p:clrMapOvr>
+    <a:masterClrMapping/>
+  </p:clrMapOvr>
+  <p:timing>
+    <p:tnLst>
+      <p:par>
+        <p:cTn id="1" dur="indefinite" restart="never" nodeType="tmRoot">
+          <p:childTnLst>
+            <p:seq concurrent="1" nextAc="seek">
+              <p:cTn id="2" dur="indefinite" nodeType="mainSeq">
+                <p:childTnLst>
+                  <p:par>
+                    <p:cTn id="3" fill="hold">
+                      <p:stCondLst>
+                        <p:cond delay="indefinite"/>
+                        <p:cond evt="onBegin" delay="0">
+                          <p:tn val="2"/>
+                        </p:cond>
+                      </p:stCondLst>
+                      <p:childTnLst>
+                        <p:par>
+                          <p:cTn id="4" fill="hold">
+                            <p:stCondLst>
+                              <p:cond delay="0"/>
+                            </p:stCondLst>
+                            <p:childTnLst>
+                              <p:par>
+                                <p:cTn id="5" presetID="2" presetClass="entr" presetSubtype="4" fill="hold" grpId="0" nodeType="afterEffect">
+                                  <p:stCondLst>
+                                    <p:cond delay="0"/>
+                                  </p:stCondLst>
+                                  <p:childTnLst>
+                                    <p:set>
+                                      <p:cBhvr>
+                                        <p:cTn id="6" dur="1" fill="hold">
+                                          <p:stCondLst>
+                                            <p:cond delay="0"/>
+                                          </p:stCondLst>
+                                        </p:cTn>
+                                        <p:tgtEl>
+                                          <p:spTgt spid="6"/>
+                                        </p:tgtEl>
+                                        <p:attrNameLst>
+                                          <p:attrName>style.visibility</p:attrName>
+                                        </p:attrNameLst>
+                                      </p:cBhvr>
+                                      <p:to>
+                                        <p:strVal val="visible"/>
+                                      </p:to>
+                                    </p:set>
+                                    <p:anim calcmode="lin" valueType="num">
+                                      <p:cBhvr additive="base">
+                                        <p:cTn id="7" dur="500" fill="hold"/>
+                                        <p:tgtEl>
+                                          <p:spTgt spid="6"/>
+                                        </p:tgtEl>
+                                        <p:attrNameLst>
+                                          <p:attrName>ppt_x</p:attrName>
+                                        </p:attrNameLst>
+                                      </p:cBhvr>
+                                      <p:tavLst>
+                                        <p:tav tm="0">
+                                          <p:val>
+                                            <p:strVal val="#ppt_x"/>
+                                          </p:val>
+                                        </p:tav>
+                                        <p:tav tm="100000">
+                                          <p:val>
+                                            <p:strVal val="#ppt_x"/>
+                                          </p:val>
+                                        </p:tav>
+                                      </p:tavLst>
+                                    </p:anim>
+                                    <p:anim calcmode="lin" valueType="num">
+                                      <p:cBhvr additive="base">
+                                        <p:cTn id="8" dur="500" fill="hold"/>
+                                        <p:tgtEl>
+                                          <p:spTgt spid="6"/>
+                                        </p:tgtEl>
+                                        <p:attrNameLst>
+                                          <p:attrName>ppt_y</p:attrName>
+                                        </p:attrNameLst>
+                                      </p:cBhvr>
+                                      <p:tavLst>
+                                        <p:tav tm="0">
+                                          <p:val>
+                                            <p:strVal val="1+#ppt_h/2"/>
+                                          </p:val>
+                                        </p:tav>
+                                        <p:tav tm="100000">
+                                          <p:val>
+                                            <p:strVal val="#ppt_y"/>
+                                          </p:val>
+                                        </p:tav>
+                                      </p:tavLst>
+                                    </p:anim>
+                                  </p:childTnLst>
+                                </p:cTn>
+                              </p:par>
+                            </p:childTnLst>
+                          </p:cTn>
+                        </p:par>
+                      </p:childTnLst>
+                    </p:cTn>
+                  </p:par>
+                </p:childTnLst>
+              </p:cTn>
+              <p:prevCondLst>
+                <p:cond evt="onPrev" delay="0">
+                  <p:tgtEl>
+                    <p:sldTgt/>
+                  </p:tgtEl>
+                </p:cond>
+              </p:prevCondLst>
+              <p:nextCondLst>
+                <p:cond evt="onNext" delay="0">
+                  <p:tgtEl>
+                    <p:sldTgt/>
+                  </p:tgtEl>
+                </p:cond>
+              </p:nextCondLst>
+            </p:seq>
+          </p:childTnLst>
+        </p:cTn>
+      </p:par>
+    </p:tnLst>
+    <p:bldLst>
+      <p:bldP spid="6" grpId="0"/>
+    </p:bldLst>
+  </p:timing>
+</p:sld>
+</file>
+
+<file path=ppt/slides/slide23.xml><?xml version="1.0" encoding="utf-8"?>
+<p:sld xmlns:a="http://schemas.openxmlformats.org/drawingml/2006/main" xmlns:r="http://schemas.openxmlformats.org/officeDocument/2006/relationships" xmlns:p="http://schemas.openxmlformats.org/presentationml/2006/main">
+  <p:cSld>
+    <p:spTree>
+      <p:nvGrpSpPr>
+        <p:cNvPr id="1" name=""/>
+        <p:cNvGrpSpPr/>
+        <p:nvPr/>
+      </p:nvGrpSpPr>
+      <p:grpSpPr>
+        <a:xfrm>
+          <a:off x="0" y="0"/>
+          <a:ext cx="0" cy="0"/>
+          <a:chOff x="0" y="0"/>
+          <a:chExt cx="0" cy="0"/>
+        </a:xfrm>
+      </p:grpSpPr>
+      <p:sp>
+        <p:nvSpPr>
+          <p:cNvPr id="5123" name="AutoShape 6"/>
+          <p:cNvSpPr>
+            <a:spLocks noChangeArrowheads="1"/>
+          </p:cNvSpPr>
+          <p:nvPr/>
+        </p:nvSpPr>
+        <p:spPr bwMode="auto">
+          <a:xfrm>
+            <a:off x="2566988" y="1339851"/>
+            <a:ext cx="6711950" cy="4214813"/>
+          </a:xfrm>
+          <a:prstGeom prst="roundRect">
+            <a:avLst>
+              <a:gd name="adj" fmla="val 16667"/>
+            </a:avLst>
+          </a:prstGeom>
+          <a:noFill/>
+          <a:ln w="28575">
+            <a:solidFill>
+              <a:srgbClr val="C0C0C0"/>
+            </a:solidFill>
+            <a:prstDash val="sysDot"/>
+            <a:round/>
+          </a:ln>
+          <a:extLst>
+            <a:ext uri="{909E8E84-426E-40DD-AFC4-6F175D3DCCD1}">
+              <a14:hiddenFill xmlns:a14="http://schemas.microsoft.com/office/drawing/2010/main">
+                <a:solidFill>
+                  <a:srgbClr val="FFFFFF"/>
+                </a:solidFill>
+              </a14:hiddenFill>
+            </a:ext>
+          </a:extLst>
+        </p:spPr>
+        <p:txBody>
+          <a:bodyPr wrap="none" anchor="ctr"/>
+          <a:lstStyle>
+            <a:lvl1pPr marL="457200" indent="-457200">
+              <a:defRPr sz="3200">
+                <a:solidFill>
+                  <a:schemeClr val="tx1"/>
+                </a:solidFill>
+                <a:latin typeface="Arial" panose="020B0604020202020204" pitchFamily="34" charset="0"/>
+                <a:ea typeface="微软雅黑" panose="020B0503020204020204" pitchFamily="34" charset="-122"/>
+              </a:defRPr>
+            </a:lvl1pPr>
+            <a:lvl2pPr marL="742950" indent="-285750">
+              <a:defRPr sz="3200">
+                <a:solidFill>
+                  <a:schemeClr val="tx1"/>
+                </a:solidFill>
+                <a:latin typeface="Arial" panose="020B0604020202020204" pitchFamily="34" charset="0"/>
+                <a:ea typeface="微软雅黑" panose="020B0503020204020204" pitchFamily="34" charset="-122"/>
+              </a:defRPr>
+            </a:lvl2pPr>
+            <a:lvl3pPr marL="1143000" indent="-228600">
+              <a:defRPr sz="3200">
+                <a:solidFill>
+                  <a:schemeClr val="tx1"/>
+                </a:solidFill>
+                <a:latin typeface="Arial" panose="020B0604020202020204" pitchFamily="34" charset="0"/>
+                <a:ea typeface="微软雅黑" panose="020B0503020204020204" pitchFamily="34" charset="-122"/>
+              </a:defRPr>
+            </a:lvl3pPr>
+            <a:lvl4pPr marL="1600200" indent="-228600">
+              <a:defRPr sz="3200">
+                <a:solidFill>
+                  <a:schemeClr val="tx1"/>
+                </a:solidFill>
+                <a:latin typeface="Arial" panose="020B0604020202020204" pitchFamily="34" charset="0"/>
+                <a:ea typeface="微软雅黑" panose="020B0503020204020204" pitchFamily="34" charset="-122"/>
+              </a:defRPr>
+            </a:lvl4pPr>
+            <a:lvl5pPr marL="2057400" indent="-228600">
+              <a:defRPr sz="3200">
+                <a:solidFill>
+                  <a:schemeClr val="tx1"/>
+                </a:solidFill>
+                <a:latin typeface="Arial" panose="020B0604020202020204" pitchFamily="34" charset="0"/>
+                <a:ea typeface="微软雅黑" panose="020B0503020204020204" pitchFamily="34" charset="-122"/>
+              </a:defRPr>
+            </a:lvl5pPr>
+            <a:lvl6pPr marL="2514600" indent="-228600" eaLnBrk="0" fontAlgn="base" hangingPunct="0">
+              <a:spcBef>
+                <a:spcPct val="0"/>
+              </a:spcBef>
+              <a:spcAft>
+                <a:spcPct val="0"/>
+              </a:spcAft>
+              <a:defRPr sz="3200">
+                <a:solidFill>
+                  <a:schemeClr val="tx1"/>
+                </a:solidFill>
+                <a:latin typeface="Arial" panose="020B0604020202020204" pitchFamily="34" charset="0"/>
+                <a:ea typeface="微软雅黑" panose="020B0503020204020204" pitchFamily="34" charset="-122"/>
+              </a:defRPr>
+            </a:lvl6pPr>
+            <a:lvl7pPr marL="2971800" indent="-228600" eaLnBrk="0" fontAlgn="base" hangingPunct="0">
+              <a:spcBef>
+                <a:spcPct val="0"/>
+              </a:spcBef>
+              <a:spcAft>
+                <a:spcPct val="0"/>
+              </a:spcAft>
+              <a:defRPr sz="3200">
+                <a:solidFill>
+                  <a:schemeClr val="tx1"/>
+                </a:solidFill>
+                <a:latin typeface="Arial" panose="020B0604020202020204" pitchFamily="34" charset="0"/>
+                <a:ea typeface="微软雅黑" panose="020B0503020204020204" pitchFamily="34" charset="-122"/>
+              </a:defRPr>
+            </a:lvl7pPr>
+            <a:lvl8pPr marL="3429000" indent="-228600" eaLnBrk="0" fontAlgn="base" hangingPunct="0">
+              <a:spcBef>
+                <a:spcPct val="0"/>
+              </a:spcBef>
+              <a:spcAft>
+                <a:spcPct val="0"/>
+              </a:spcAft>
+              <a:defRPr sz="3200">
+                <a:solidFill>
+                  <a:schemeClr val="tx1"/>
+                </a:solidFill>
+                <a:latin typeface="Arial" panose="020B0604020202020204" pitchFamily="34" charset="0"/>
+                <a:ea typeface="微软雅黑" panose="020B0503020204020204" pitchFamily="34" charset="-122"/>
+              </a:defRPr>
+            </a:lvl8pPr>
+            <a:lvl9pPr marL="3886200" indent="-228600" eaLnBrk="0" fontAlgn="base" hangingPunct="0">
+              <a:spcBef>
+                <a:spcPct val="0"/>
+              </a:spcBef>
+              <a:spcAft>
+                <a:spcPct val="0"/>
+              </a:spcAft>
+              <a:defRPr sz="3200">
+                <a:solidFill>
+                  <a:schemeClr val="tx1"/>
+                </a:solidFill>
+                <a:latin typeface="Arial" panose="020B0604020202020204" pitchFamily="34" charset="0"/>
+                <a:ea typeface="微软雅黑" panose="020B0503020204020204" pitchFamily="34" charset="-122"/>
+              </a:defRPr>
+            </a:lvl9pPr>
+          </a:lstStyle>
+          <a:p>
+            <a:pPr algn="l">
+              <a:lnSpc>
+                <a:spcPct val="150000"/>
+              </a:lnSpc>
+              <a:spcBef>
+                <a:spcPts val="1200"/>
+              </a:spcBef>
+              <a:spcAft>
+                <a:spcPts val="1200"/>
+              </a:spcAft>
+              <a:buClr>
+                <a:srgbClr val="92D050"/>
+              </a:buClr>
+              <a:buFont typeface="Wingdings" panose="05000000000000000000" pitchFamily="2" charset="2"/>
+              <a:buChar char="Ø"/>
+            </a:pPr>
+            <a:r>
+              <a:rPr lang="zh-CN" altLang="en-US" sz="2800" b="1">
+                <a:solidFill>
+                  <a:schemeClr val="tx1"/>
+                </a:solidFill>
+              </a:rPr>
+              <a:t>数组、对象的解构赋值</a:t>
+            </a:r>
+            <a:endParaRPr lang="zh-CN" altLang="en-US" sz="2800" b="1">
+              <a:solidFill>
+                <a:schemeClr val="tx1"/>
+              </a:solidFill>
+            </a:endParaRPr>
+          </a:p>
+          <a:p>
+            <a:pPr algn="l">
+              <a:lnSpc>
+                <a:spcPct val="150000"/>
+              </a:lnSpc>
+              <a:spcBef>
+                <a:spcPts val="1200"/>
+              </a:spcBef>
+              <a:spcAft>
+                <a:spcPts val="1200"/>
+              </a:spcAft>
+              <a:buClr>
+                <a:srgbClr val="92D050"/>
+              </a:buClr>
+              <a:buFont typeface="Wingdings" panose="05000000000000000000" pitchFamily="2" charset="2"/>
+              <a:buChar char="Ø"/>
+            </a:pPr>
+            <a:r>
+              <a:rPr lang="zh-CN" altLang="en-US" sz="2800" b="1">
+                <a:solidFill>
+                  <a:schemeClr val="tx1"/>
+                </a:solidFill>
+                <a:sym typeface="+mn-ea"/>
+              </a:rPr>
+              <a:t>字符串、数字的解构赋值</a:t>
+            </a:r>
+            <a:endParaRPr lang="zh-CN" altLang="en-US" sz="2800" b="1">
+              <a:solidFill>
+                <a:schemeClr val="tx1"/>
+              </a:solidFill>
+              <a:sym typeface="+mn-ea"/>
+            </a:endParaRPr>
+          </a:p>
+          <a:p>
+            <a:pPr algn="l">
+              <a:lnSpc>
+                <a:spcPct val="150000"/>
+              </a:lnSpc>
+              <a:spcBef>
+                <a:spcPts val="1200"/>
+              </a:spcBef>
+              <a:spcAft>
+                <a:spcPts val="1200"/>
+              </a:spcAft>
+              <a:buClr>
+                <a:srgbClr val="92D050"/>
+              </a:buClr>
+              <a:buFont typeface="Wingdings" panose="05000000000000000000" pitchFamily="2" charset="2"/>
+              <a:buChar char="Ø"/>
+            </a:pPr>
+            <a:r>
+              <a:rPr lang="zh-CN" altLang="en-US" sz="2800" b="1">
+                <a:solidFill>
+                  <a:schemeClr val="accent3"/>
+                </a:solidFill>
+              </a:rPr>
+              <a:t>函数参数的解构赋值</a:t>
+            </a:r>
+            <a:endParaRPr lang="zh-CN" altLang="en-US" sz="2800" b="1">
+              <a:solidFill>
+                <a:schemeClr val="accent3"/>
+              </a:solidFill>
+            </a:endParaRPr>
+          </a:p>
+          <a:p>
+            <a:pPr algn="l">
+              <a:lnSpc>
+                <a:spcPct val="150000"/>
+              </a:lnSpc>
+              <a:spcBef>
+                <a:spcPts val="1200"/>
+              </a:spcBef>
+              <a:spcAft>
+                <a:spcPts val="1200"/>
+              </a:spcAft>
+              <a:buClr>
+                <a:srgbClr val="92D050"/>
+              </a:buClr>
+              <a:buFont typeface="Wingdings" panose="05000000000000000000" pitchFamily="2" charset="2"/>
+              <a:buChar char="Ø"/>
+            </a:pPr>
+            <a:r>
+              <a:rPr lang="zh-CN" altLang="en-US" sz="2800" b="1">
+                <a:sym typeface="+mn-ea"/>
+              </a:rPr>
+              <a:t>解构赋值的常见应用及注意事项</a:t>
+            </a:r>
+            <a:endParaRPr lang="zh-CN" altLang="en-US" sz="2800" b="1"/>
+          </a:p>
+        </p:txBody>
+      </p:sp>
+      <p:sp>
+        <p:nvSpPr>
+          <p:cNvPr id="4" name="内容占位符 3"/>
+          <p:cNvSpPr txBox="1"/>
+          <p:nvPr/>
+        </p:nvSpPr>
+        <p:spPr>
+          <a:xfrm>
+            <a:off x="981657" y="236943"/>
+            <a:ext cx="8191557" cy="490476"/>
+          </a:xfrm>
+          <a:prstGeom prst="rect">
+            <a:avLst/>
+          </a:prstGeom>
+        </p:spPr>
+        <p:txBody>
+          <a:bodyPr/>
+          <a:lstStyle>
+            <a:lvl1pPr marL="167005" indent="-167005" algn="l" defTabSz="0" rtl="0" eaLnBrk="0" fontAlgn="base" hangingPunct="0">
+              <a:spcBef>
+                <a:spcPct val="0"/>
+              </a:spcBef>
+              <a:spcAft>
+                <a:spcPct val="15000"/>
+              </a:spcAft>
+              <a:buClr>
+                <a:schemeClr val="tx2"/>
+              </a:buClr>
+              <a:buFont typeface="Arial" panose="020B0604020202020204" pitchFamily="34" charset="0"/>
+              <a:buChar char="•"/>
+              <a:defRPr kumimoji="1" sz="1600">
+                <a:solidFill>
+                  <a:srgbClr val="006F53"/>
+                </a:solidFill>
+                <a:latin typeface="微软雅黑" panose="020B0503020204020204" pitchFamily="34" charset="-122"/>
+                <a:ea typeface="微软雅黑" panose="020B0503020204020204" pitchFamily="34" charset="-122"/>
+                <a:cs typeface="微软雅黑" panose="020B0503020204020204" pitchFamily="34" charset="-122"/>
+              </a:defRPr>
+            </a:lvl1pPr>
+            <a:lvl2pPr marL="398780" indent="-230505" algn="l" defTabSz="0" rtl="0" eaLnBrk="0" fontAlgn="base" hangingPunct="0">
+              <a:spcBef>
+                <a:spcPct val="0"/>
+              </a:spcBef>
+              <a:spcAft>
+                <a:spcPct val="15000"/>
+              </a:spcAft>
+              <a:buClr>
+                <a:schemeClr val="tx2"/>
+              </a:buClr>
+              <a:buFont typeface="Arial" panose="020B0604020202020204" pitchFamily="34" charset="0"/>
+              <a:buChar char="–"/>
+              <a:defRPr kumimoji="1" sz="2800">
+                <a:solidFill>
+                  <a:schemeClr val="bg2"/>
+                </a:solidFill>
+                <a:latin typeface="微软雅黑" panose="020B0503020204020204" pitchFamily="34" charset="-122"/>
+                <a:ea typeface="微软雅黑" panose="020B0503020204020204" pitchFamily="34" charset="-122"/>
+                <a:cs typeface="微软雅黑" panose="020B0503020204020204" pitchFamily="34" charset="-122"/>
+              </a:defRPr>
+            </a:lvl2pPr>
+            <a:lvl3pPr marL="400050" indent="182880" algn="l" defTabSz="0" rtl="0" eaLnBrk="0" fontAlgn="base" hangingPunct="0">
+              <a:spcBef>
+                <a:spcPct val="0"/>
+              </a:spcBef>
+              <a:spcAft>
+                <a:spcPct val="15000"/>
+              </a:spcAft>
+              <a:buClr>
+                <a:schemeClr val="tx2"/>
+              </a:buClr>
+              <a:buFont typeface="Arial" panose="020B0604020202020204" pitchFamily="34" charset="0"/>
+              <a:buChar char="•"/>
+              <a:defRPr kumimoji="1" sz="1600">
+                <a:solidFill>
+                  <a:schemeClr val="bg2"/>
+                </a:solidFill>
+                <a:latin typeface="微软雅黑" panose="020B0503020204020204" pitchFamily="34" charset="-122"/>
+                <a:ea typeface="微软雅黑" panose="020B0503020204020204" pitchFamily="34" charset="-122"/>
+                <a:cs typeface="微软雅黑" panose="020B0503020204020204" pitchFamily="34" charset="-122"/>
+              </a:defRPr>
+            </a:lvl3pPr>
+            <a:lvl4pPr marL="825500" indent="-241300" algn="l" defTabSz="0" rtl="0" eaLnBrk="0" fontAlgn="base" hangingPunct="0">
+              <a:spcBef>
+                <a:spcPct val="0"/>
+              </a:spcBef>
+              <a:spcAft>
+                <a:spcPct val="15000"/>
+              </a:spcAft>
+              <a:buClr>
+                <a:schemeClr val="tx2"/>
+              </a:buClr>
+              <a:buFont typeface="Arial" panose="020B0604020202020204" pitchFamily="34" charset="0"/>
+              <a:buChar char="–"/>
+              <a:defRPr kumimoji="1" sz="1600">
+                <a:solidFill>
+                  <a:schemeClr val="bg2"/>
+                </a:solidFill>
+                <a:latin typeface="微软雅黑" panose="020B0503020204020204" pitchFamily="34" charset="-122"/>
+                <a:ea typeface="微软雅黑" panose="020B0503020204020204" pitchFamily="34" charset="-122"/>
+                <a:cs typeface="微软雅黑" panose="020B0503020204020204" pitchFamily="34" charset="-122"/>
+              </a:defRPr>
+            </a:lvl4pPr>
+            <a:lvl5pPr marL="2057400" indent="-228600" algn="l" defTabSz="0" rtl="0" eaLnBrk="0" fontAlgn="base" hangingPunct="0">
+              <a:spcBef>
+                <a:spcPct val="0"/>
+              </a:spcBef>
+              <a:spcAft>
+                <a:spcPct val="25000"/>
+              </a:spcAft>
+              <a:buClr>
+                <a:schemeClr val="tx2"/>
+              </a:buClr>
+              <a:buFont typeface="Arial" panose="020B0604020202020204" pitchFamily="34" charset="0"/>
+              <a:buChar char="–"/>
+              <a:defRPr kumimoji="1" sz="2000">
+                <a:solidFill>
+                  <a:schemeClr val="tx1"/>
+                </a:solidFill>
+                <a:latin typeface="+mn-lt"/>
+                <a:ea typeface="微软雅黑" panose="020B0503020204020204" pitchFamily="34" charset="-122"/>
+                <a:cs typeface="微软雅黑" panose="020B0503020204020204" pitchFamily="34" charset="-122"/>
+              </a:defRPr>
+            </a:lvl5pPr>
+            <a:lvl6pPr marL="2514600" indent="-228600" algn="l" defTabSz="0" rtl="0" eaLnBrk="0" fontAlgn="base" hangingPunct="0">
+              <a:spcBef>
+                <a:spcPct val="0"/>
+              </a:spcBef>
+              <a:spcAft>
+                <a:spcPct val="25000"/>
+              </a:spcAft>
+              <a:buClr>
+                <a:schemeClr val="tx2"/>
+              </a:buClr>
+              <a:buFont typeface="Arial" panose="020B0604020202020204" pitchFamily="34" charset="0"/>
+              <a:buChar char="–"/>
+              <a:defRPr>
+                <a:solidFill>
+                  <a:schemeClr val="tx1"/>
+                </a:solidFill>
+                <a:latin typeface="+mn-lt"/>
+              </a:defRPr>
+            </a:lvl6pPr>
+            <a:lvl7pPr marL="2971800" indent="-228600" algn="l" defTabSz="0" rtl="0" eaLnBrk="0" fontAlgn="base" hangingPunct="0">
+              <a:spcBef>
+                <a:spcPct val="0"/>
+              </a:spcBef>
+              <a:spcAft>
+                <a:spcPct val="25000"/>
+              </a:spcAft>
+              <a:buClr>
+                <a:schemeClr val="tx2"/>
+              </a:buClr>
+              <a:buFont typeface="Arial" panose="020B0604020202020204" pitchFamily="34" charset="0"/>
+              <a:buChar char="–"/>
+              <a:defRPr>
+                <a:solidFill>
+                  <a:schemeClr val="tx1"/>
+                </a:solidFill>
+                <a:latin typeface="+mn-lt"/>
+              </a:defRPr>
+            </a:lvl7pPr>
+            <a:lvl8pPr marL="3429000" indent="-228600" algn="l" defTabSz="0" rtl="0" eaLnBrk="0" fontAlgn="base" hangingPunct="0">
+              <a:spcBef>
+                <a:spcPct val="0"/>
+              </a:spcBef>
+              <a:spcAft>
+                <a:spcPct val="25000"/>
+              </a:spcAft>
+              <a:buClr>
+                <a:schemeClr val="tx2"/>
+              </a:buClr>
+              <a:buFont typeface="Arial" panose="020B0604020202020204" pitchFamily="34" charset="0"/>
+              <a:buChar char="–"/>
+              <a:defRPr>
+                <a:solidFill>
+                  <a:schemeClr val="tx1"/>
+                </a:solidFill>
+                <a:latin typeface="+mn-lt"/>
+              </a:defRPr>
+            </a:lvl8pPr>
+            <a:lvl9pPr marL="3886200" indent="-228600" algn="l" defTabSz="0" rtl="0" eaLnBrk="0" fontAlgn="base" hangingPunct="0">
+              <a:spcBef>
+                <a:spcPct val="0"/>
+              </a:spcBef>
+              <a:spcAft>
+                <a:spcPct val="25000"/>
+              </a:spcAft>
+              <a:buClr>
+                <a:schemeClr val="tx2"/>
+              </a:buClr>
+              <a:buFont typeface="Arial" panose="020B0604020202020204" pitchFamily="34" charset="0"/>
+              <a:buChar char="–"/>
+              <a:defRPr>
+                <a:solidFill>
+                  <a:schemeClr val="tx1"/>
+                </a:solidFill>
+                <a:latin typeface="+mn-lt"/>
+              </a:defRPr>
+            </a:lvl9pPr>
+          </a:lstStyle>
+          <a:p>
+            <a:pPr marL="0" lvl="0" indent="0" defTabSz="914400">
+              <a:spcAft>
+                <a:spcPct val="0"/>
+              </a:spcAft>
+              <a:buClrTx/>
+              <a:buNone/>
+            </a:pPr>
+            <a:r>
+              <a:rPr kumimoji="0" lang="zh-CN" altLang="en-US" sz="3200" dirty="0" smtClean="0">
+                <a:solidFill>
+                  <a:srgbClr val="C00000"/>
+                </a:solidFill>
+                <a:cs typeface="+mn-cs"/>
+                <a:sym typeface="+mn-ea"/>
+              </a:rPr>
+              <a:t>内容提纲</a:t>
+            </a:r>
+            <a:endParaRPr kumimoji="0" lang="zh-CN" altLang="en-US" sz="3200" dirty="0" smtClean="0">
+              <a:solidFill>
+                <a:srgbClr val="C00000"/>
+              </a:solidFill>
+              <a:cs typeface="+mn-cs"/>
+              <a:sym typeface="+mn-ea"/>
+            </a:endParaRPr>
+          </a:p>
+          <a:p>
+            <a:pPr marL="0" lvl="0" indent="0" defTabSz="914400">
+              <a:spcAft>
+                <a:spcPct val="0"/>
+              </a:spcAft>
+              <a:buClrTx/>
+              <a:buNone/>
+            </a:pPr>
+            <a:endParaRPr kumimoji="0" lang="en-US" altLang="zh-CN" sz="3200" dirty="0" smtClean="0">
+              <a:solidFill>
+                <a:srgbClr val="C00000"/>
+              </a:solidFill>
+              <a:cs typeface="+mn-cs"/>
+            </a:endParaRPr>
+          </a:p>
+          <a:p>
+            <a:endParaRPr lang="zh-CN" altLang="en-US" kern="0" dirty="0" smtClean="0"/>
+          </a:p>
+          <a:p>
+            <a:endParaRPr lang="zh-CN" altLang="en-US" kern="0" dirty="0"/>
+          </a:p>
+        </p:txBody>
+      </p:sp>
+    </p:spTree>
+  </p:cSld>
+  <p:clrMapOvr>
+    <a:masterClrMapping/>
+  </p:clrMapOvr>
+  <p:timing>
+    <p:tnLst>
+      <p:par>
+        <p:cTn id="1" dur="indefinite" restart="never" nodeType="tmRoot"/>
+      </p:par>
+    </p:tnLst>
+  </p:timing>
+</p:sld>
+</file>
+
+<file path=ppt/slides/slide24.xml><?xml version="1.0" encoding="utf-8"?>
+<p:sld xmlns:a="http://schemas.openxmlformats.org/drawingml/2006/main" xmlns:r="http://schemas.openxmlformats.org/officeDocument/2006/relationships" xmlns:p="http://schemas.openxmlformats.org/presentationml/2006/main">
+  <p:cSld>
+    <p:spTree>
+      <p:nvGrpSpPr>
+        <p:cNvPr id="1" name=""/>
+        <p:cNvGrpSpPr/>
+        <p:nvPr/>
+      </p:nvGrpSpPr>
+      <p:grpSpPr>
+        <a:xfrm>
+          <a:off x="0" y="0"/>
+          <a:ext cx="0" cy="0"/>
+          <a:chOff x="0" y="0"/>
+          <a:chExt cx="0" cy="0"/>
+        </a:xfrm>
+      </p:grpSpPr>
+      <p:sp>
+        <p:nvSpPr>
+          <p:cNvPr id="11266" name="内容占位符 1"/>
+          <p:cNvSpPr>
+            <a:spLocks noGrp="1"/>
+          </p:cNvSpPr>
+          <p:nvPr>
+            <p:ph sz="quarter" idx="10"/>
+          </p:nvPr>
+        </p:nvSpPr>
+        <p:spPr bwMode="auto">
+          <a:xfrm>
+            <a:off x="947420" y="796925"/>
+            <a:ext cx="10697210" cy="5115560"/>
+          </a:xfrm>
+          <a:noFill/>
+          <a:extLst>
+            <a:ext uri="{909E8E84-426E-40DD-AFC4-6F175D3DCCD1}">
+              <a14:hiddenFill xmlns:a14="http://schemas.microsoft.com/office/drawing/2010/main">
+                <a:solidFill>
+                  <a:srgbClr val="FFFFFF"/>
+                </a:solidFill>
+              </a14:hiddenFill>
+            </a:ext>
+            <a:ext uri="{91240B29-F687-4F45-9708-019B960494DF}">
+              <a14:hiddenLine xmlns:a14="http://schemas.microsoft.com/office/drawing/2010/main" w="9525">
+                <a:solidFill>
+                  <a:srgbClr val="000000"/>
+                </a:solidFill>
+                <a:miter lim="800000"/>
+                <a:headEnd/>
+                <a:tailEnd/>
+              </a14:hiddenLine>
+            </a:ext>
+          </a:extLst>
+        </p:spPr>
+        <p:txBody>
+          <a:bodyPr vert="horz" wrap="square" lIns="91440" tIns="45720" rIns="91440" bIns="45720" numCol="1" anchor="t" anchorCtr="0" compatLnSpc="1"/>
+          <a:lstStyle/>
+          <a:p>
+            <a:pPr>
+              <a:lnSpc>
+                <a:spcPct val="130000"/>
+              </a:lnSpc>
+            </a:pPr>
+            <a:r>
+              <a:rPr kumimoji="0" lang="zh-CN" sz="3200" dirty="0" smtClean="0">
+                <a:solidFill>
+                  <a:schemeClr val="tx1"/>
+                </a:solidFill>
+                <a:sym typeface="+mn-ea"/>
+              </a:rPr>
+              <a:t>参数的解构赋值</a:t>
+            </a:r>
+            <a:endParaRPr kumimoji="0" lang="zh-CN" sz="3200" dirty="0" smtClean="0">
+              <a:solidFill>
+                <a:schemeClr val="tx1"/>
+              </a:solidFill>
+              <a:sym typeface="+mn-ea"/>
+            </a:endParaRPr>
+          </a:p>
+          <a:p>
+            <a:pPr marL="0" indent="0">
+              <a:lnSpc>
+                <a:spcPct val="130000"/>
+              </a:lnSpc>
+              <a:buNone/>
+            </a:pPr>
+            <a:endParaRPr kumimoji="0" sz="3200" dirty="0" smtClean="0">
+              <a:solidFill>
+                <a:schemeClr val="tx1"/>
+              </a:solidFill>
+              <a:sym typeface="+mn-ea"/>
+            </a:endParaRPr>
+          </a:p>
+          <a:p>
+            <a:pPr marL="0" indent="0">
+              <a:lnSpc>
+                <a:spcPct val="130000"/>
+              </a:lnSpc>
+              <a:buNone/>
+            </a:pPr>
+            <a:endParaRPr kumimoji="0" lang="zh-CN" altLang="en-US" sz="3200" dirty="0" smtClean="0">
+              <a:solidFill>
+                <a:schemeClr val="tx1"/>
+              </a:solidFill>
+              <a:sym typeface="+mn-ea"/>
+            </a:endParaRPr>
+          </a:p>
+          <a:p>
+            <a:pPr>
+              <a:lnSpc>
+                <a:spcPct val="130000"/>
+              </a:lnSpc>
+            </a:pPr>
+            <a:endParaRPr kumimoji="0" lang="zh-CN" altLang="en-US" sz="3200" dirty="0" smtClean="0">
+              <a:solidFill>
+                <a:schemeClr val="tx1"/>
+              </a:solidFill>
+              <a:sym typeface="+mn-ea"/>
+            </a:endParaRPr>
+          </a:p>
+          <a:p>
+            <a:pPr>
+              <a:lnSpc>
+                <a:spcPct val="130000"/>
+              </a:lnSpc>
+            </a:pPr>
+            <a:endParaRPr kumimoji="0" lang="zh-CN" altLang="en-US" sz="3200" dirty="0" smtClean="0">
+              <a:solidFill>
+                <a:schemeClr val="tx1"/>
+              </a:solidFill>
+            </a:endParaRPr>
+          </a:p>
+          <a:p>
+            <a:pPr eaLnBrk="1" hangingPunct="1">
+              <a:lnSpc>
+                <a:spcPct val="150000"/>
+              </a:lnSpc>
+            </a:pPr>
+            <a:endParaRPr kumimoji="0" lang="en-US" altLang="zh-CN" sz="3600" dirty="0" smtClean="0">
+              <a:solidFill>
+                <a:schemeClr val="tx1"/>
+              </a:solidFill>
+            </a:endParaRPr>
+          </a:p>
+          <a:p>
+            <a:pPr eaLnBrk="1" hangingPunct="1">
+              <a:lnSpc>
+                <a:spcPct val="150000"/>
+              </a:lnSpc>
+            </a:pPr>
+            <a:endParaRPr kumimoji="0" lang="zh-CN" altLang="en-US" dirty="0" smtClean="0">
+              <a:solidFill>
+                <a:schemeClr val="tx1"/>
+              </a:solidFill>
+            </a:endParaRPr>
+          </a:p>
+        </p:txBody>
+      </p:sp>
+      <p:sp>
+        <p:nvSpPr>
+          <p:cNvPr id="2" name="内容占位符 1"/>
+          <p:cNvSpPr>
+            <a:spLocks noGrp="1"/>
+          </p:cNvSpPr>
+          <p:nvPr>
+            <p:ph sz="quarter" idx="11"/>
+          </p:nvPr>
+        </p:nvSpPr>
+        <p:spPr>
+          <a:xfrm>
+            <a:off x="947420" y="308610"/>
+            <a:ext cx="10057130" cy="490220"/>
+          </a:xfrm>
+        </p:spPr>
+        <p:txBody>
+          <a:bodyPr/>
+          <a:lstStyle/>
+          <a:p>
+            <a:r>
+              <a:rPr kumimoji="0" lang="zh-CN" dirty="0"/>
+              <a:t>函数参数的解构赋值</a:t>
+            </a:r>
+            <a:endParaRPr kumimoji="0" lang="zh-CN" dirty="0"/>
+          </a:p>
+        </p:txBody>
+      </p:sp>
+      <p:sp>
+        <p:nvSpPr>
+          <p:cNvPr id="6" name="文本框 5"/>
+          <p:cNvSpPr txBox="1"/>
+          <p:nvPr/>
+        </p:nvSpPr>
+        <p:spPr>
+          <a:xfrm>
+            <a:off x="5174615" y="6065520"/>
+            <a:ext cx="6735445" cy="429895"/>
+          </a:xfrm>
+          <a:prstGeom prst="rect">
+            <a:avLst/>
+          </a:prstGeom>
+          <a:noFill/>
+        </p:spPr>
+        <p:txBody>
+          <a:bodyPr wrap="square" rtlCol="0">
+            <a:spAutoFit/>
+          </a:bodyPr>
+          <a:p>
+            <a:pPr algn="l"/>
+            <a:r>
+              <a:rPr lang="zh-CN" altLang="en-US" sz="2200">
+                <a:solidFill>
+                  <a:schemeClr val="accent3"/>
+                </a:solidFill>
+                <a:latin typeface="+mn-ea"/>
+                <a:ea typeface="+mn-ea"/>
+              </a:rPr>
+              <a:t>参见实例</a:t>
+            </a:r>
+            <a:r>
+              <a:rPr lang="en-US" altLang="zh-CN" sz="2200">
+                <a:solidFill>
+                  <a:schemeClr val="accent3"/>
+                </a:solidFill>
+                <a:latin typeface="+mn-ea"/>
+                <a:ea typeface="+mn-ea"/>
+              </a:rPr>
+              <a:t>demo12 </a:t>
+            </a:r>
+            <a:endParaRPr lang="zh-CN" sz="2200" dirty="0" smtClean="0">
+              <a:solidFill>
+                <a:schemeClr val="accent3"/>
+              </a:solidFill>
+              <a:latin typeface="+mn-ea"/>
+              <a:ea typeface="+mn-ea"/>
+              <a:sym typeface="+mn-ea"/>
+            </a:endParaRPr>
+          </a:p>
+        </p:txBody>
+      </p:sp>
+    </p:spTree>
+  </p:cSld>
+  <p:clrMapOvr>
+    <a:masterClrMapping/>
+  </p:clrMapOvr>
+  <p:timing>
+    <p:tnLst>
+      <p:par>
+        <p:cTn id="1" dur="indefinite" restart="never" nodeType="tmRoot">
+          <p:childTnLst>
+            <p:seq concurrent="1" nextAc="seek">
+              <p:cTn id="2" dur="indefinite" nodeType="mainSeq">
+                <p:childTnLst>
+                  <p:par>
+                    <p:cTn id="3" fill="hold">
+                      <p:stCondLst>
+                        <p:cond delay="indefinite"/>
+                        <p:cond evt="onBegin" delay="0">
+                          <p:tn val="2"/>
+                        </p:cond>
+                      </p:stCondLst>
+                      <p:childTnLst>
+                        <p:par>
+                          <p:cTn id="4" fill="hold">
+                            <p:stCondLst>
+                              <p:cond delay="0"/>
+                            </p:stCondLst>
+                            <p:childTnLst>
+                              <p:par>
+                                <p:cTn id="5" presetID="2" presetClass="entr" presetSubtype="4" fill="hold" grpId="0" nodeType="afterEffect">
+                                  <p:stCondLst>
+                                    <p:cond delay="0"/>
+                                  </p:stCondLst>
+                                  <p:childTnLst>
+                                    <p:set>
+                                      <p:cBhvr>
+                                        <p:cTn id="6" dur="1" fill="hold">
+                                          <p:stCondLst>
+                                            <p:cond delay="0"/>
+                                          </p:stCondLst>
+                                        </p:cTn>
+                                        <p:tgtEl>
+                                          <p:spTgt spid="6"/>
+                                        </p:tgtEl>
+                                        <p:attrNameLst>
+                                          <p:attrName>style.visibility</p:attrName>
+                                        </p:attrNameLst>
+                                      </p:cBhvr>
+                                      <p:to>
+                                        <p:strVal val="visible"/>
+                                      </p:to>
+                                    </p:set>
+                                    <p:anim calcmode="lin" valueType="num">
+                                      <p:cBhvr additive="base">
+                                        <p:cTn id="7" dur="500" fill="hold"/>
+                                        <p:tgtEl>
+                                          <p:spTgt spid="6"/>
+                                        </p:tgtEl>
+                                        <p:attrNameLst>
+                                          <p:attrName>ppt_x</p:attrName>
+                                        </p:attrNameLst>
+                                      </p:cBhvr>
+                                      <p:tavLst>
+                                        <p:tav tm="0">
+                                          <p:val>
+                                            <p:strVal val="#ppt_x"/>
+                                          </p:val>
+                                        </p:tav>
+                                        <p:tav tm="100000">
+                                          <p:val>
+                                            <p:strVal val="#ppt_x"/>
+                                          </p:val>
+                                        </p:tav>
+                                      </p:tavLst>
+                                    </p:anim>
+                                    <p:anim calcmode="lin" valueType="num">
+                                      <p:cBhvr additive="base">
+                                        <p:cTn id="8" dur="500" fill="hold"/>
+                                        <p:tgtEl>
+                                          <p:spTgt spid="6"/>
+                                        </p:tgtEl>
+                                        <p:attrNameLst>
+                                          <p:attrName>ppt_y</p:attrName>
+                                        </p:attrNameLst>
+                                      </p:cBhvr>
+                                      <p:tavLst>
+                                        <p:tav tm="0">
+                                          <p:val>
+                                            <p:strVal val="1+#ppt_h/2"/>
+                                          </p:val>
+                                        </p:tav>
+                                        <p:tav tm="100000">
+                                          <p:val>
+                                            <p:strVal val="#ppt_y"/>
+                                          </p:val>
+                                        </p:tav>
+                                      </p:tavLst>
+                                    </p:anim>
+                                  </p:childTnLst>
+                                </p:cTn>
+                              </p:par>
+                            </p:childTnLst>
+                          </p:cTn>
+                        </p:par>
+                      </p:childTnLst>
+                    </p:cTn>
+                  </p:par>
+                </p:childTnLst>
+              </p:cTn>
+              <p:prevCondLst>
+                <p:cond evt="onPrev" delay="0">
+                  <p:tgtEl>
+                    <p:sldTgt/>
+                  </p:tgtEl>
+                </p:cond>
+              </p:prevCondLst>
+              <p:nextCondLst>
+                <p:cond evt="onNext" delay="0">
+                  <p:tgtEl>
+                    <p:sldTgt/>
+                  </p:tgtEl>
+                </p:cond>
+              </p:nextCondLst>
+            </p:seq>
+          </p:childTnLst>
+        </p:cTn>
+      </p:par>
+    </p:tnLst>
+    <p:bldLst>
+      <p:bldP spid="6" grpId="0"/>
+    </p:bldLst>
+  </p:timing>
+</p:sld>
+</file>
+
+<file path=ppt/slides/slide25.xml><?xml version="1.0" encoding="utf-8"?>
+<p:sld xmlns:a="http://schemas.openxmlformats.org/drawingml/2006/main" xmlns:r="http://schemas.openxmlformats.org/officeDocument/2006/relationships" xmlns:p="http://schemas.openxmlformats.org/presentationml/2006/main">
+  <p:cSld>
+    <p:spTree>
+      <p:nvGrpSpPr>
+        <p:cNvPr id="1" name=""/>
+        <p:cNvGrpSpPr/>
+        <p:nvPr/>
+      </p:nvGrpSpPr>
+      <p:grpSpPr>
+        <a:xfrm>
+          <a:off x="0" y="0"/>
+          <a:ext cx="0" cy="0"/>
+          <a:chOff x="0" y="0"/>
+          <a:chExt cx="0" cy="0"/>
+        </a:xfrm>
+      </p:grpSpPr>
+      <p:sp>
+        <p:nvSpPr>
+          <p:cNvPr id="5123" name="AutoShape 6"/>
+          <p:cNvSpPr>
+            <a:spLocks noChangeArrowheads="1"/>
+          </p:cNvSpPr>
+          <p:nvPr/>
+        </p:nvSpPr>
+        <p:spPr bwMode="auto">
+          <a:xfrm>
+            <a:off x="2566988" y="1339851"/>
+            <a:ext cx="6711950" cy="4214813"/>
+          </a:xfrm>
+          <a:prstGeom prst="roundRect">
+            <a:avLst>
+              <a:gd name="adj" fmla="val 16667"/>
+            </a:avLst>
+          </a:prstGeom>
+          <a:noFill/>
+          <a:ln w="28575">
+            <a:solidFill>
+              <a:srgbClr val="C0C0C0"/>
+            </a:solidFill>
+            <a:prstDash val="sysDot"/>
+            <a:round/>
+          </a:ln>
+          <a:extLst>
+            <a:ext uri="{909E8E84-426E-40DD-AFC4-6F175D3DCCD1}">
+              <a14:hiddenFill xmlns:a14="http://schemas.microsoft.com/office/drawing/2010/main">
+                <a:solidFill>
+                  <a:srgbClr val="FFFFFF"/>
+                </a:solidFill>
+              </a14:hiddenFill>
+            </a:ext>
+          </a:extLst>
+        </p:spPr>
+        <p:txBody>
+          <a:bodyPr wrap="none" anchor="ctr"/>
+          <a:lstStyle>
+            <a:lvl1pPr marL="457200" indent="-457200">
+              <a:defRPr sz="3200">
+                <a:solidFill>
+                  <a:schemeClr val="tx1"/>
+                </a:solidFill>
+                <a:latin typeface="Arial" panose="020B0604020202020204" pitchFamily="34" charset="0"/>
+                <a:ea typeface="微软雅黑" panose="020B0503020204020204" pitchFamily="34" charset="-122"/>
+              </a:defRPr>
+            </a:lvl1pPr>
+            <a:lvl2pPr marL="742950" indent="-285750">
+              <a:defRPr sz="3200">
+                <a:solidFill>
+                  <a:schemeClr val="tx1"/>
+                </a:solidFill>
+                <a:latin typeface="Arial" panose="020B0604020202020204" pitchFamily="34" charset="0"/>
+                <a:ea typeface="微软雅黑" panose="020B0503020204020204" pitchFamily="34" charset="-122"/>
+              </a:defRPr>
+            </a:lvl2pPr>
+            <a:lvl3pPr marL="1143000" indent="-228600">
+              <a:defRPr sz="3200">
+                <a:solidFill>
+                  <a:schemeClr val="tx1"/>
+                </a:solidFill>
+                <a:latin typeface="Arial" panose="020B0604020202020204" pitchFamily="34" charset="0"/>
+                <a:ea typeface="微软雅黑" panose="020B0503020204020204" pitchFamily="34" charset="-122"/>
+              </a:defRPr>
+            </a:lvl3pPr>
+            <a:lvl4pPr marL="1600200" indent="-228600">
+              <a:defRPr sz="3200">
+                <a:solidFill>
+                  <a:schemeClr val="tx1"/>
+                </a:solidFill>
+                <a:latin typeface="Arial" panose="020B0604020202020204" pitchFamily="34" charset="0"/>
+                <a:ea typeface="微软雅黑" panose="020B0503020204020204" pitchFamily="34" charset="-122"/>
+              </a:defRPr>
+            </a:lvl4pPr>
+            <a:lvl5pPr marL="2057400" indent="-228600">
+              <a:defRPr sz="3200">
+                <a:solidFill>
+                  <a:schemeClr val="tx1"/>
+                </a:solidFill>
+                <a:latin typeface="Arial" panose="020B0604020202020204" pitchFamily="34" charset="0"/>
+                <a:ea typeface="微软雅黑" panose="020B0503020204020204" pitchFamily="34" charset="-122"/>
+              </a:defRPr>
+            </a:lvl5pPr>
+            <a:lvl6pPr marL="2514600" indent="-228600" eaLnBrk="0" fontAlgn="base" hangingPunct="0">
+              <a:spcBef>
+                <a:spcPct val="0"/>
+              </a:spcBef>
+              <a:spcAft>
+                <a:spcPct val="0"/>
+              </a:spcAft>
+              <a:defRPr sz="3200">
+                <a:solidFill>
+                  <a:schemeClr val="tx1"/>
+                </a:solidFill>
+                <a:latin typeface="Arial" panose="020B0604020202020204" pitchFamily="34" charset="0"/>
+                <a:ea typeface="微软雅黑" panose="020B0503020204020204" pitchFamily="34" charset="-122"/>
+              </a:defRPr>
+            </a:lvl6pPr>
+            <a:lvl7pPr marL="2971800" indent="-228600" eaLnBrk="0" fontAlgn="base" hangingPunct="0">
+              <a:spcBef>
+                <a:spcPct val="0"/>
+              </a:spcBef>
+              <a:spcAft>
+                <a:spcPct val="0"/>
+              </a:spcAft>
+              <a:defRPr sz="3200">
+                <a:solidFill>
+                  <a:schemeClr val="tx1"/>
+                </a:solidFill>
+                <a:latin typeface="Arial" panose="020B0604020202020204" pitchFamily="34" charset="0"/>
+                <a:ea typeface="微软雅黑" panose="020B0503020204020204" pitchFamily="34" charset="-122"/>
+              </a:defRPr>
+            </a:lvl7pPr>
+            <a:lvl8pPr marL="3429000" indent="-228600" eaLnBrk="0" fontAlgn="base" hangingPunct="0">
+              <a:spcBef>
+                <a:spcPct val="0"/>
+              </a:spcBef>
+              <a:spcAft>
+                <a:spcPct val="0"/>
+              </a:spcAft>
+              <a:defRPr sz="3200">
+                <a:solidFill>
+                  <a:schemeClr val="tx1"/>
+                </a:solidFill>
+                <a:latin typeface="Arial" panose="020B0604020202020204" pitchFamily="34" charset="0"/>
+                <a:ea typeface="微软雅黑" panose="020B0503020204020204" pitchFamily="34" charset="-122"/>
+              </a:defRPr>
+            </a:lvl8pPr>
+            <a:lvl9pPr marL="3886200" indent="-228600" eaLnBrk="0" fontAlgn="base" hangingPunct="0">
+              <a:spcBef>
+                <a:spcPct val="0"/>
+              </a:spcBef>
+              <a:spcAft>
+                <a:spcPct val="0"/>
+              </a:spcAft>
+              <a:defRPr sz="3200">
+                <a:solidFill>
+                  <a:schemeClr val="tx1"/>
+                </a:solidFill>
+                <a:latin typeface="Arial" panose="020B0604020202020204" pitchFamily="34" charset="0"/>
+                <a:ea typeface="微软雅黑" panose="020B0503020204020204" pitchFamily="34" charset="-122"/>
+              </a:defRPr>
+            </a:lvl9pPr>
+          </a:lstStyle>
+          <a:p>
+            <a:pPr algn="l">
+              <a:lnSpc>
+                <a:spcPct val="150000"/>
+              </a:lnSpc>
+              <a:spcBef>
+                <a:spcPts val="1200"/>
+              </a:spcBef>
+              <a:spcAft>
+                <a:spcPts val="1200"/>
+              </a:spcAft>
+              <a:buClr>
+                <a:srgbClr val="92D050"/>
+              </a:buClr>
+              <a:buFont typeface="Wingdings" panose="05000000000000000000" pitchFamily="2" charset="2"/>
+              <a:buChar char="Ø"/>
+            </a:pPr>
+            <a:r>
+              <a:rPr lang="zh-CN" altLang="en-US" sz="2800" b="1">
+                <a:solidFill>
+                  <a:schemeClr val="tx1"/>
+                </a:solidFill>
+              </a:rPr>
+              <a:t>数组、对象的解构赋值</a:t>
+            </a:r>
+            <a:endParaRPr lang="zh-CN" altLang="en-US" sz="2800" b="1">
+              <a:solidFill>
+                <a:schemeClr val="tx1"/>
+              </a:solidFill>
+            </a:endParaRPr>
+          </a:p>
+          <a:p>
+            <a:pPr algn="l">
+              <a:lnSpc>
+                <a:spcPct val="150000"/>
+              </a:lnSpc>
+              <a:spcBef>
+                <a:spcPts val="1200"/>
+              </a:spcBef>
+              <a:spcAft>
+                <a:spcPts val="1200"/>
+              </a:spcAft>
+              <a:buClr>
+                <a:srgbClr val="92D050"/>
+              </a:buClr>
+              <a:buFont typeface="Wingdings" panose="05000000000000000000" pitchFamily="2" charset="2"/>
+              <a:buChar char="Ø"/>
+            </a:pPr>
+            <a:r>
+              <a:rPr lang="zh-CN" altLang="en-US" sz="2800" b="1">
+                <a:solidFill>
+                  <a:schemeClr val="tx1"/>
+                </a:solidFill>
+                <a:sym typeface="+mn-ea"/>
+              </a:rPr>
+              <a:t>字符串、数字的解构赋值</a:t>
+            </a:r>
+            <a:endParaRPr lang="zh-CN" altLang="en-US" sz="2800" b="1">
+              <a:solidFill>
+                <a:schemeClr val="tx1"/>
+              </a:solidFill>
+              <a:sym typeface="+mn-ea"/>
+            </a:endParaRPr>
+          </a:p>
+          <a:p>
+            <a:pPr algn="l">
+              <a:lnSpc>
+                <a:spcPct val="150000"/>
+              </a:lnSpc>
+              <a:spcBef>
+                <a:spcPts val="1200"/>
+              </a:spcBef>
+              <a:spcAft>
+                <a:spcPts val="1200"/>
+              </a:spcAft>
+              <a:buClr>
+                <a:srgbClr val="92D050"/>
+              </a:buClr>
+              <a:buFont typeface="Wingdings" panose="05000000000000000000" pitchFamily="2" charset="2"/>
+              <a:buChar char="Ø"/>
+            </a:pPr>
+            <a:r>
+              <a:rPr lang="zh-CN" altLang="en-US" sz="2800" b="1">
+                <a:solidFill>
+                  <a:schemeClr val="tx1"/>
+                </a:solidFill>
+              </a:rPr>
+              <a:t>函数参数的解构赋值</a:t>
+            </a:r>
+            <a:endParaRPr lang="zh-CN" altLang="en-US" sz="2800" b="1">
+              <a:solidFill>
+                <a:schemeClr val="tx1"/>
+              </a:solidFill>
+            </a:endParaRPr>
+          </a:p>
+          <a:p>
+            <a:pPr algn="l">
+              <a:lnSpc>
+                <a:spcPct val="150000"/>
+              </a:lnSpc>
+              <a:spcBef>
+                <a:spcPts val="1200"/>
+              </a:spcBef>
+              <a:spcAft>
+                <a:spcPts val="1200"/>
+              </a:spcAft>
+              <a:buClr>
+                <a:srgbClr val="92D050"/>
+              </a:buClr>
+              <a:buFont typeface="Wingdings" panose="05000000000000000000" pitchFamily="2" charset="2"/>
+              <a:buChar char="Ø"/>
+            </a:pPr>
+            <a:r>
+              <a:rPr lang="zh-CN" altLang="en-US" sz="2800" b="1">
+                <a:solidFill>
+                  <a:srgbClr val="FF0000"/>
+                </a:solidFill>
+                <a:sym typeface="+mn-ea"/>
+              </a:rPr>
+              <a:t>解构赋值的常见应用及注意事项</a:t>
+            </a:r>
+            <a:endParaRPr lang="zh-CN" altLang="en-US" sz="2800" b="1">
+              <a:solidFill>
+                <a:srgbClr val="FF0000"/>
+              </a:solidFill>
+              <a:sym typeface="+mn-ea"/>
+            </a:endParaRPr>
+          </a:p>
+        </p:txBody>
+      </p:sp>
+      <p:sp>
+        <p:nvSpPr>
+          <p:cNvPr id="4" name="内容占位符 3"/>
+          <p:cNvSpPr txBox="1"/>
+          <p:nvPr/>
+        </p:nvSpPr>
+        <p:spPr>
+          <a:xfrm>
+            <a:off x="981657" y="236943"/>
+            <a:ext cx="8191557" cy="490476"/>
+          </a:xfrm>
+          <a:prstGeom prst="rect">
+            <a:avLst/>
+          </a:prstGeom>
+        </p:spPr>
+        <p:txBody>
+          <a:bodyPr/>
+          <a:lstStyle>
+            <a:lvl1pPr marL="167005" indent="-167005" algn="l" defTabSz="0" rtl="0" eaLnBrk="0" fontAlgn="base" hangingPunct="0">
+              <a:spcBef>
+                <a:spcPct val="0"/>
+              </a:spcBef>
+              <a:spcAft>
+                <a:spcPct val="15000"/>
+              </a:spcAft>
+              <a:buClr>
+                <a:schemeClr val="tx2"/>
+              </a:buClr>
+              <a:buFont typeface="Arial" panose="020B0604020202020204" pitchFamily="34" charset="0"/>
+              <a:buChar char="•"/>
+              <a:defRPr kumimoji="1" sz="1600">
+                <a:solidFill>
+                  <a:srgbClr val="006F53"/>
+                </a:solidFill>
+                <a:latin typeface="微软雅黑" panose="020B0503020204020204" pitchFamily="34" charset="-122"/>
+                <a:ea typeface="微软雅黑" panose="020B0503020204020204" pitchFamily="34" charset="-122"/>
+                <a:cs typeface="微软雅黑" panose="020B0503020204020204" pitchFamily="34" charset="-122"/>
+              </a:defRPr>
+            </a:lvl1pPr>
+            <a:lvl2pPr marL="398780" indent="-230505" algn="l" defTabSz="0" rtl="0" eaLnBrk="0" fontAlgn="base" hangingPunct="0">
+              <a:spcBef>
+                <a:spcPct val="0"/>
+              </a:spcBef>
+              <a:spcAft>
+                <a:spcPct val="15000"/>
+              </a:spcAft>
+              <a:buClr>
+                <a:schemeClr val="tx2"/>
+              </a:buClr>
+              <a:buFont typeface="Arial" panose="020B0604020202020204" pitchFamily="34" charset="0"/>
+              <a:buChar char="–"/>
+              <a:defRPr kumimoji="1" sz="2800">
+                <a:solidFill>
+                  <a:schemeClr val="bg2"/>
+                </a:solidFill>
+                <a:latin typeface="微软雅黑" panose="020B0503020204020204" pitchFamily="34" charset="-122"/>
+                <a:ea typeface="微软雅黑" panose="020B0503020204020204" pitchFamily="34" charset="-122"/>
+                <a:cs typeface="微软雅黑" panose="020B0503020204020204" pitchFamily="34" charset="-122"/>
+              </a:defRPr>
+            </a:lvl2pPr>
+            <a:lvl3pPr marL="400050" indent="182880" algn="l" defTabSz="0" rtl="0" eaLnBrk="0" fontAlgn="base" hangingPunct="0">
+              <a:spcBef>
+                <a:spcPct val="0"/>
+              </a:spcBef>
+              <a:spcAft>
+                <a:spcPct val="15000"/>
+              </a:spcAft>
+              <a:buClr>
+                <a:schemeClr val="tx2"/>
+              </a:buClr>
+              <a:buFont typeface="Arial" panose="020B0604020202020204" pitchFamily="34" charset="0"/>
+              <a:buChar char="•"/>
+              <a:defRPr kumimoji="1" sz="1600">
+                <a:solidFill>
+                  <a:schemeClr val="bg2"/>
+                </a:solidFill>
+                <a:latin typeface="微软雅黑" panose="020B0503020204020204" pitchFamily="34" charset="-122"/>
+                <a:ea typeface="微软雅黑" panose="020B0503020204020204" pitchFamily="34" charset="-122"/>
+                <a:cs typeface="微软雅黑" panose="020B0503020204020204" pitchFamily="34" charset="-122"/>
+              </a:defRPr>
+            </a:lvl3pPr>
+            <a:lvl4pPr marL="825500" indent="-241300" algn="l" defTabSz="0" rtl="0" eaLnBrk="0" fontAlgn="base" hangingPunct="0">
+              <a:spcBef>
+                <a:spcPct val="0"/>
+              </a:spcBef>
+              <a:spcAft>
+                <a:spcPct val="15000"/>
+              </a:spcAft>
+              <a:buClr>
+                <a:schemeClr val="tx2"/>
+              </a:buClr>
+              <a:buFont typeface="Arial" panose="020B0604020202020204" pitchFamily="34" charset="0"/>
+              <a:buChar char="–"/>
+              <a:defRPr kumimoji="1" sz="1600">
+                <a:solidFill>
+                  <a:schemeClr val="bg2"/>
+                </a:solidFill>
+                <a:latin typeface="微软雅黑" panose="020B0503020204020204" pitchFamily="34" charset="-122"/>
+                <a:ea typeface="微软雅黑" panose="020B0503020204020204" pitchFamily="34" charset="-122"/>
+                <a:cs typeface="微软雅黑" panose="020B0503020204020204" pitchFamily="34" charset="-122"/>
+              </a:defRPr>
+            </a:lvl4pPr>
+            <a:lvl5pPr marL="2057400" indent="-228600" algn="l" defTabSz="0" rtl="0" eaLnBrk="0" fontAlgn="base" hangingPunct="0">
+              <a:spcBef>
+                <a:spcPct val="0"/>
+              </a:spcBef>
+              <a:spcAft>
+                <a:spcPct val="25000"/>
+              </a:spcAft>
+              <a:buClr>
+                <a:schemeClr val="tx2"/>
+              </a:buClr>
+              <a:buFont typeface="Arial" panose="020B0604020202020204" pitchFamily="34" charset="0"/>
+              <a:buChar char="–"/>
+              <a:defRPr kumimoji="1" sz="2000">
+                <a:solidFill>
+                  <a:schemeClr val="tx1"/>
+                </a:solidFill>
+                <a:latin typeface="+mn-lt"/>
+                <a:ea typeface="微软雅黑" panose="020B0503020204020204" pitchFamily="34" charset="-122"/>
+                <a:cs typeface="微软雅黑" panose="020B0503020204020204" pitchFamily="34" charset="-122"/>
+              </a:defRPr>
+            </a:lvl5pPr>
+            <a:lvl6pPr marL="2514600" indent="-228600" algn="l" defTabSz="0" rtl="0" eaLnBrk="0" fontAlgn="base" hangingPunct="0">
+              <a:spcBef>
+                <a:spcPct val="0"/>
+              </a:spcBef>
+              <a:spcAft>
+                <a:spcPct val="25000"/>
+              </a:spcAft>
+              <a:buClr>
+                <a:schemeClr val="tx2"/>
+              </a:buClr>
+              <a:buFont typeface="Arial" panose="020B0604020202020204" pitchFamily="34" charset="0"/>
+              <a:buChar char="–"/>
+              <a:defRPr>
+                <a:solidFill>
+                  <a:schemeClr val="tx1"/>
+                </a:solidFill>
+                <a:latin typeface="+mn-lt"/>
+              </a:defRPr>
+            </a:lvl6pPr>
+            <a:lvl7pPr marL="2971800" indent="-228600" algn="l" defTabSz="0" rtl="0" eaLnBrk="0" fontAlgn="base" hangingPunct="0">
+              <a:spcBef>
+                <a:spcPct val="0"/>
+              </a:spcBef>
+              <a:spcAft>
+                <a:spcPct val="25000"/>
+              </a:spcAft>
+              <a:buClr>
+                <a:schemeClr val="tx2"/>
+              </a:buClr>
+              <a:buFont typeface="Arial" panose="020B0604020202020204" pitchFamily="34" charset="0"/>
+              <a:buChar char="–"/>
+              <a:defRPr>
+                <a:solidFill>
+                  <a:schemeClr val="tx1"/>
+                </a:solidFill>
+                <a:latin typeface="+mn-lt"/>
+              </a:defRPr>
+            </a:lvl7pPr>
+            <a:lvl8pPr marL="3429000" indent="-228600" algn="l" defTabSz="0" rtl="0" eaLnBrk="0" fontAlgn="base" hangingPunct="0">
+              <a:spcBef>
+                <a:spcPct val="0"/>
+              </a:spcBef>
+              <a:spcAft>
+                <a:spcPct val="25000"/>
+              </a:spcAft>
+              <a:buClr>
+                <a:schemeClr val="tx2"/>
+              </a:buClr>
+              <a:buFont typeface="Arial" panose="020B0604020202020204" pitchFamily="34" charset="0"/>
+              <a:buChar char="–"/>
+              <a:defRPr>
+                <a:solidFill>
+                  <a:schemeClr val="tx1"/>
+                </a:solidFill>
+                <a:latin typeface="+mn-lt"/>
+              </a:defRPr>
+            </a:lvl8pPr>
+            <a:lvl9pPr marL="3886200" indent="-228600" algn="l" defTabSz="0" rtl="0" eaLnBrk="0" fontAlgn="base" hangingPunct="0">
+              <a:spcBef>
+                <a:spcPct val="0"/>
+              </a:spcBef>
+              <a:spcAft>
+                <a:spcPct val="25000"/>
+              </a:spcAft>
+              <a:buClr>
+                <a:schemeClr val="tx2"/>
+              </a:buClr>
+              <a:buFont typeface="Arial" panose="020B0604020202020204" pitchFamily="34" charset="0"/>
+              <a:buChar char="–"/>
+              <a:defRPr>
+                <a:solidFill>
+                  <a:schemeClr val="tx1"/>
+                </a:solidFill>
+                <a:latin typeface="+mn-lt"/>
+              </a:defRPr>
+            </a:lvl9pPr>
+          </a:lstStyle>
+          <a:p>
+            <a:pPr marL="0" lvl="0" indent="0" defTabSz="914400">
+              <a:spcAft>
+                <a:spcPct val="0"/>
+              </a:spcAft>
+              <a:buClrTx/>
+              <a:buNone/>
+            </a:pPr>
+            <a:r>
+              <a:rPr kumimoji="0" lang="zh-CN" altLang="en-US" sz="3200" dirty="0" smtClean="0">
+                <a:solidFill>
+                  <a:srgbClr val="C00000"/>
+                </a:solidFill>
+                <a:cs typeface="+mn-cs"/>
+                <a:sym typeface="+mn-ea"/>
+              </a:rPr>
+              <a:t>内容提纲</a:t>
+            </a:r>
+            <a:endParaRPr kumimoji="0" lang="zh-CN" altLang="en-US" sz="3200" dirty="0" smtClean="0">
+              <a:solidFill>
+                <a:srgbClr val="C00000"/>
+              </a:solidFill>
+              <a:cs typeface="+mn-cs"/>
+              <a:sym typeface="+mn-ea"/>
+            </a:endParaRPr>
+          </a:p>
+          <a:p>
+            <a:pPr marL="0" lvl="0" indent="0" defTabSz="914400">
+              <a:spcAft>
+                <a:spcPct val="0"/>
+              </a:spcAft>
+              <a:buClrTx/>
+              <a:buNone/>
+            </a:pPr>
+            <a:endParaRPr kumimoji="0" lang="en-US" altLang="zh-CN" sz="3200" dirty="0" smtClean="0">
+              <a:solidFill>
+                <a:srgbClr val="C00000"/>
+              </a:solidFill>
+              <a:cs typeface="+mn-cs"/>
+            </a:endParaRPr>
+          </a:p>
+          <a:p>
+            <a:endParaRPr lang="zh-CN" altLang="en-US" kern="0" dirty="0" smtClean="0"/>
+          </a:p>
+          <a:p>
+            <a:endParaRPr lang="zh-CN" altLang="en-US" kern="0" dirty="0"/>
+          </a:p>
+        </p:txBody>
+      </p:sp>
+    </p:spTree>
+  </p:cSld>
+  <p:clrMapOvr>
+    <a:masterClrMapping/>
+  </p:clrMapOvr>
+  <p:timing>
+    <p:tnLst>
+      <p:par>
+        <p:cTn id="1" dur="indefinite" restart="never" nodeType="tmRoot"/>
+      </p:par>
+    </p:tnLst>
+  </p:timing>
+</p:sld>
+</file>
+
+<file path=ppt/slides/slide26.xml><?xml version="1.0" encoding="utf-8"?>
+<p:sld xmlns:a="http://schemas.openxmlformats.org/drawingml/2006/main" xmlns:r="http://schemas.openxmlformats.org/officeDocument/2006/relationships" xmlns:p="http://schemas.openxmlformats.org/presentationml/2006/main">
+  <p:cSld>
+    <p:spTree>
+      <p:nvGrpSpPr>
+        <p:cNvPr id="1" name=""/>
+        <p:cNvGrpSpPr/>
+        <p:nvPr/>
+      </p:nvGrpSpPr>
+      <p:grpSpPr>
+        <a:xfrm>
+          <a:off x="0" y="0"/>
+          <a:ext cx="0" cy="0"/>
+          <a:chOff x="0" y="0"/>
+          <a:chExt cx="0" cy="0"/>
+        </a:xfrm>
+      </p:grpSpPr>
+      <p:sp>
+        <p:nvSpPr>
+          <p:cNvPr id="11266" name="内容占位符 1"/>
+          <p:cNvSpPr>
+            <a:spLocks noGrp="1"/>
+          </p:cNvSpPr>
+          <p:nvPr>
+            <p:ph sz="quarter" idx="10"/>
+          </p:nvPr>
+        </p:nvSpPr>
+        <p:spPr bwMode="auto">
+          <a:xfrm>
+            <a:off x="947420" y="796925"/>
+            <a:ext cx="10697210" cy="5115560"/>
+          </a:xfrm>
+          <a:noFill/>
+          <a:extLst>
+            <a:ext uri="{909E8E84-426E-40DD-AFC4-6F175D3DCCD1}">
+              <a14:hiddenFill xmlns:a14="http://schemas.microsoft.com/office/drawing/2010/main">
+                <a:solidFill>
+                  <a:srgbClr val="FFFFFF"/>
+                </a:solidFill>
+              </a14:hiddenFill>
+            </a:ext>
+            <a:ext uri="{91240B29-F687-4F45-9708-019B960494DF}">
+              <a14:hiddenLine xmlns:a14="http://schemas.microsoft.com/office/drawing/2010/main" w="9525">
+                <a:solidFill>
+                  <a:srgbClr val="000000"/>
+                </a:solidFill>
+                <a:miter lim="800000"/>
+                <a:headEnd/>
+                <a:tailEnd/>
+              </a14:hiddenLine>
+            </a:ext>
+          </a:extLst>
+        </p:spPr>
+        <p:txBody>
+          <a:bodyPr vert="horz" wrap="square" lIns="91440" tIns="45720" rIns="91440" bIns="45720" numCol="1" anchor="t" anchorCtr="0" compatLnSpc="1"/>
+          <a:lstStyle/>
+          <a:p>
+            <a:pPr>
+              <a:lnSpc>
+                <a:spcPct val="130000"/>
+              </a:lnSpc>
+            </a:pPr>
+            <a:r>
+              <a:rPr kumimoji="0" lang="zh-CN" sz="3200" dirty="0" smtClean="0">
+                <a:solidFill>
+                  <a:schemeClr val="tx1"/>
+                </a:solidFill>
+                <a:sym typeface="+mn-ea"/>
+              </a:rPr>
+              <a:t>参数</a:t>
+            </a:r>
+            <a:endParaRPr kumimoji="0" lang="zh-CN" sz="3200" dirty="0" smtClean="0">
+              <a:solidFill>
+                <a:schemeClr val="tx1"/>
+              </a:solidFill>
+              <a:sym typeface="+mn-ea"/>
+            </a:endParaRPr>
+          </a:p>
+          <a:p>
+            <a:pPr marL="0" indent="0">
+              <a:lnSpc>
+                <a:spcPct val="130000"/>
+              </a:lnSpc>
+              <a:buNone/>
+            </a:pPr>
+            <a:endParaRPr kumimoji="0" sz="3200" dirty="0" smtClean="0">
+              <a:solidFill>
+                <a:schemeClr val="tx1"/>
+              </a:solidFill>
+              <a:sym typeface="+mn-ea"/>
+            </a:endParaRPr>
+          </a:p>
+          <a:p>
+            <a:pPr marL="0" indent="0">
+              <a:lnSpc>
+                <a:spcPct val="130000"/>
+              </a:lnSpc>
+              <a:buNone/>
+            </a:pPr>
+            <a:endParaRPr kumimoji="0" lang="zh-CN" altLang="en-US" sz="3200" dirty="0" smtClean="0">
+              <a:solidFill>
+                <a:schemeClr val="tx1"/>
+              </a:solidFill>
+              <a:sym typeface="+mn-ea"/>
+            </a:endParaRPr>
+          </a:p>
+          <a:p>
+            <a:pPr>
+              <a:lnSpc>
+                <a:spcPct val="130000"/>
+              </a:lnSpc>
+            </a:pPr>
+            <a:endParaRPr kumimoji="0" lang="zh-CN" altLang="en-US" sz="3200" dirty="0" smtClean="0">
+              <a:solidFill>
+                <a:schemeClr val="tx1"/>
+              </a:solidFill>
+              <a:sym typeface="+mn-ea"/>
+            </a:endParaRPr>
+          </a:p>
+          <a:p>
+            <a:pPr>
+              <a:lnSpc>
+                <a:spcPct val="130000"/>
+              </a:lnSpc>
+            </a:pPr>
+            <a:endParaRPr kumimoji="0" lang="zh-CN" altLang="en-US" sz="3200" dirty="0" smtClean="0">
+              <a:solidFill>
+                <a:schemeClr val="tx1"/>
+              </a:solidFill>
+            </a:endParaRPr>
+          </a:p>
+          <a:p>
+            <a:pPr eaLnBrk="1" hangingPunct="1">
+              <a:lnSpc>
+                <a:spcPct val="150000"/>
+              </a:lnSpc>
+            </a:pPr>
+            <a:endParaRPr kumimoji="0" lang="en-US" altLang="zh-CN" sz="3600" dirty="0" smtClean="0">
+              <a:solidFill>
+                <a:schemeClr val="tx1"/>
+              </a:solidFill>
+            </a:endParaRPr>
+          </a:p>
+          <a:p>
+            <a:pPr eaLnBrk="1" hangingPunct="1">
+              <a:lnSpc>
+                <a:spcPct val="150000"/>
+              </a:lnSpc>
+            </a:pPr>
+            <a:endParaRPr kumimoji="0" lang="zh-CN" altLang="en-US" dirty="0" smtClean="0">
+              <a:solidFill>
+                <a:schemeClr val="tx1"/>
+              </a:solidFill>
+            </a:endParaRPr>
+          </a:p>
+        </p:txBody>
+      </p:sp>
+      <p:sp>
+        <p:nvSpPr>
+          <p:cNvPr id="2" name="内容占位符 1"/>
+          <p:cNvSpPr>
+            <a:spLocks noGrp="1"/>
+          </p:cNvSpPr>
+          <p:nvPr>
+            <p:ph sz="quarter" idx="11"/>
+          </p:nvPr>
+        </p:nvSpPr>
+        <p:spPr>
+          <a:xfrm>
+            <a:off x="947420" y="308610"/>
+            <a:ext cx="10057130" cy="490220"/>
+          </a:xfrm>
+        </p:spPr>
+        <p:txBody>
+          <a:bodyPr/>
+          <a:lstStyle/>
+          <a:p>
+            <a:r>
+              <a:rPr kumimoji="0" lang="zh-CN" dirty="0">
+                <a:sym typeface="+mn-ea"/>
+              </a:rPr>
+              <a:t>解构赋值的常见应用 一</a:t>
+            </a:r>
+            <a:endParaRPr kumimoji="0" lang="zh-CN" dirty="0"/>
+          </a:p>
+        </p:txBody>
+      </p:sp>
+      <p:sp>
+        <p:nvSpPr>
+          <p:cNvPr id="6" name="文本框 5"/>
+          <p:cNvSpPr txBox="1"/>
+          <p:nvPr/>
+        </p:nvSpPr>
+        <p:spPr>
+          <a:xfrm>
+            <a:off x="5174615" y="6065520"/>
+            <a:ext cx="6735445" cy="429895"/>
+          </a:xfrm>
+          <a:prstGeom prst="rect">
+            <a:avLst/>
+          </a:prstGeom>
+          <a:noFill/>
+        </p:spPr>
+        <p:txBody>
+          <a:bodyPr wrap="square" rtlCol="0">
+            <a:spAutoFit/>
+          </a:bodyPr>
+          <a:p>
+            <a:pPr algn="l"/>
+            <a:r>
+              <a:rPr lang="zh-CN" altLang="en-US" sz="2200">
+                <a:solidFill>
+                  <a:schemeClr val="accent3"/>
+                </a:solidFill>
+                <a:latin typeface="+mn-ea"/>
+                <a:ea typeface="+mn-ea"/>
+              </a:rPr>
+              <a:t>参见实例</a:t>
+            </a:r>
+            <a:r>
+              <a:rPr lang="en-US" altLang="zh-CN" sz="2200">
+                <a:solidFill>
+                  <a:schemeClr val="accent3"/>
+                </a:solidFill>
+                <a:latin typeface="+mn-ea"/>
+                <a:ea typeface="+mn-ea"/>
+              </a:rPr>
+              <a:t>demo13 </a:t>
+            </a:r>
+            <a:endParaRPr lang="zh-CN" sz="2200" dirty="0" smtClean="0">
+              <a:solidFill>
+                <a:schemeClr val="accent3"/>
+              </a:solidFill>
+              <a:latin typeface="+mn-ea"/>
+              <a:ea typeface="+mn-ea"/>
+              <a:sym typeface="+mn-ea"/>
+            </a:endParaRPr>
+          </a:p>
+        </p:txBody>
+      </p:sp>
+    </p:spTree>
+  </p:cSld>
+  <p:clrMapOvr>
+    <a:masterClrMapping/>
+  </p:clrMapOvr>
+  <p:timing>
+    <p:tnLst>
+      <p:par>
+        <p:cTn id="1" dur="indefinite" restart="never" nodeType="tmRoot">
+          <p:childTnLst>
+            <p:seq concurrent="1" nextAc="seek">
+              <p:cTn id="2" dur="indefinite" nodeType="mainSeq">
+                <p:childTnLst>
+                  <p:par>
+                    <p:cTn id="3" fill="hold">
+                      <p:stCondLst>
+                        <p:cond delay="indefinite"/>
+                        <p:cond evt="onBegin" delay="0">
+                          <p:tn val="2"/>
+                        </p:cond>
+                      </p:stCondLst>
+                      <p:childTnLst>
+                        <p:par>
+                          <p:cTn id="4" fill="hold">
+                            <p:stCondLst>
+                              <p:cond delay="0"/>
+                            </p:stCondLst>
+                            <p:childTnLst>
+                              <p:par>
+                                <p:cTn id="5" presetID="2" presetClass="entr" presetSubtype="4" fill="hold" grpId="0" nodeType="afterEffect">
+                                  <p:stCondLst>
+                                    <p:cond delay="0"/>
+                                  </p:stCondLst>
+                                  <p:childTnLst>
+                                    <p:set>
+                                      <p:cBhvr>
+                                        <p:cTn id="6" dur="1" fill="hold">
+                                          <p:stCondLst>
+                                            <p:cond delay="0"/>
+                                          </p:stCondLst>
+                                        </p:cTn>
+                                        <p:tgtEl>
+                                          <p:spTgt spid="6"/>
+                                        </p:tgtEl>
+                                        <p:attrNameLst>
+                                          <p:attrName>style.visibility</p:attrName>
+                                        </p:attrNameLst>
+                                      </p:cBhvr>
+                                      <p:to>
+                                        <p:strVal val="visible"/>
+                                      </p:to>
+                                    </p:set>
+                                    <p:anim calcmode="lin" valueType="num">
+                                      <p:cBhvr additive="base">
+                                        <p:cTn id="7" dur="500" fill="hold"/>
+                                        <p:tgtEl>
+                                          <p:spTgt spid="6"/>
+                                        </p:tgtEl>
+                                        <p:attrNameLst>
+                                          <p:attrName>ppt_x</p:attrName>
+                                        </p:attrNameLst>
+                                      </p:cBhvr>
+                                      <p:tavLst>
+                                        <p:tav tm="0">
+                                          <p:val>
+                                            <p:strVal val="#ppt_x"/>
+                                          </p:val>
+                                        </p:tav>
+                                        <p:tav tm="100000">
+                                          <p:val>
+                                            <p:strVal val="#ppt_x"/>
+                                          </p:val>
+                                        </p:tav>
+                                      </p:tavLst>
+                                    </p:anim>
+                                    <p:anim calcmode="lin" valueType="num">
+                                      <p:cBhvr additive="base">
+                                        <p:cTn id="8" dur="500" fill="hold"/>
+                                        <p:tgtEl>
+                                          <p:spTgt spid="6"/>
+                                        </p:tgtEl>
+                                        <p:attrNameLst>
+                                          <p:attrName>ppt_y</p:attrName>
+                                        </p:attrNameLst>
+                                      </p:cBhvr>
+                                      <p:tavLst>
+                                        <p:tav tm="0">
+                                          <p:val>
+                                            <p:strVal val="1+#ppt_h/2"/>
+                                          </p:val>
+                                        </p:tav>
+                                        <p:tav tm="100000">
+                                          <p:val>
+                                            <p:strVal val="#ppt_y"/>
+                                          </p:val>
+                                        </p:tav>
+                                      </p:tavLst>
+                                    </p:anim>
+                                  </p:childTnLst>
+                                </p:cTn>
+                              </p:par>
+                            </p:childTnLst>
+                          </p:cTn>
+                        </p:par>
+                      </p:childTnLst>
+                    </p:cTn>
+                  </p:par>
+                </p:childTnLst>
+              </p:cTn>
+              <p:prevCondLst>
+                <p:cond evt="onPrev" delay="0">
+                  <p:tgtEl>
+                    <p:sldTgt/>
+                  </p:tgtEl>
+                </p:cond>
+              </p:prevCondLst>
+              <p:nextCondLst>
+                <p:cond evt="onNext" delay="0">
+                  <p:tgtEl>
+                    <p:sldTgt/>
+                  </p:tgtEl>
+                </p:cond>
+              </p:nextCondLst>
+            </p:seq>
+          </p:childTnLst>
+        </p:cTn>
+      </p:par>
+    </p:tnLst>
+    <p:bldLst>
+      <p:bldP spid="6" grpId="0"/>
+    </p:bldLst>
+  </p:timing>
+</p:sld>
+</file>
+
+<file path=ppt/slides/slide27.xml><?xml version="1.0" encoding="utf-8"?>
+<p:sld xmlns:a="http://schemas.openxmlformats.org/drawingml/2006/main" xmlns:r="http://schemas.openxmlformats.org/officeDocument/2006/relationships" xmlns:p="http://schemas.openxmlformats.org/presentationml/2006/main">
+  <p:cSld>
+    <p:spTree>
+      <p:nvGrpSpPr>
+        <p:cNvPr id="1" name=""/>
+        <p:cNvGrpSpPr/>
+        <p:nvPr/>
+      </p:nvGrpSpPr>
+      <p:grpSpPr>
+        <a:xfrm>
+          <a:off x="0" y="0"/>
+          <a:ext cx="0" cy="0"/>
+          <a:chOff x="0" y="0"/>
+          <a:chExt cx="0" cy="0"/>
+        </a:xfrm>
+      </p:grpSpPr>
+      <p:sp>
+        <p:nvSpPr>
+          <p:cNvPr id="11266" name="内容占位符 1"/>
+          <p:cNvSpPr>
+            <a:spLocks noGrp="1"/>
+          </p:cNvSpPr>
+          <p:nvPr>
+            <p:ph sz="quarter" idx="10"/>
+          </p:nvPr>
+        </p:nvSpPr>
+        <p:spPr bwMode="auto">
+          <a:xfrm>
+            <a:off x="947420" y="796925"/>
+            <a:ext cx="10697210" cy="5115560"/>
+          </a:xfrm>
+          <a:noFill/>
+          <a:extLst>
+            <a:ext uri="{909E8E84-426E-40DD-AFC4-6F175D3DCCD1}">
+              <a14:hiddenFill xmlns:a14="http://schemas.microsoft.com/office/drawing/2010/main">
+                <a:solidFill>
+                  <a:srgbClr val="FFFFFF"/>
+                </a:solidFill>
+              </a14:hiddenFill>
+            </a:ext>
+            <a:ext uri="{91240B29-F687-4F45-9708-019B960494DF}">
+              <a14:hiddenLine xmlns:a14="http://schemas.microsoft.com/office/drawing/2010/main" w="9525">
+                <a:solidFill>
+                  <a:srgbClr val="000000"/>
+                </a:solidFill>
+                <a:miter lim="800000"/>
+                <a:headEnd/>
+                <a:tailEnd/>
+              </a14:hiddenLine>
+            </a:ext>
+          </a:extLst>
+        </p:spPr>
+        <p:txBody>
+          <a:bodyPr vert="horz" wrap="square" lIns="91440" tIns="45720" rIns="91440" bIns="45720" numCol="1" anchor="t" anchorCtr="0" compatLnSpc="1"/>
+          <a:lstStyle/>
+          <a:p>
+            <a:pPr>
+              <a:lnSpc>
+                <a:spcPct val="130000"/>
+              </a:lnSpc>
+            </a:pPr>
+            <a:r>
+              <a:rPr kumimoji="0" lang="zh-CN" sz="3200" dirty="0" smtClean="0">
+                <a:solidFill>
+                  <a:schemeClr val="tx1"/>
+                </a:solidFill>
+                <a:sym typeface="+mn-ea"/>
+              </a:rPr>
+              <a:t>参数</a:t>
+            </a:r>
+            <a:endParaRPr kumimoji="0" lang="zh-CN" sz="3200" dirty="0" smtClean="0">
+              <a:solidFill>
+                <a:schemeClr val="tx1"/>
+              </a:solidFill>
+              <a:sym typeface="+mn-ea"/>
+            </a:endParaRPr>
+          </a:p>
+          <a:p>
+            <a:pPr marL="0" indent="0">
+              <a:lnSpc>
+                <a:spcPct val="130000"/>
+              </a:lnSpc>
+              <a:buNone/>
+            </a:pPr>
+            <a:endParaRPr kumimoji="0" sz="3200" dirty="0" smtClean="0">
+              <a:solidFill>
+                <a:schemeClr val="tx1"/>
+              </a:solidFill>
+              <a:sym typeface="+mn-ea"/>
+            </a:endParaRPr>
+          </a:p>
+          <a:p>
+            <a:pPr marL="0" indent="0">
+              <a:lnSpc>
+                <a:spcPct val="130000"/>
+              </a:lnSpc>
+              <a:buNone/>
+            </a:pPr>
+            <a:endParaRPr kumimoji="0" lang="zh-CN" altLang="en-US" sz="3200" dirty="0" smtClean="0">
+              <a:solidFill>
+                <a:schemeClr val="tx1"/>
+              </a:solidFill>
+              <a:sym typeface="+mn-ea"/>
+            </a:endParaRPr>
+          </a:p>
+          <a:p>
+            <a:pPr>
+              <a:lnSpc>
+                <a:spcPct val="130000"/>
+              </a:lnSpc>
+            </a:pPr>
+            <a:endParaRPr kumimoji="0" lang="zh-CN" altLang="en-US" sz="3200" dirty="0" smtClean="0">
+              <a:solidFill>
+                <a:schemeClr val="tx1"/>
+              </a:solidFill>
+              <a:sym typeface="+mn-ea"/>
+            </a:endParaRPr>
+          </a:p>
+          <a:p>
+            <a:pPr>
+              <a:lnSpc>
+                <a:spcPct val="130000"/>
+              </a:lnSpc>
+            </a:pPr>
+            <a:endParaRPr kumimoji="0" lang="zh-CN" altLang="en-US" sz="3200" dirty="0" smtClean="0">
+              <a:solidFill>
+                <a:schemeClr val="tx1"/>
+              </a:solidFill>
+            </a:endParaRPr>
+          </a:p>
+          <a:p>
+            <a:pPr eaLnBrk="1" hangingPunct="1">
+              <a:lnSpc>
+                <a:spcPct val="150000"/>
+              </a:lnSpc>
+            </a:pPr>
+            <a:endParaRPr kumimoji="0" lang="en-US" altLang="zh-CN" sz="3600" dirty="0" smtClean="0">
+              <a:solidFill>
+                <a:schemeClr val="tx1"/>
+              </a:solidFill>
+            </a:endParaRPr>
+          </a:p>
+          <a:p>
+            <a:pPr eaLnBrk="1" hangingPunct="1">
+              <a:lnSpc>
+                <a:spcPct val="150000"/>
+              </a:lnSpc>
+            </a:pPr>
+            <a:endParaRPr kumimoji="0" lang="zh-CN" altLang="en-US" dirty="0" smtClean="0">
+              <a:solidFill>
+                <a:schemeClr val="tx1"/>
+              </a:solidFill>
+            </a:endParaRPr>
+          </a:p>
+        </p:txBody>
+      </p:sp>
+      <p:sp>
+        <p:nvSpPr>
+          <p:cNvPr id="2" name="内容占位符 1"/>
+          <p:cNvSpPr>
+            <a:spLocks noGrp="1"/>
+          </p:cNvSpPr>
+          <p:nvPr>
+            <p:ph sz="quarter" idx="11"/>
+          </p:nvPr>
+        </p:nvSpPr>
+        <p:spPr>
+          <a:xfrm>
+            <a:off x="947420" y="308610"/>
+            <a:ext cx="10057130" cy="490220"/>
+          </a:xfrm>
+        </p:spPr>
+        <p:txBody>
+          <a:bodyPr/>
+          <a:lstStyle/>
+          <a:p>
+            <a:r>
+              <a:rPr kumimoji="0" lang="zh-CN" dirty="0">
+                <a:sym typeface="+mn-ea"/>
+              </a:rPr>
+              <a:t>解构赋值的常见应用 二</a:t>
+            </a:r>
+            <a:endParaRPr kumimoji="0" lang="zh-CN" dirty="0"/>
+          </a:p>
+        </p:txBody>
+      </p:sp>
+      <p:sp>
+        <p:nvSpPr>
+          <p:cNvPr id="6" name="文本框 5"/>
+          <p:cNvSpPr txBox="1"/>
+          <p:nvPr/>
+        </p:nvSpPr>
+        <p:spPr>
+          <a:xfrm>
+            <a:off x="5174615" y="6065520"/>
+            <a:ext cx="6735445" cy="429895"/>
+          </a:xfrm>
+          <a:prstGeom prst="rect">
+            <a:avLst/>
+          </a:prstGeom>
+          <a:noFill/>
+        </p:spPr>
+        <p:txBody>
+          <a:bodyPr wrap="square" rtlCol="0">
+            <a:spAutoFit/>
+          </a:bodyPr>
+          <a:p>
+            <a:pPr algn="l"/>
+            <a:r>
+              <a:rPr lang="zh-CN" altLang="en-US" sz="2200">
+                <a:solidFill>
+                  <a:schemeClr val="accent3"/>
+                </a:solidFill>
+                <a:latin typeface="+mn-ea"/>
+                <a:ea typeface="+mn-ea"/>
+              </a:rPr>
+              <a:t>参见实例</a:t>
+            </a:r>
+            <a:r>
+              <a:rPr lang="en-US" altLang="zh-CN" sz="2200">
+                <a:solidFill>
+                  <a:schemeClr val="accent3"/>
+                </a:solidFill>
+                <a:latin typeface="+mn-ea"/>
+                <a:ea typeface="+mn-ea"/>
+              </a:rPr>
+              <a:t>demo14 </a:t>
+            </a:r>
+            <a:endParaRPr lang="zh-CN" sz="2200" dirty="0" smtClean="0">
+              <a:solidFill>
+                <a:schemeClr val="accent3"/>
+              </a:solidFill>
+              <a:latin typeface="+mn-ea"/>
+              <a:ea typeface="+mn-ea"/>
+              <a:sym typeface="+mn-ea"/>
+            </a:endParaRPr>
+          </a:p>
+        </p:txBody>
+      </p:sp>
+    </p:spTree>
+  </p:cSld>
+  <p:clrMapOvr>
+    <a:masterClrMapping/>
+  </p:clrMapOvr>
+  <p:timing>
+    <p:tnLst>
+      <p:par>
+        <p:cTn id="1" dur="indefinite" restart="never" nodeType="tmRoot">
+          <p:childTnLst>
+            <p:seq concurrent="1" nextAc="seek">
+              <p:cTn id="2" dur="indefinite" nodeType="mainSeq">
+                <p:childTnLst>
+                  <p:par>
+                    <p:cTn id="3" fill="hold">
+                      <p:stCondLst>
+                        <p:cond delay="indefinite"/>
+                        <p:cond evt="onBegin" delay="0">
+                          <p:tn val="2"/>
+                        </p:cond>
+                      </p:stCondLst>
+                      <p:childTnLst>
+                        <p:par>
+                          <p:cTn id="4" fill="hold">
+                            <p:stCondLst>
+                              <p:cond delay="0"/>
+                            </p:stCondLst>
+                            <p:childTnLst>
+                              <p:par>
+                                <p:cTn id="5" presetID="2" presetClass="entr" presetSubtype="4" fill="hold" grpId="0" nodeType="afterEffect">
+                                  <p:stCondLst>
+                                    <p:cond delay="0"/>
+                                  </p:stCondLst>
+                                  <p:childTnLst>
+                                    <p:set>
+                                      <p:cBhvr>
+                                        <p:cTn id="6" dur="1" fill="hold">
+                                          <p:stCondLst>
+                                            <p:cond delay="0"/>
+                                          </p:stCondLst>
+                                        </p:cTn>
+                                        <p:tgtEl>
+                                          <p:spTgt spid="6"/>
+                                        </p:tgtEl>
+                                        <p:attrNameLst>
+                                          <p:attrName>style.visibility</p:attrName>
+                                        </p:attrNameLst>
+                                      </p:cBhvr>
+                                      <p:to>
+                                        <p:strVal val="visible"/>
+                                      </p:to>
+                                    </p:set>
+                                    <p:anim calcmode="lin" valueType="num">
+                                      <p:cBhvr additive="base">
+                                        <p:cTn id="7" dur="500" fill="hold"/>
+                                        <p:tgtEl>
+                                          <p:spTgt spid="6"/>
+                                        </p:tgtEl>
+                                        <p:attrNameLst>
+                                          <p:attrName>ppt_x</p:attrName>
+                                        </p:attrNameLst>
+                                      </p:cBhvr>
+                                      <p:tavLst>
+                                        <p:tav tm="0">
+                                          <p:val>
+                                            <p:strVal val="#ppt_x"/>
+                                          </p:val>
+                                        </p:tav>
+                                        <p:tav tm="100000">
+                                          <p:val>
+                                            <p:strVal val="#ppt_x"/>
+                                          </p:val>
+                                        </p:tav>
+                                      </p:tavLst>
+                                    </p:anim>
+                                    <p:anim calcmode="lin" valueType="num">
+                                      <p:cBhvr additive="base">
+                                        <p:cTn id="8" dur="500" fill="hold"/>
+                                        <p:tgtEl>
+                                          <p:spTgt spid="6"/>
+                                        </p:tgtEl>
+                                        <p:attrNameLst>
+                                          <p:attrName>ppt_y</p:attrName>
+                                        </p:attrNameLst>
+                                      </p:cBhvr>
+                                      <p:tavLst>
+                                        <p:tav tm="0">
+                                          <p:val>
+                                            <p:strVal val="1+#ppt_h/2"/>
+                                          </p:val>
+                                        </p:tav>
+                                        <p:tav tm="100000">
+                                          <p:val>
+                                            <p:strVal val="#ppt_y"/>
+                                          </p:val>
+                                        </p:tav>
+                                      </p:tavLst>
+                                    </p:anim>
+                                  </p:childTnLst>
+                                </p:cTn>
+                              </p:par>
+                            </p:childTnLst>
+                          </p:cTn>
+                        </p:par>
+                      </p:childTnLst>
+                    </p:cTn>
+                  </p:par>
+                </p:childTnLst>
+              </p:cTn>
+              <p:prevCondLst>
+                <p:cond evt="onPrev" delay="0">
+                  <p:tgtEl>
+                    <p:sldTgt/>
+                  </p:tgtEl>
+                </p:cond>
+              </p:prevCondLst>
+              <p:nextCondLst>
+                <p:cond evt="onNext" delay="0">
+                  <p:tgtEl>
+                    <p:sldTgt/>
+                  </p:tgtEl>
+                </p:cond>
+              </p:nextCondLst>
+            </p:seq>
+          </p:childTnLst>
+        </p:cTn>
+      </p:par>
+    </p:tnLst>
+    <p:bldLst>
+      <p:bldP spid="6" grpId="0"/>
+    </p:bldLst>
+  </p:timing>
+</p:sld>
+</file>
+
+<file path=ppt/slides/slide28.xml><?xml version="1.0" encoding="utf-8"?>
+<p:sld xmlns:a="http://schemas.openxmlformats.org/drawingml/2006/main" xmlns:r="http://schemas.openxmlformats.org/officeDocument/2006/relationships" xmlns:p="http://schemas.openxmlformats.org/presentationml/2006/main">
+  <p:cSld>
+    <p:spTree>
+      <p:nvGrpSpPr>
+        <p:cNvPr id="1" name=""/>
+        <p:cNvGrpSpPr/>
+        <p:nvPr/>
+      </p:nvGrpSpPr>
+      <p:grpSpPr>
+        <a:xfrm>
+          <a:off x="0" y="0"/>
+          <a:ext cx="0" cy="0"/>
+          <a:chOff x="0" y="0"/>
+          <a:chExt cx="0" cy="0"/>
+        </a:xfrm>
+      </p:grpSpPr>
+      <p:sp>
+        <p:nvSpPr>
+          <p:cNvPr id="11266" name="内容占位符 1"/>
+          <p:cNvSpPr>
+            <a:spLocks noGrp="1"/>
+          </p:cNvSpPr>
+          <p:nvPr>
+            <p:ph sz="quarter" idx="10"/>
+          </p:nvPr>
+        </p:nvSpPr>
+        <p:spPr bwMode="auto">
+          <a:xfrm>
+            <a:off x="947420" y="796925"/>
+            <a:ext cx="10697210" cy="5115560"/>
+          </a:xfrm>
+          <a:noFill/>
+          <a:extLst>
+            <a:ext uri="{909E8E84-426E-40DD-AFC4-6F175D3DCCD1}">
+              <a14:hiddenFill xmlns:a14="http://schemas.microsoft.com/office/drawing/2010/main">
+                <a:solidFill>
+                  <a:srgbClr val="FFFFFF"/>
+                </a:solidFill>
+              </a14:hiddenFill>
+            </a:ext>
+            <a:ext uri="{91240B29-F687-4F45-9708-019B960494DF}">
+              <a14:hiddenLine xmlns:a14="http://schemas.microsoft.com/office/drawing/2010/main" w="9525">
+                <a:solidFill>
+                  <a:srgbClr val="000000"/>
+                </a:solidFill>
+                <a:miter lim="800000"/>
+                <a:headEnd/>
+                <a:tailEnd/>
+              </a14:hiddenLine>
+            </a:ext>
+          </a:extLst>
+        </p:spPr>
+        <p:txBody>
+          <a:bodyPr vert="horz" wrap="square" lIns="91440" tIns="45720" rIns="91440" bIns="45720" numCol="1" anchor="t" anchorCtr="0" compatLnSpc="1"/>
+          <a:lstStyle/>
+          <a:p>
+            <a:pPr>
+              <a:lnSpc>
+                <a:spcPct val="130000"/>
+              </a:lnSpc>
+            </a:pPr>
+            <a:r>
+              <a:rPr kumimoji="0" lang="zh-CN" sz="3200" dirty="0" smtClean="0">
+                <a:solidFill>
+                  <a:schemeClr val="tx1"/>
+                </a:solidFill>
+                <a:sym typeface="+mn-ea"/>
+              </a:rPr>
+              <a:t>参数</a:t>
+            </a:r>
+            <a:endParaRPr kumimoji="0" lang="zh-CN" sz="3200" dirty="0" smtClean="0">
+              <a:solidFill>
+                <a:schemeClr val="tx1"/>
+              </a:solidFill>
+              <a:sym typeface="+mn-ea"/>
+            </a:endParaRPr>
+          </a:p>
+          <a:p>
+            <a:pPr marL="0" indent="0">
+              <a:lnSpc>
+                <a:spcPct val="130000"/>
+              </a:lnSpc>
+              <a:buNone/>
+            </a:pPr>
+            <a:endParaRPr kumimoji="0" sz="3200" dirty="0" smtClean="0">
+              <a:solidFill>
+                <a:schemeClr val="tx1"/>
+              </a:solidFill>
+              <a:sym typeface="+mn-ea"/>
+            </a:endParaRPr>
+          </a:p>
+          <a:p>
+            <a:pPr marL="0" indent="0">
+              <a:lnSpc>
+                <a:spcPct val="130000"/>
+              </a:lnSpc>
+              <a:buNone/>
+            </a:pPr>
+            <a:endParaRPr kumimoji="0" lang="zh-CN" altLang="en-US" sz="3200" dirty="0" smtClean="0">
+              <a:solidFill>
+                <a:schemeClr val="tx1"/>
+              </a:solidFill>
+              <a:sym typeface="+mn-ea"/>
+            </a:endParaRPr>
+          </a:p>
+          <a:p>
+            <a:pPr>
+              <a:lnSpc>
+                <a:spcPct val="130000"/>
+              </a:lnSpc>
+            </a:pPr>
+            <a:endParaRPr kumimoji="0" lang="zh-CN" altLang="en-US" sz="3200" dirty="0" smtClean="0">
+              <a:solidFill>
+                <a:schemeClr val="tx1"/>
+              </a:solidFill>
+              <a:sym typeface="+mn-ea"/>
+            </a:endParaRPr>
+          </a:p>
+          <a:p>
+            <a:pPr>
+              <a:lnSpc>
+                <a:spcPct val="130000"/>
+              </a:lnSpc>
+            </a:pPr>
+            <a:endParaRPr kumimoji="0" lang="zh-CN" altLang="en-US" sz="3200" dirty="0" smtClean="0">
+              <a:solidFill>
+                <a:schemeClr val="tx1"/>
+              </a:solidFill>
+            </a:endParaRPr>
+          </a:p>
+          <a:p>
+            <a:pPr eaLnBrk="1" hangingPunct="1">
+              <a:lnSpc>
+                <a:spcPct val="150000"/>
+              </a:lnSpc>
+            </a:pPr>
+            <a:endParaRPr kumimoji="0" lang="en-US" altLang="zh-CN" sz="3600" dirty="0" smtClean="0">
+              <a:solidFill>
+                <a:schemeClr val="tx1"/>
+              </a:solidFill>
+            </a:endParaRPr>
+          </a:p>
+          <a:p>
+            <a:pPr eaLnBrk="1" hangingPunct="1">
+              <a:lnSpc>
+                <a:spcPct val="150000"/>
+              </a:lnSpc>
+            </a:pPr>
+            <a:endParaRPr kumimoji="0" lang="zh-CN" altLang="en-US" dirty="0" smtClean="0">
+              <a:solidFill>
+                <a:schemeClr val="tx1"/>
+              </a:solidFill>
+            </a:endParaRPr>
+          </a:p>
+        </p:txBody>
+      </p:sp>
+      <p:sp>
+        <p:nvSpPr>
+          <p:cNvPr id="2" name="内容占位符 1"/>
+          <p:cNvSpPr>
+            <a:spLocks noGrp="1"/>
+          </p:cNvSpPr>
+          <p:nvPr>
+            <p:ph sz="quarter" idx="11"/>
+          </p:nvPr>
+        </p:nvSpPr>
+        <p:spPr>
+          <a:xfrm>
+            <a:off x="947420" y="308610"/>
+            <a:ext cx="10057130" cy="490220"/>
+          </a:xfrm>
+        </p:spPr>
+        <p:txBody>
+          <a:bodyPr/>
+          <a:lstStyle/>
+          <a:p>
+            <a:r>
+              <a:rPr kumimoji="0" lang="zh-CN" dirty="0">
+                <a:sym typeface="+mn-ea"/>
+              </a:rPr>
+              <a:t>解构赋值的注意事项（括号问题）</a:t>
+            </a:r>
+            <a:endParaRPr kumimoji="0" lang="zh-CN" dirty="0"/>
+          </a:p>
+        </p:txBody>
+      </p:sp>
+      <p:sp>
+        <p:nvSpPr>
+          <p:cNvPr id="6" name="文本框 5"/>
+          <p:cNvSpPr txBox="1"/>
+          <p:nvPr/>
+        </p:nvSpPr>
+        <p:spPr>
+          <a:xfrm>
+            <a:off x="5174615" y="6065520"/>
+            <a:ext cx="6735445" cy="429895"/>
+          </a:xfrm>
+          <a:prstGeom prst="rect">
+            <a:avLst/>
+          </a:prstGeom>
+          <a:noFill/>
+        </p:spPr>
+        <p:txBody>
+          <a:bodyPr wrap="square" rtlCol="0">
+            <a:spAutoFit/>
+          </a:bodyPr>
+          <a:p>
+            <a:pPr algn="l"/>
+            <a:r>
+              <a:rPr lang="zh-CN" altLang="en-US" sz="2200">
+                <a:solidFill>
+                  <a:schemeClr val="accent3"/>
+                </a:solidFill>
+                <a:latin typeface="+mn-ea"/>
+                <a:ea typeface="+mn-ea"/>
+              </a:rPr>
+              <a:t>参见实例</a:t>
+            </a:r>
+            <a:r>
+              <a:rPr lang="en-US" altLang="zh-CN" sz="2200">
+                <a:solidFill>
+                  <a:schemeClr val="accent3"/>
+                </a:solidFill>
+                <a:latin typeface="+mn-ea"/>
+                <a:ea typeface="+mn-ea"/>
+              </a:rPr>
+              <a:t>demo15 </a:t>
+            </a:r>
+            <a:endParaRPr lang="zh-CN" sz="2200" dirty="0" smtClean="0">
+              <a:solidFill>
+                <a:schemeClr val="accent3"/>
+              </a:solidFill>
+              <a:latin typeface="+mn-ea"/>
+              <a:ea typeface="+mn-ea"/>
+              <a:sym typeface="+mn-ea"/>
+            </a:endParaRPr>
+          </a:p>
+        </p:txBody>
+      </p:sp>
+    </p:spTree>
+  </p:cSld>
+  <p:clrMapOvr>
+    <a:masterClrMapping/>
+  </p:clrMapOvr>
+  <p:timing>
+    <p:tnLst>
+      <p:par>
+        <p:cTn id="1" dur="indefinite" restart="never" nodeType="tmRoot">
+          <p:childTnLst>
+            <p:seq concurrent="1" nextAc="seek">
+              <p:cTn id="2" dur="indefinite" nodeType="mainSeq">
+                <p:childTnLst>
+                  <p:par>
+                    <p:cTn id="3" fill="hold">
+                      <p:stCondLst>
+                        <p:cond delay="indefinite"/>
+                        <p:cond evt="onBegin" delay="0">
+                          <p:tn val="2"/>
+                        </p:cond>
+                      </p:stCondLst>
+                      <p:childTnLst>
+                        <p:par>
+                          <p:cTn id="4" fill="hold">
+                            <p:stCondLst>
+                              <p:cond delay="0"/>
+                            </p:stCondLst>
+                            <p:childTnLst>
+                              <p:par>
+                                <p:cTn id="5" presetID="2" presetClass="entr" presetSubtype="4" fill="hold" grpId="0" nodeType="afterEffect">
+                                  <p:stCondLst>
+                                    <p:cond delay="0"/>
+                                  </p:stCondLst>
+                                  <p:childTnLst>
+                                    <p:set>
+                                      <p:cBhvr>
+                                        <p:cTn id="6" dur="1" fill="hold">
+                                          <p:stCondLst>
+                                            <p:cond delay="0"/>
+                                          </p:stCondLst>
+                                        </p:cTn>
+                                        <p:tgtEl>
+                                          <p:spTgt spid="6"/>
+                                        </p:tgtEl>
+                                        <p:attrNameLst>
+                                          <p:attrName>style.visibility</p:attrName>
+                                        </p:attrNameLst>
+                                      </p:cBhvr>
+                                      <p:to>
+                                        <p:strVal val="visible"/>
+                                      </p:to>
+                                    </p:set>
+                                    <p:anim calcmode="lin" valueType="num">
+                                      <p:cBhvr additive="base">
+                                        <p:cTn id="7" dur="500" fill="hold"/>
+                                        <p:tgtEl>
+                                          <p:spTgt spid="6"/>
+                                        </p:tgtEl>
+                                        <p:attrNameLst>
+                                          <p:attrName>ppt_x</p:attrName>
+                                        </p:attrNameLst>
+                                      </p:cBhvr>
+                                      <p:tavLst>
+                                        <p:tav tm="0">
+                                          <p:val>
+                                            <p:strVal val="#ppt_x"/>
+                                          </p:val>
+                                        </p:tav>
+                                        <p:tav tm="100000">
+                                          <p:val>
+                                            <p:strVal val="#ppt_x"/>
+                                          </p:val>
+                                        </p:tav>
+                                      </p:tavLst>
+                                    </p:anim>
+                                    <p:anim calcmode="lin" valueType="num">
+                                      <p:cBhvr additive="base">
+                                        <p:cTn id="8" dur="500" fill="hold"/>
+                                        <p:tgtEl>
+                                          <p:spTgt spid="6"/>
+                                        </p:tgtEl>
+                                        <p:attrNameLst>
+                                          <p:attrName>ppt_y</p:attrName>
+                                        </p:attrNameLst>
+                                      </p:cBhvr>
+                                      <p:tavLst>
+                                        <p:tav tm="0">
+                                          <p:val>
+                                            <p:strVal val="1+#ppt_h/2"/>
+                                          </p:val>
+                                        </p:tav>
+                                        <p:tav tm="100000">
+                                          <p:val>
+                                            <p:strVal val="#ppt_y"/>
+                                          </p:val>
+                                        </p:tav>
+                                      </p:tavLst>
+                                    </p:anim>
+                                  </p:childTnLst>
+                                </p:cTn>
+                              </p:par>
+                            </p:childTnLst>
+                          </p:cTn>
+                        </p:par>
+                      </p:childTnLst>
+                    </p:cTn>
+                  </p:par>
+                </p:childTnLst>
+              </p:cTn>
+              <p:prevCondLst>
+                <p:cond evt="onPrev" delay="0">
+                  <p:tgtEl>
+                    <p:sldTgt/>
+                  </p:tgtEl>
+                </p:cond>
+              </p:prevCondLst>
+              <p:nextCondLst>
+                <p:cond evt="onNext" delay="0">
+                  <p:tgtEl>
+                    <p:sldTgt/>
+                  </p:tgtEl>
+                </p:cond>
+              </p:nextCondLst>
+            </p:seq>
+          </p:childTnLst>
+        </p:cTn>
+      </p:par>
+    </p:tnLst>
+    <p:bldLst>
+      <p:bldP spid="6" grpId="0"/>
+    </p:bldLst>
+  </p:timing>
+</p:sld>
+</file>
+
+<file path=ppt/slides/slide29.xml><?xml version="1.0" encoding="utf-8"?>
 <p:sld xmlns:a="http://schemas.openxmlformats.org/drawingml/2006/main" xmlns:r="http://schemas.openxmlformats.org/officeDocument/2006/relationships" xmlns:p="http://schemas.openxmlformats.org/presentationml/2006/main">
   <p:cSld>
     <p:spTree>

--- a/课程PPT/13.ECMAScript 6 一.pptx
+++ b/课程PPT/13.ECMAScript 6 一.pptx
@@ -11448,7 +11448,29 @@
                 <a:ea typeface="+mn-ea"/>
                 <a:sym typeface="+mn-ea"/>
               </a:rPr>
-              <a:t>http://ruanyf.github.io/es-checker/index.cn.html</a:t>
+              <a:t>http</a:t>
+            </a:r>
+            <a:r>
+              <a:rPr lang="en-US" altLang="zh-CN" sz="2000">
+                <a:solidFill>
+                  <a:schemeClr val="tx1"/>
+                </a:solidFill>
+                <a:latin typeface="+mn-ea"/>
+                <a:ea typeface="+mn-ea"/>
+                <a:sym typeface="+mn-ea"/>
+              </a:rPr>
+              <a:t>s</a:t>
+            </a:r>
+            <a:r>
+              <a:rPr lang="zh-CN" altLang="en-US" sz="2000">
+                <a:solidFill>
+                  <a:schemeClr val="tx1"/>
+                </a:solidFill>
+                <a:latin typeface="+mn-ea"/>
+                <a:ea typeface="+mn-ea"/>
+                <a:sym typeface="+mn-ea"/>
+              </a:rPr>
+              <a:t>://ruanyf.github.io/es-checker/index.cn.html</a:t>
             </a:r>
             <a:br>
               <a:rPr lang="zh-CN" altLang="en-US" sz="2000">
@@ -13145,7 +13167,7 @@
                 <a:ea typeface="+mn-ea"/>
                 <a:sym typeface="+mn-ea"/>
               </a:rPr>
-              <a:t>结构赋值时，左侧为键值对时</a:t>
+              <a:t>解构赋值时，左侧为键值对时</a:t>
             </a:r>
             <a:endParaRPr lang="zh-CN" sz="2200">
               <a:solidFill>
@@ -14513,8 +14535,8 @@
         </p:nvSpPr>
         <p:spPr>
           <a:xfrm>
-            <a:off x="7079615" y="3606800"/>
-            <a:ext cx="4829810" cy="1106805"/>
+            <a:off x="6713855" y="3606800"/>
+            <a:ext cx="5195570" cy="1106805"/>
           </a:xfrm>
           <a:prstGeom prst="rect">
             <a:avLst/>
@@ -14563,7 +14585,7 @@
                   <a:srgbClr val="FF0000"/>
                 </a:solidFill>
               </a:rPr>
-              <a:t>“Hi”</a:t>
+              <a:t>true</a:t>
             </a:r>
             <a:r>
               <a:rPr lang="zh-CN" altLang="en-US" sz="2200">
